--- a/Магистерская/Предзащита(после Синельщикова).pptx
+++ b/Магистерская/Предзащита(после Синельщикова).pptx
@@ -2,20 +2,20 @@
 <file path=ppt/presentation.xml><?xml version="1.0" encoding="utf-8"?>
 <p:presentation xmlns:a="http://schemas.openxmlformats.org/drawingml/2006/main" xmlns:r="http://schemas.openxmlformats.org/officeDocument/2006/relationships" xmlns:p="http://schemas.openxmlformats.org/presentationml/2006/main" saveSubsetFonts="1">
   <p:sldMasterIdLst>
-    <p:sldMasterId id="2147483872" r:id="rId1"/>
+    <p:sldMasterId id="2147483884" r:id="rId1"/>
   </p:sldMasterIdLst>
   <p:notesMasterIdLst>
     <p:notesMasterId r:id="rId10"/>
   </p:notesMasterIdLst>
   <p:sldIdLst>
-    <p:sldId id="256" r:id="rId2"/>
+    <p:sldId id="264" r:id="rId2"/>
     <p:sldId id="257" r:id="rId3"/>
     <p:sldId id="260" r:id="rId4"/>
     <p:sldId id="261" r:id="rId5"/>
     <p:sldId id="258" r:id="rId6"/>
     <p:sldId id="259" r:id="rId7"/>
     <p:sldId id="262" r:id="rId8"/>
-    <p:sldId id="263" r:id="rId9"/>
+    <p:sldId id="265" r:id="rId9"/>
   </p:sldIdLst>
   <p:sldSz cx="12192000" cy="6858000"/>
   <p:notesSz cx="6858000" cy="9144000"/>
@@ -2931,7 +2931,7 @@
           <a:p>
             <a:fld id="{F2089AFE-C3F0-4DD3-BBBC-C4B36DCACDEC}" type="datetimeFigureOut">
               <a:rPr lang="ru-RU" smtClean="0"/>
-              <a:t>20.10.2025</a:t>
+              <a:t>22.10.2025</a:t>
             </a:fld>
             <a:endParaRPr lang="ru-RU"/>
           </a:p>
@@ -3242,16 +3242,8 @@
           <a:bodyPr/>
           <a:lstStyle/>
           <a:p>
-            <a:pPr algn="just">
-              <a:spcBef>
-                <a:spcPts val="1125"/>
-              </a:spcBef>
-              <a:spcAft>
-                <a:spcPts val="1875"/>
-              </a:spcAft>
-            </a:pPr>
-            <a:r>
-              <a:rPr lang="ru-RU" sz="1200" dirty="0">
+            <a:r>
+              <a:rPr lang="ru-RU" sz="1800" dirty="0">
                 <a:solidFill>
                   <a:srgbClr val="333333"/>
                 </a:solidFill>
@@ -3262,7 +3254,7 @@
               <a:t>«Уважаемый председатель и члены государственной аттестационной комиссии! Разрешите представить Вашему вниманию выпускную </a:t>
             </a:r>
             <a:r>
-              <a:rPr lang="ru-RU" sz="1200" b="1" i="1" dirty="0">
+              <a:rPr lang="ru-RU" sz="1800" b="1" i="1" dirty="0">
                 <a:solidFill>
                   <a:srgbClr val="333333"/>
                 </a:solidFill>
@@ -3270,63 +3262,33 @@
                 <a:latin typeface="Calibri" panose="020F0502020204030204" pitchFamily="34" charset="0"/>
                 <a:ea typeface="Times New Roman" panose="02020603050405020304" pitchFamily="18" charset="0"/>
               </a:rPr>
-              <a:t>квалификационную работу магистра на тему: «</a:t>
-            </a:r>
-            <a:r>
-              <a:rPr lang="ru-RU" sz="1200" dirty="0">
-                <a:latin typeface="Times New Roman" panose="02020603050405020304" pitchFamily="18" charset="0"/>
-                <a:cs typeface="Times New Roman" panose="02020603050405020304" pitchFamily="18" charset="0"/>
-              </a:rPr>
-              <a:t>Выбор </a:t>
-            </a:r>
-            <a:r>
-              <a:rPr lang="ru-RU" sz="1200" dirty="0" err="1">
-                <a:latin typeface="Times New Roman" panose="02020603050405020304" pitchFamily="18" charset="0"/>
-                <a:cs typeface="Times New Roman" panose="02020603050405020304" pitchFamily="18" charset="0"/>
-              </a:rPr>
-              <a:t>архиртектурного</a:t>
-            </a:r>
-            <a:r>
-              <a:rPr lang="ru-RU" sz="1200" dirty="0">
-                <a:latin typeface="Times New Roman" panose="02020603050405020304" pitchFamily="18" charset="0"/>
-                <a:cs typeface="Times New Roman" panose="02020603050405020304" pitchFamily="18" charset="0"/>
-              </a:rPr>
-              <a:t> решения на основе </a:t>
-            </a:r>
-            <a:r>
-              <a:rPr lang="ru-RU" sz="1200" dirty="0" err="1">
+              <a:t>квалификационную работу магистра на тему: </a:t>
+            </a:r>
+            <a:r>
+              <a:rPr lang="ru-RU" sz="1800" dirty="0">
+                <a:latin typeface="Times New Roman" panose="02020603050405020304" pitchFamily="18" charset="0"/>
+                <a:cs typeface="Times New Roman" panose="02020603050405020304" pitchFamily="18" charset="0"/>
+              </a:rPr>
+              <a:t>«Выбор архитектурного решения на основе </a:t>
+            </a:r>
+            <a:r>
+              <a:rPr lang="ru-RU" sz="1800" dirty="0" err="1">
                 <a:latin typeface="Times New Roman" panose="02020603050405020304" pitchFamily="18" charset="0"/>
                 <a:cs typeface="Times New Roman" panose="02020603050405020304" pitchFamily="18" charset="0"/>
               </a:rPr>
               <a:t>микросервисного</a:t>
             </a:r>
             <a:r>
-              <a:rPr lang="ru-RU" sz="1200" dirty="0">
-                <a:latin typeface="Times New Roman" panose="02020603050405020304" pitchFamily="18" charset="0"/>
-                <a:cs typeface="Times New Roman" panose="02020603050405020304" pitchFamily="18" charset="0"/>
-              </a:rPr>
-              <a:t> паттерна для корпоративной информационной системы</a:t>
-            </a:r>
-            <a:r>
-              <a:rPr lang="ru-RU" sz="1200" b="1" i="1" dirty="0">
-                <a:solidFill>
-                  <a:srgbClr val="333333"/>
-                </a:solidFill>
-                <a:effectLst/>
-                <a:latin typeface="Calibri" panose="020F0502020204030204" pitchFamily="34" charset="0"/>
-                <a:ea typeface="Times New Roman" panose="02020603050405020304" pitchFamily="18" charset="0"/>
-              </a:rPr>
-              <a:t>»</a:t>
-            </a:r>
-            <a:endParaRPr lang="ru-RU" sz="1200" dirty="0">
-              <a:effectLst/>
-              <a:latin typeface="Times New Roman" panose="02020603050405020304" pitchFamily="18" charset="0"/>
-              <a:ea typeface="Times New Roman" panose="02020603050405020304" pitchFamily="18" charset="0"/>
-            </a:endParaRPr>
-          </a:p>
-          <a:p>
-            <a:r>
-              <a:rPr lang="ru-RU" sz="1200" b="1" i="1" dirty="0">
+              <a:rPr lang="ru-RU" sz="1800" dirty="0">
+                <a:latin typeface="Times New Roman" panose="02020603050405020304" pitchFamily="18" charset="0"/>
+                <a:cs typeface="Times New Roman" panose="02020603050405020304" pitchFamily="18" charset="0"/>
+              </a:rPr>
+              <a:t> паттерна для корпоративной информационной системы»</a:t>
+            </a:r>
+          </a:p>
+          <a:p>
+            <a:r>
+              <a:rPr lang="ru-RU" sz="1800" b="1" i="1" dirty="0">
                 <a:effectLst/>
                 <a:latin typeface="Calibri Light" panose="020F0302020204030204" pitchFamily="34" charset="0"/>
                 <a:ea typeface="Calibri" panose="020F0502020204030204" pitchFamily="34" charset="0"/>
@@ -3335,13 +3297,13 @@
               <a:t>Выполнил: обучающийся гр. ДИФ-15, </a:t>
             </a:r>
             <a:r>
-              <a:rPr lang="ru-RU" sz="1200" dirty="0">
+              <a:rPr lang="ru-RU" sz="1800" dirty="0">
                 <a:latin typeface="Times New Roman" panose="02020603050405020304" pitchFamily="18" charset="0"/>
                 <a:cs typeface="Times New Roman" panose="02020603050405020304" pitchFamily="18" charset="0"/>
               </a:rPr>
               <a:t>Кузургалиев Радмир Алексеевич</a:t>
             </a:r>
-            <a:endParaRPr lang="ru-RU" sz="1200" dirty="0">
+            <a:endParaRPr lang="ru-RU" sz="1800" dirty="0">
               <a:effectLst/>
               <a:latin typeface="Calibri" panose="020F0502020204030204" pitchFamily="34" charset="0"/>
               <a:ea typeface="Calibri" panose="020F0502020204030204" pitchFamily="34" charset="0"/>
@@ -3367,7 +3329,7 @@
               <a:defRPr/>
             </a:pPr>
             <a:r>
-              <a:rPr lang="ru-RU" sz="1200" b="1" i="1" dirty="0">
+              <a:rPr lang="ru-RU" sz="1800" b="1" i="1" dirty="0">
                 <a:effectLst/>
                 <a:latin typeface="Calibri Light" panose="020F0302020204030204" pitchFamily="34" charset="0"/>
                 <a:ea typeface="Calibri" panose="020F0502020204030204" pitchFamily="34" charset="0"/>
@@ -3376,7 +3338,7 @@
               <a:t>Руководитель: кандидат технических наук доцент </a:t>
             </a:r>
             <a:r>
-              <a:rPr lang="ru-RU" sz="1200" dirty="0">
+              <a:rPr lang="ru-RU" sz="1800" dirty="0">
                 <a:solidFill>
                   <a:prstClr val="black"/>
                 </a:solidFill>
@@ -3386,7 +3348,7 @@
               <a:t>Синельщиков Алексей </a:t>
             </a:r>
             <a:r>
-              <a:rPr lang="ru-RU" sz="1200" dirty="0" err="1">
+              <a:rPr lang="ru-RU" sz="1800" dirty="0" err="1">
                 <a:solidFill>
                   <a:prstClr val="black"/>
                 </a:solidFill>
@@ -3396,7 +3358,7 @@
               <a:t>Владимирвович</a:t>
             </a:r>
             <a:r>
-              <a:rPr lang="ru-RU" sz="1200" b="1" i="1" dirty="0">
+              <a:rPr lang="ru-RU" sz="1800" b="1" i="1" dirty="0">
                 <a:effectLst/>
                 <a:latin typeface="Calibri Light" panose="020F0302020204030204" pitchFamily="34" charset="0"/>
                 <a:ea typeface="Calibri" panose="020F0502020204030204" pitchFamily="34" charset="0"/>
@@ -3404,7 +3366,7 @@
               </a:rPr>
               <a:t>.</a:t>
             </a:r>
-            <a:endParaRPr lang="ru-RU" sz="1200" dirty="0">
+            <a:endParaRPr lang="ru-RU" sz="1800" dirty="0">
               <a:effectLst/>
               <a:latin typeface="Calibri" panose="020F0502020204030204" pitchFamily="34" charset="0"/>
               <a:ea typeface="Calibri" panose="020F0502020204030204" pitchFamily="34" charset="0"/>
@@ -3412,7 +3374,59 @@
             </a:endParaRPr>
           </a:p>
           <a:p>
-            <a:endParaRPr lang="ru-RU" dirty="0"/>
+            <a:endParaRPr lang="ru-RU" sz="1800" dirty="0"/>
+          </a:p>
+          <a:p>
+            <a:pPr marL="0" marR="0" lvl="0" indent="0" algn="l" defTabSz="914400" rtl="0" eaLnBrk="1" fontAlgn="auto" latinLnBrk="0" hangingPunct="1">
+              <a:lnSpc>
+                <a:spcPct val="100000"/>
+              </a:lnSpc>
+              <a:spcBef>
+                <a:spcPts val="0"/>
+              </a:spcBef>
+              <a:spcAft>
+                <a:spcPts val="0"/>
+              </a:spcAft>
+              <a:buClrTx/>
+              <a:buSzTx/>
+              <a:buFontTx/>
+              <a:buNone/>
+              <a:tabLst/>
+              <a:defRPr/>
+            </a:pPr>
+            <a:endParaRPr lang="ru-RU" sz="1800" dirty="0">
+              <a:solidFill>
+                <a:srgbClr val="FF0000"/>
+              </a:solidFill>
+              <a:effectLst/>
+              <a:latin typeface="Arial" panose="020B0604020202020204" pitchFamily="34" charset="0"/>
+            </a:endParaRPr>
+          </a:p>
+          <a:p>
+            <a:pPr marL="0" marR="0" lvl="0" indent="0" algn="l" defTabSz="914400" rtl="0" eaLnBrk="1" fontAlgn="auto" latinLnBrk="0" hangingPunct="1">
+              <a:lnSpc>
+                <a:spcPct val="100000"/>
+              </a:lnSpc>
+              <a:spcBef>
+                <a:spcPts val="0"/>
+              </a:spcBef>
+              <a:spcAft>
+                <a:spcPts val="0"/>
+              </a:spcAft>
+              <a:buClrTx/>
+              <a:buSzTx/>
+              <a:buFontTx/>
+              <a:buNone/>
+              <a:tabLst/>
+              <a:defRPr/>
+            </a:pPr>
+            <a:endParaRPr lang="ru-RU" sz="1800" dirty="0">
+              <a:solidFill>
+                <a:srgbClr val="FF0000"/>
+              </a:solidFill>
+              <a:effectLst/>
+              <a:latin typeface="Arial" panose="020B0604020202020204" pitchFamily="34" charset="0"/>
+            </a:endParaRPr>
           </a:p>
         </p:txBody>
       </p:sp>
@@ -3431,7 +3445,7 @@
           <a:bodyPr/>
           <a:lstStyle/>
           <a:p>
-            <a:fld id="{CF13C2C9-4823-48BD-A284-418E601DEC1E}" type="slidenum">
+            <a:fld id="{78884EAB-F45A-460A-9E65-6B23B0A6CA84}" type="slidenum">
               <a:rPr lang="ru-RU" smtClean="0"/>
               <a:t>1</a:t>
             </a:fld>
@@ -3442,7 +3456,7 @@
     </p:spTree>
     <p:extLst>
       <p:ext uri="{BB962C8B-B14F-4D97-AF65-F5344CB8AC3E}">
-        <p14:creationId xmlns:p14="http://schemas.microsoft.com/office/powerpoint/2010/main" val="214154451"/>
+        <p14:creationId xmlns:p14="http://schemas.microsoft.com/office/powerpoint/2010/main" val="3075001240"/>
       </p:ext>
     </p:extLst>
   </p:cSld>
@@ -4388,16 +4402,8 @@
           <a:bodyPr/>
           <a:lstStyle/>
           <a:p>
-            <a:pPr algn="just">
-              <a:spcBef>
-                <a:spcPts val="1125"/>
-              </a:spcBef>
-              <a:spcAft>
-                <a:spcPts val="1875"/>
-              </a:spcAft>
-            </a:pPr>
-            <a:r>
-              <a:rPr lang="ru-RU" sz="1200" dirty="0">
+            <a:r>
+              <a:rPr lang="ru-RU" sz="1800" dirty="0">
                 <a:solidFill>
                   <a:srgbClr val="333333"/>
                 </a:solidFill>
@@ -4408,7 +4414,7 @@
               <a:t>«Уважаемый председатель и члены государственной аттестационной комиссии! Разрешите представить Вашему вниманию выпускную </a:t>
             </a:r>
             <a:r>
-              <a:rPr lang="ru-RU" sz="1200" b="1" i="1" dirty="0">
+              <a:rPr lang="ru-RU" sz="1800" b="1" i="1" dirty="0">
                 <a:solidFill>
                   <a:srgbClr val="333333"/>
                 </a:solidFill>
@@ -4416,63 +4422,33 @@
                 <a:latin typeface="Calibri" panose="020F0502020204030204" pitchFamily="34" charset="0"/>
                 <a:ea typeface="Times New Roman" panose="02020603050405020304" pitchFamily="18" charset="0"/>
               </a:rPr>
-              <a:t>квалификационную работу магистра на тему: «</a:t>
-            </a:r>
-            <a:r>
-              <a:rPr lang="ru-RU" sz="1200" dirty="0">
-                <a:latin typeface="Times New Roman" panose="02020603050405020304" pitchFamily="18" charset="0"/>
-                <a:cs typeface="Times New Roman" panose="02020603050405020304" pitchFamily="18" charset="0"/>
-              </a:rPr>
-              <a:t>Выбор </a:t>
-            </a:r>
-            <a:r>
-              <a:rPr lang="ru-RU" sz="1200" dirty="0" err="1">
-                <a:latin typeface="Times New Roman" panose="02020603050405020304" pitchFamily="18" charset="0"/>
-                <a:cs typeface="Times New Roman" panose="02020603050405020304" pitchFamily="18" charset="0"/>
-              </a:rPr>
-              <a:t>архиртектурного</a:t>
-            </a:r>
-            <a:r>
-              <a:rPr lang="ru-RU" sz="1200" dirty="0">
-                <a:latin typeface="Times New Roman" panose="02020603050405020304" pitchFamily="18" charset="0"/>
-                <a:cs typeface="Times New Roman" panose="02020603050405020304" pitchFamily="18" charset="0"/>
-              </a:rPr>
-              <a:t> решения на основе </a:t>
-            </a:r>
-            <a:r>
-              <a:rPr lang="ru-RU" sz="1200" dirty="0" err="1">
+              <a:t>квалификационную работу магистра на тему: </a:t>
+            </a:r>
+            <a:r>
+              <a:rPr lang="ru-RU" sz="1800" dirty="0">
+                <a:latin typeface="Times New Roman" panose="02020603050405020304" pitchFamily="18" charset="0"/>
+                <a:cs typeface="Times New Roman" panose="02020603050405020304" pitchFamily="18" charset="0"/>
+              </a:rPr>
+              <a:t>«Выбор архитектурного решения на основе </a:t>
+            </a:r>
+            <a:r>
+              <a:rPr lang="ru-RU" sz="1800" dirty="0" err="1">
                 <a:latin typeface="Times New Roman" panose="02020603050405020304" pitchFamily="18" charset="0"/>
                 <a:cs typeface="Times New Roman" panose="02020603050405020304" pitchFamily="18" charset="0"/>
               </a:rPr>
               <a:t>микросервисного</a:t>
             </a:r>
             <a:r>
-              <a:rPr lang="ru-RU" sz="1200" dirty="0">
-                <a:latin typeface="Times New Roman" panose="02020603050405020304" pitchFamily="18" charset="0"/>
-                <a:cs typeface="Times New Roman" panose="02020603050405020304" pitchFamily="18" charset="0"/>
-              </a:rPr>
-              <a:t> паттерна для корпоративной информационной системы</a:t>
-            </a:r>
-            <a:r>
-              <a:rPr lang="ru-RU" sz="1200" b="1" i="1" dirty="0">
-                <a:solidFill>
-                  <a:srgbClr val="333333"/>
-                </a:solidFill>
-                <a:effectLst/>
-                <a:latin typeface="Calibri" panose="020F0502020204030204" pitchFamily="34" charset="0"/>
-                <a:ea typeface="Times New Roman" panose="02020603050405020304" pitchFamily="18" charset="0"/>
-              </a:rPr>
-              <a:t>»</a:t>
-            </a:r>
-            <a:endParaRPr lang="ru-RU" sz="1200" dirty="0">
-              <a:effectLst/>
-              <a:latin typeface="Times New Roman" panose="02020603050405020304" pitchFamily="18" charset="0"/>
-              <a:ea typeface="Times New Roman" panose="02020603050405020304" pitchFamily="18" charset="0"/>
-            </a:endParaRPr>
-          </a:p>
-          <a:p>
-            <a:r>
-              <a:rPr lang="ru-RU" sz="1200" b="1" i="1" dirty="0">
+              <a:rPr lang="ru-RU" sz="1800" dirty="0">
+                <a:latin typeface="Times New Roman" panose="02020603050405020304" pitchFamily="18" charset="0"/>
+                <a:cs typeface="Times New Roman" panose="02020603050405020304" pitchFamily="18" charset="0"/>
+              </a:rPr>
+              <a:t> паттерна для корпоративной информационной системы»</a:t>
+            </a:r>
+          </a:p>
+          <a:p>
+            <a:r>
+              <a:rPr lang="ru-RU" sz="1800" b="1" i="1" dirty="0">
                 <a:effectLst/>
                 <a:latin typeface="Calibri Light" panose="020F0302020204030204" pitchFamily="34" charset="0"/>
                 <a:ea typeface="Calibri" panose="020F0502020204030204" pitchFamily="34" charset="0"/>
@@ -4481,13 +4457,13 @@
               <a:t>Выполнил: обучающийся гр. ДИФ-15, </a:t>
             </a:r>
             <a:r>
-              <a:rPr lang="ru-RU" sz="1200" dirty="0">
+              <a:rPr lang="ru-RU" sz="1800" dirty="0">
                 <a:latin typeface="Times New Roman" panose="02020603050405020304" pitchFamily="18" charset="0"/>
                 <a:cs typeface="Times New Roman" panose="02020603050405020304" pitchFamily="18" charset="0"/>
               </a:rPr>
               <a:t>Кузургалиев Радмир Алексеевич</a:t>
             </a:r>
-            <a:endParaRPr lang="ru-RU" sz="1200" dirty="0">
+            <a:endParaRPr lang="ru-RU" sz="1800" dirty="0">
               <a:effectLst/>
               <a:latin typeface="Calibri" panose="020F0502020204030204" pitchFamily="34" charset="0"/>
               <a:ea typeface="Calibri" panose="020F0502020204030204" pitchFamily="34" charset="0"/>
@@ -4513,7 +4489,7 @@
               <a:defRPr/>
             </a:pPr>
             <a:r>
-              <a:rPr lang="ru-RU" sz="1200" b="1" i="1" dirty="0">
+              <a:rPr lang="ru-RU" sz="1800" b="1" i="1" dirty="0">
                 <a:effectLst/>
                 <a:latin typeface="Calibri Light" panose="020F0302020204030204" pitchFamily="34" charset="0"/>
                 <a:ea typeface="Calibri" panose="020F0502020204030204" pitchFamily="34" charset="0"/>
@@ -4522,7 +4498,7 @@
               <a:t>Руководитель: кандидат технических наук доцент </a:t>
             </a:r>
             <a:r>
-              <a:rPr lang="ru-RU" sz="1200" dirty="0">
+              <a:rPr lang="ru-RU" sz="1800" dirty="0">
                 <a:solidFill>
                   <a:prstClr val="black"/>
                 </a:solidFill>
@@ -4532,7 +4508,7 @@
               <a:t>Синельщиков Алексей </a:t>
             </a:r>
             <a:r>
-              <a:rPr lang="ru-RU" sz="1200" dirty="0" err="1">
+              <a:rPr lang="ru-RU" sz="1800" dirty="0" err="1">
                 <a:solidFill>
                   <a:prstClr val="black"/>
                 </a:solidFill>
@@ -4542,7 +4518,7 @@
               <a:t>Владимирвович</a:t>
             </a:r>
             <a:r>
-              <a:rPr lang="ru-RU" sz="1200" b="1" i="1" dirty="0">
+              <a:rPr lang="ru-RU" sz="1800" b="1" i="1" dirty="0">
                 <a:effectLst/>
                 <a:latin typeface="Calibri Light" panose="020F0302020204030204" pitchFamily="34" charset="0"/>
                 <a:ea typeface="Calibri" panose="020F0502020204030204" pitchFamily="34" charset="0"/>
@@ -4550,7 +4526,7 @@
               </a:rPr>
               <a:t>.</a:t>
             </a:r>
-            <a:endParaRPr lang="ru-RU" sz="1200" dirty="0">
+            <a:endParaRPr lang="ru-RU" sz="1800" dirty="0">
               <a:effectLst/>
               <a:latin typeface="Calibri" panose="020F0502020204030204" pitchFamily="34" charset="0"/>
               <a:ea typeface="Calibri" panose="020F0502020204030204" pitchFamily="34" charset="0"/>
@@ -4558,7 +4534,33 @@
             </a:endParaRPr>
           </a:p>
           <a:p>
-            <a:endParaRPr lang="ru-RU" dirty="0"/>
+            <a:endParaRPr lang="ru-RU" sz="1800" dirty="0"/>
+          </a:p>
+          <a:p>
+            <a:pPr marL="0" marR="0" lvl="0" indent="0" algn="l" defTabSz="914400" rtl="0" eaLnBrk="1" fontAlgn="auto" latinLnBrk="0" hangingPunct="1">
+              <a:lnSpc>
+                <a:spcPct val="100000"/>
+              </a:lnSpc>
+              <a:spcBef>
+                <a:spcPts val="0"/>
+              </a:spcBef>
+              <a:spcAft>
+                <a:spcPts val="0"/>
+              </a:spcAft>
+              <a:buClrTx/>
+              <a:buSzTx/>
+              <a:buFontTx/>
+              <a:buNone/>
+              <a:tabLst/>
+              <a:defRPr/>
+            </a:pPr>
+            <a:endParaRPr lang="ru-RU" sz="1800" dirty="0">
+              <a:solidFill>
+                <a:srgbClr val="FF0000"/>
+              </a:solidFill>
+              <a:effectLst/>
+              <a:latin typeface="Arial" panose="020B0604020202020204" pitchFamily="34" charset="0"/>
+            </a:endParaRPr>
           </a:p>
         </p:txBody>
       </p:sp>
@@ -4577,7 +4579,7 @@
           <a:bodyPr/>
           <a:lstStyle/>
           <a:p>
-            <a:fld id="{CF13C2C9-4823-48BD-A284-418E601DEC1E}" type="slidenum">
+            <a:fld id="{78884EAB-F45A-460A-9E65-6B23B0A6CA84}" type="slidenum">
               <a:rPr lang="ru-RU" smtClean="0"/>
               <a:t>8</a:t>
             </a:fld>
@@ -4588,7 +4590,7 @@
     </p:spTree>
     <p:extLst>
       <p:ext uri="{BB962C8B-B14F-4D97-AF65-F5344CB8AC3E}">
-        <p14:creationId xmlns:p14="http://schemas.microsoft.com/office/powerpoint/2010/main" val="615362372"/>
+        <p14:creationId xmlns:p14="http://schemas.microsoft.com/office/powerpoint/2010/main" val="1679516776"/>
       </p:ext>
     </p:extLst>
   </p:cSld>
@@ -4599,13 +4601,8 @@
 </file>
 
 <file path=ppt/slideLayouts/slideLayout1.xml><?xml version="1.0" encoding="utf-8"?>
-<p:sldLayout xmlns:a="http://schemas.openxmlformats.org/drawingml/2006/main" xmlns:r="http://schemas.openxmlformats.org/officeDocument/2006/relationships" xmlns:p="http://schemas.openxmlformats.org/presentationml/2006/main" showMasterSp="0" type="title" preserve="1">
+<p:sldLayout xmlns:a="http://schemas.openxmlformats.org/drawingml/2006/main" xmlns:r="http://schemas.openxmlformats.org/officeDocument/2006/relationships" xmlns:p="http://schemas.openxmlformats.org/presentationml/2006/main" type="title" preserve="1">
   <p:cSld name="Титульный слайд">
-    <p:bg>
-      <p:bgRef idx="1002">
-        <a:schemeClr val="bg2"/>
-      </p:bgRef>
-    </p:bg>
     <p:spTree>
       <p:nvGrpSpPr>
         <p:cNvPr id="1" name=""/>
@@ -4622,293 +4619,6 @@
       </p:grpSpPr>
       <p:sp>
         <p:nvSpPr>
-          <p:cNvPr id="16" name="Rectangle 15"/>
-          <p:cNvSpPr/>
-          <p:nvPr/>
-        </p:nvSpPr>
-        <p:spPr>
-          <a:xfrm>
-            <a:off x="0" y="0"/>
-            <a:ext cx="12192000" cy="6858000"/>
-          </a:xfrm>
-          <a:prstGeom prst="rect">
-            <a:avLst/>
-          </a:prstGeom>
-          <a:blipFill dpi="0" rotWithShape="1">
-            <a:blip r:embed="rId2">
-              <a:alphaModFix amt="45000"/>
-              <a:duotone>
-                <a:schemeClr val="accent1">
-                  <a:shade val="45000"/>
-                  <a:satMod val="135000"/>
-                </a:schemeClr>
-                <a:prstClr val="white"/>
-              </a:duotone>
-            </a:blip>
-            <a:srcRect/>
-            <a:tile tx="-44450" ty="38100" sx="85000" sy="85000" flip="none" algn="tl"/>
-          </a:blipFill>
-          <a:ln>
-            <a:noFill/>
-          </a:ln>
-        </p:spPr>
-        <p:style>
-          <a:lnRef idx="2">
-            <a:schemeClr val="accent1">
-              <a:shade val="50000"/>
-            </a:schemeClr>
-          </a:lnRef>
-          <a:fillRef idx="1">
-            <a:schemeClr val="accent1"/>
-          </a:fillRef>
-          <a:effectRef idx="0">
-            <a:schemeClr val="accent1"/>
-          </a:effectRef>
-          <a:fontRef idx="minor">
-            <a:schemeClr val="lt1"/>
-          </a:fontRef>
-        </p:style>
-      </p:sp>
-      <p:sp>
-        <p:nvSpPr>
-          <p:cNvPr id="10" name="Rectangle 9"/>
-          <p:cNvSpPr/>
-          <p:nvPr/>
-        </p:nvSpPr>
-        <p:spPr>
-          <a:xfrm>
-            <a:off x="1307870" y="1267730"/>
-            <a:ext cx="9576262" cy="4307950"/>
-          </a:xfrm>
-          <a:prstGeom prst="rect">
-            <a:avLst/>
-          </a:prstGeom>
-          <a:solidFill>
-            <a:schemeClr val="bg1"/>
-          </a:solidFill>
-          <a:ln w="6350" cap="flat" cmpd="sng" algn="ctr">
-            <a:noFill/>
-            <a:prstDash val="solid"/>
-          </a:ln>
-          <a:effectLst>
-            <a:outerShdw blurRad="50800" algn="ctr" rotWithShape="0">
-              <a:prstClr val="black">
-                <a:alpha val="66000"/>
-              </a:prstClr>
-            </a:outerShdw>
-            <a:softEdge rad="0"/>
-          </a:effectLst>
-        </p:spPr>
-      </p:sp>
-      <p:sp>
-        <p:nvSpPr>
-          <p:cNvPr id="11" name="Rectangle 10"/>
-          <p:cNvSpPr/>
-          <p:nvPr/>
-        </p:nvSpPr>
-        <p:spPr>
-          <a:xfrm>
-            <a:off x="1447801" y="1411615"/>
-            <a:ext cx="9296400" cy="4034770"/>
-          </a:xfrm>
-          <a:prstGeom prst="rect">
-            <a:avLst/>
-          </a:prstGeom>
-          <a:noFill/>
-          <a:ln w="6350" cap="sq" cmpd="sng" algn="ctr">
-            <a:solidFill>
-              <a:schemeClr val="tx1">
-                <a:lumMod val="75000"/>
-                <a:lumOff val="25000"/>
-              </a:schemeClr>
-            </a:solidFill>
-            <a:prstDash val="solid"/>
-            <a:miter lim="800000"/>
-          </a:ln>
-          <a:effectLst/>
-        </p:spPr>
-      </p:sp>
-      <p:sp>
-        <p:nvSpPr>
-          <p:cNvPr id="15" name="Rectangle 14"/>
-          <p:cNvSpPr/>
-          <p:nvPr/>
-        </p:nvSpPr>
-        <p:spPr>
-          <a:xfrm>
-            <a:off x="5135880" y="1267730"/>
-            <a:ext cx="1920240" cy="731520"/>
-          </a:xfrm>
-          <a:prstGeom prst="rect">
-            <a:avLst/>
-          </a:prstGeom>
-          <a:solidFill>
-            <a:schemeClr val="bg2"/>
-          </a:solidFill>
-          <a:ln>
-            <a:noFill/>
-          </a:ln>
-        </p:spPr>
-        <p:style>
-          <a:lnRef idx="2">
-            <a:schemeClr val="accent1">
-              <a:shade val="50000"/>
-            </a:schemeClr>
-          </a:lnRef>
-          <a:fillRef idx="1">
-            <a:schemeClr val="accent1"/>
-          </a:fillRef>
-          <a:effectRef idx="0">
-            <a:schemeClr val="accent1"/>
-          </a:effectRef>
-          <a:fontRef idx="minor">
-            <a:schemeClr val="lt1"/>
-          </a:fontRef>
-        </p:style>
-      </p:sp>
-      <p:grpSp>
-        <p:nvGrpSpPr>
-          <p:cNvPr id="4" name="Group 3"/>
-          <p:cNvGrpSpPr/>
-          <p:nvPr/>
-        </p:nvGrpSpPr>
-        <p:grpSpPr>
-          <a:xfrm>
-            <a:off x="5250180" y="1267730"/>
-            <a:ext cx="1691640" cy="645295"/>
-            <a:chOff x="5318306" y="1386268"/>
-            <a:chExt cx="1567331" cy="645295"/>
-          </a:xfrm>
-        </p:grpSpPr>
-        <p:cxnSp>
-          <p:nvCxnSpPr>
-            <p:cNvPr id="17" name="Straight Connector 16"/>
-            <p:cNvCxnSpPr/>
-            <p:nvPr/>
-          </p:nvCxnSpPr>
-          <p:spPr>
-            <a:xfrm>
-              <a:off x="5318306" y="1386268"/>
-              <a:ext cx="0" cy="640080"/>
-            </a:xfrm>
-            <a:prstGeom prst="line">
-              <a:avLst/>
-            </a:prstGeom>
-            <a:solidFill>
-              <a:schemeClr val="tx1">
-                <a:lumMod val="85000"/>
-                <a:lumOff val="15000"/>
-              </a:schemeClr>
-            </a:solidFill>
-            <a:ln>
-              <a:solidFill>
-                <a:schemeClr val="tx1"/>
-              </a:solidFill>
-              <a:miter lim="800000"/>
-            </a:ln>
-          </p:spPr>
-          <p:style>
-            <a:lnRef idx="1">
-              <a:schemeClr val="accent1"/>
-            </a:lnRef>
-            <a:fillRef idx="0">
-              <a:schemeClr val="accent1"/>
-            </a:fillRef>
-            <a:effectRef idx="0">
-              <a:schemeClr val="accent1"/>
-            </a:effectRef>
-            <a:fontRef idx="minor">
-              <a:schemeClr val="tx1"/>
-            </a:fontRef>
-          </p:style>
-        </p:cxnSp>
-        <p:cxnSp>
-          <p:nvCxnSpPr>
-            <p:cNvPr id="18" name="Straight Connector 17"/>
-            <p:cNvCxnSpPr/>
-            <p:nvPr/>
-          </p:nvCxnSpPr>
-          <p:spPr>
-            <a:xfrm>
-              <a:off x="6885637" y="1386268"/>
-              <a:ext cx="0" cy="640080"/>
-            </a:xfrm>
-            <a:prstGeom prst="line">
-              <a:avLst/>
-            </a:prstGeom>
-            <a:solidFill>
-              <a:schemeClr val="tx1">
-                <a:lumMod val="85000"/>
-                <a:lumOff val="15000"/>
-              </a:schemeClr>
-            </a:solidFill>
-            <a:ln>
-              <a:solidFill>
-                <a:schemeClr val="tx1"/>
-              </a:solidFill>
-              <a:miter lim="800000"/>
-            </a:ln>
-          </p:spPr>
-          <p:style>
-            <a:lnRef idx="1">
-              <a:schemeClr val="accent1"/>
-            </a:lnRef>
-            <a:fillRef idx="0">
-              <a:schemeClr val="accent1"/>
-            </a:fillRef>
-            <a:effectRef idx="0">
-              <a:schemeClr val="accent1"/>
-            </a:effectRef>
-            <a:fontRef idx="minor">
-              <a:schemeClr val="tx1"/>
-            </a:fontRef>
-          </p:style>
-        </p:cxnSp>
-        <p:cxnSp>
-          <p:nvCxnSpPr>
-            <p:cNvPr id="19" name="Straight Connector 18"/>
-            <p:cNvCxnSpPr/>
-            <p:nvPr/>
-          </p:nvCxnSpPr>
-          <p:spPr>
-            <a:xfrm>
-              <a:off x="5318306" y="2031563"/>
-              <a:ext cx="1567331" cy="0"/>
-            </a:xfrm>
-            <a:prstGeom prst="line">
-              <a:avLst/>
-            </a:prstGeom>
-            <a:solidFill>
-              <a:schemeClr val="tx1">
-                <a:lumMod val="85000"/>
-                <a:lumOff val="15000"/>
-              </a:schemeClr>
-            </a:solidFill>
-            <a:ln>
-              <a:solidFill>
-                <a:schemeClr val="tx1"/>
-              </a:solidFill>
-              <a:miter lim="800000"/>
-            </a:ln>
-          </p:spPr>
-          <p:style>
-            <a:lnRef idx="1">
-              <a:schemeClr val="accent1"/>
-            </a:lnRef>
-            <a:fillRef idx="0">
-              <a:schemeClr val="accent1"/>
-            </a:fillRef>
-            <a:effectRef idx="0">
-              <a:schemeClr val="accent1"/>
-            </a:effectRef>
-            <a:fontRef idx="minor">
-              <a:schemeClr val="tx1"/>
-            </a:fontRef>
-          </p:style>
-        </p:cxnSp>
-      </p:grpSp>
-      <p:sp>
-        <p:nvSpPr>
           <p:cNvPr id="2" name="Title 1"/>
           <p:cNvSpPr>
             <a:spLocks noGrp="1"/>
@@ -4919,31 +4629,15 @@
         </p:nvSpPr>
         <p:spPr>
           <a:xfrm>
-            <a:off x="1561708" y="2091263"/>
-            <a:ext cx="9068586" cy="2590800"/>
+            <a:off x="1524000" y="1122363"/>
+            <a:ext cx="9144000" cy="2387600"/>
           </a:xfrm>
         </p:spPr>
         <p:txBody>
-          <a:bodyPr tIns="45720" bIns="45720" anchor="ctr">
-            <a:noAutofit/>
-          </a:bodyPr>
+          <a:bodyPr anchor="b"/>
           <a:lstStyle>
             <a:lvl1pPr algn="ctr">
-              <a:lnSpc>
-                <a:spcPct val="83000"/>
-              </a:lnSpc>
-              <a:defRPr lang="en-US" sz="7200" b="0" kern="1200" cap="all" spc="-100" baseline="0" dirty="0">
-                <a:solidFill>
-                  <a:schemeClr val="tx1">
-                    <a:lumMod val="85000"/>
-                    <a:lumOff val="15000"/>
-                  </a:schemeClr>
-                </a:solidFill>
-                <a:effectLst/>
-                <a:latin typeface="+mj-lt"/>
-                <a:ea typeface="+mn-ea"/>
-                <a:cs typeface="+mn-cs"/>
-              </a:defRPr>
+              <a:defRPr sz="6000"/>
             </a:lvl1pPr>
           </a:lstStyle>
           <a:p>
@@ -4967,33 +4661,24 @@
         </p:nvSpPr>
         <p:spPr>
           <a:xfrm>
-            <a:off x="1562100" y="4682062"/>
-            <a:ext cx="9070848" cy="457201"/>
+            <a:off x="1524000" y="3602038"/>
+            <a:ext cx="9144000" cy="1655762"/>
           </a:xfrm>
         </p:spPr>
         <p:txBody>
-          <a:bodyPr>
-            <a:normAutofit/>
-          </a:bodyPr>
+          <a:bodyPr/>
           <a:lstStyle>
             <a:lvl1pPr marL="0" indent="0" algn="ctr">
-              <a:spcBef>
-                <a:spcPts val="0"/>
-              </a:spcBef>
               <a:buNone/>
-              <a:defRPr sz="1600" spc="80" baseline="0">
-                <a:solidFill>
-                  <a:schemeClr val="tx1"/>
-                </a:solidFill>
-              </a:defRPr>
+              <a:defRPr sz="2400"/>
             </a:lvl1pPr>
             <a:lvl2pPr marL="457200" indent="0" algn="ctr">
               <a:buNone/>
-              <a:defRPr sz="1600"/>
+              <a:defRPr sz="2000"/>
             </a:lvl2pPr>
             <a:lvl3pPr marL="914400" indent="0" algn="ctr">
               <a:buNone/>
-              <a:defRPr sz="1600"/>
+              <a:defRPr sz="1800"/>
             </a:lvl3pPr>
             <a:lvl4pPr marL="1371600" indent="0" algn="ctr">
               <a:buNone/>
@@ -5031,7 +4716,7 @@
       </p:sp>
       <p:sp>
         <p:nvSpPr>
-          <p:cNvPr id="20" name="Date Placeholder 19"/>
+          <p:cNvPr id="4" name="Date Placeholder 3"/>
           <p:cNvSpPr>
             <a:spLocks noGrp="1"/>
           </p:cNvSpPr>
@@ -5039,28 +4724,14 @@
             <p:ph type="dt" sz="half" idx="10"/>
           </p:nvPr>
         </p:nvSpPr>
-        <p:spPr>
-          <a:xfrm>
-            <a:off x="5318760" y="1341255"/>
-            <a:ext cx="1554480" cy="527213"/>
-          </a:xfrm>
-        </p:spPr>
+        <p:spPr/>
         <p:txBody>
           <a:bodyPr/>
-          <a:lstStyle>
-            <a:lvl1pPr algn="ctr">
-              <a:defRPr sz="1300" spc="0" baseline="0">
-                <a:solidFill>
-                  <a:schemeClr val="tx1"/>
-                </a:solidFill>
-                <a:latin typeface="+mn-lt"/>
-              </a:defRPr>
-            </a:lvl1pPr>
-          </a:lstStyle>
+          <a:lstStyle/>
           <a:p>
             <a:fld id="{A3D5900F-635E-4AAE-8140-C1DE1C51ED41}" type="datetimeFigureOut">
               <a:rPr lang="ru-RU" smtClean="0"/>
-              <a:t>20.10.2025</a:t>
+              <a:t>22.10.2025</a:t>
             </a:fld>
             <a:endParaRPr lang="ru-RU"/>
           </a:p>
@@ -5068,7 +4739,7 @@
       </p:sp>
       <p:sp>
         <p:nvSpPr>
-          <p:cNvPr id="21" name="Footer Placeholder 20"/>
+          <p:cNvPr id="5" name="Footer Placeholder 4"/>
           <p:cNvSpPr>
             <a:spLocks noGrp="1"/>
           </p:cNvSpPr>
@@ -5076,26 +4747,10 @@
             <p:ph type="ftr" sz="quarter" idx="11"/>
           </p:nvPr>
         </p:nvSpPr>
-        <p:spPr>
-          <a:xfrm>
-            <a:off x="1453896" y="5211060"/>
-            <a:ext cx="5905500" cy="228600"/>
-          </a:xfrm>
-        </p:spPr>
+        <p:spPr/>
         <p:txBody>
           <a:bodyPr/>
-          <a:lstStyle>
-            <a:lvl1pPr algn="l">
-              <a:defRPr>
-                <a:solidFill>
-                  <a:schemeClr val="tx1">
-                    <a:lumMod val="75000"/>
-                    <a:lumOff val="25000"/>
-                  </a:schemeClr>
-                </a:solidFill>
-              </a:defRPr>
-            </a:lvl1pPr>
-          </a:lstStyle>
+          <a:lstStyle/>
           <a:p>
             <a:endParaRPr lang="ru-RU"/>
           </a:p>
@@ -5103,7 +4758,7 @@
       </p:sp>
       <p:sp>
         <p:nvSpPr>
-          <p:cNvPr id="22" name="Slide Number Placeholder 21"/>
+          <p:cNvPr id="6" name="Slide Number Placeholder 5"/>
           <p:cNvSpPr>
             <a:spLocks noGrp="1"/>
           </p:cNvSpPr>
@@ -5111,26 +4766,10 @@
             <p:ph type="sldNum" sz="quarter" idx="12"/>
           </p:nvPr>
         </p:nvSpPr>
-        <p:spPr>
-          <a:xfrm>
-            <a:off x="8606919" y="5212080"/>
-            <a:ext cx="2111881" cy="228600"/>
-          </a:xfrm>
-        </p:spPr>
+        <p:spPr/>
         <p:txBody>
           <a:bodyPr/>
-          <a:lstStyle>
-            <a:lvl1pPr>
-              <a:defRPr>
-                <a:solidFill>
-                  <a:schemeClr val="tx1">
-                    <a:lumMod val="75000"/>
-                    <a:lumOff val="25000"/>
-                  </a:schemeClr>
-                </a:solidFill>
-              </a:defRPr>
-            </a:lvl1pPr>
-          </a:lstStyle>
+          <a:lstStyle/>
           <a:p>
             <a:fld id="{EF8F5C6E-310D-48A8-9527-F82CFBD8C101}" type="slidenum">
               <a:rPr lang="ru-RU" smtClean="0"/>
@@ -5143,12 +4782,12 @@
     </p:spTree>
     <p:extLst>
       <p:ext uri="{BB962C8B-B14F-4D97-AF65-F5344CB8AC3E}">
-        <p14:creationId xmlns:p14="http://schemas.microsoft.com/office/powerpoint/2010/main" val="2594282592"/>
+        <p14:creationId xmlns:p14="http://schemas.microsoft.com/office/powerpoint/2010/main" val="2070857323"/>
       </p:ext>
     </p:extLst>
   </p:cSld>
   <p:clrMapOvr>
-    <a:overrideClrMapping bg1="lt1" tx1="dk1" bg2="lt2" tx2="dk2" accent1="accent1" accent2="accent2" accent3="accent3" accent4="accent4" accent5="accent5" accent6="accent6" hlink="hlink" folHlink="folHlink"/>
+    <a:masterClrMapping/>
   </p:clrMapOvr>
 </p:sldLayout>
 </file>
@@ -5262,7 +4901,7 @@
           <a:p>
             <a:fld id="{A3D5900F-635E-4AAE-8140-C1DE1C51ED41}" type="datetimeFigureOut">
               <a:rPr lang="ru-RU" smtClean="0"/>
-              <a:t>20.10.2025</a:t>
+              <a:t>22.10.2025</a:t>
             </a:fld>
             <a:endParaRPr lang="ru-RU"/>
           </a:p>
@@ -5313,7 +4952,7 @@
     </p:spTree>
     <p:extLst>
       <p:ext uri="{BB962C8B-B14F-4D97-AF65-F5344CB8AC3E}">
-        <p14:creationId xmlns:p14="http://schemas.microsoft.com/office/powerpoint/2010/main" val="3091212584"/>
+        <p14:creationId xmlns:p14="http://schemas.microsoft.com/office/powerpoint/2010/main" val="388181359"/>
       </p:ext>
     </p:extLst>
   </p:cSld>
@@ -5352,8 +4991,8 @@
         </p:nvSpPr>
         <p:spPr>
           <a:xfrm>
-            <a:off x="8991600" y="762000"/>
-            <a:ext cx="2362200" cy="5257800"/>
+            <a:off x="8724900" y="365125"/>
+            <a:ext cx="2628900" cy="5811838"/>
           </a:xfrm>
         </p:spPr>
         <p:txBody>
@@ -5380,8 +5019,8 @@
         </p:nvSpPr>
         <p:spPr>
           <a:xfrm>
-            <a:off x="838200" y="762000"/>
-            <a:ext cx="8077200" cy="5257800"/>
+            <a:off x="838200" y="365125"/>
+            <a:ext cx="7734300" cy="5811838"/>
           </a:xfrm>
         </p:spPr>
         <p:txBody>
@@ -5442,7 +5081,7 @@
           <a:p>
             <a:fld id="{A3D5900F-635E-4AAE-8140-C1DE1C51ED41}" type="datetimeFigureOut">
               <a:rPr lang="ru-RU" smtClean="0"/>
-              <a:t>20.10.2025</a:t>
+              <a:t>22.10.2025</a:t>
             </a:fld>
             <a:endParaRPr lang="ru-RU"/>
           </a:p>
@@ -5493,7 +5132,7 @@
     </p:spTree>
     <p:extLst>
       <p:ext uri="{BB962C8B-B14F-4D97-AF65-F5344CB8AC3E}">
-        <p14:creationId xmlns:p14="http://schemas.microsoft.com/office/powerpoint/2010/main" val="365204375"/>
+        <p14:creationId xmlns:p14="http://schemas.microsoft.com/office/powerpoint/2010/main" val="3950222904"/>
       </p:ext>
     </p:extLst>
   </p:cSld>
@@ -5597,7 +5236,7 @@
       </p:sp>
       <p:sp>
         <p:nvSpPr>
-          <p:cNvPr id="7" name="Date Placeholder 6"/>
+          <p:cNvPr id="4" name="Date Placeholder 3"/>
           <p:cNvSpPr>
             <a:spLocks noGrp="1"/>
           </p:cNvSpPr>
@@ -5612,7 +5251,7 @@
           <a:p>
             <a:fld id="{A3D5900F-635E-4AAE-8140-C1DE1C51ED41}" type="datetimeFigureOut">
               <a:rPr lang="ru-RU" smtClean="0"/>
-              <a:t>20.10.2025</a:t>
+              <a:t>22.10.2025</a:t>
             </a:fld>
             <a:endParaRPr lang="ru-RU"/>
           </a:p>
@@ -5620,7 +5259,7 @@
       </p:sp>
       <p:sp>
         <p:nvSpPr>
-          <p:cNvPr id="8" name="Footer Placeholder 7"/>
+          <p:cNvPr id="5" name="Footer Placeholder 4"/>
           <p:cNvSpPr>
             <a:spLocks noGrp="1"/>
           </p:cNvSpPr>
@@ -5639,7 +5278,7 @@
       </p:sp>
       <p:sp>
         <p:nvSpPr>
-          <p:cNvPr id="9" name="Slide Number Placeholder 8"/>
+          <p:cNvPr id="6" name="Slide Number Placeholder 5"/>
           <p:cNvSpPr>
             <a:spLocks noGrp="1"/>
           </p:cNvSpPr>
@@ -5663,7 +5302,7 @@
     </p:spTree>
     <p:extLst>
       <p:ext uri="{BB962C8B-B14F-4D97-AF65-F5344CB8AC3E}">
-        <p14:creationId xmlns:p14="http://schemas.microsoft.com/office/powerpoint/2010/main" val="809343639"/>
+        <p14:creationId xmlns:p14="http://schemas.microsoft.com/office/powerpoint/2010/main" val="4041827622"/>
       </p:ext>
     </p:extLst>
   </p:cSld>
@@ -5674,13 +5313,8 @@
 </file>
 
 <file path=ppt/slideLayouts/slideLayout3.xml><?xml version="1.0" encoding="utf-8"?>
-<p:sldLayout xmlns:a="http://schemas.openxmlformats.org/drawingml/2006/main" xmlns:r="http://schemas.openxmlformats.org/officeDocument/2006/relationships" xmlns:p="http://schemas.openxmlformats.org/presentationml/2006/main" showMasterSp="0" type="secHead" preserve="1">
+<p:sldLayout xmlns:a="http://schemas.openxmlformats.org/drawingml/2006/main" xmlns:r="http://schemas.openxmlformats.org/officeDocument/2006/relationships" xmlns:p="http://schemas.openxmlformats.org/presentationml/2006/main" type="secHead" preserve="1">
   <p:cSld name="Заголовок раздела">
-    <p:bg>
-      <p:bgRef idx="1002">
-        <a:schemeClr val="bg2"/>
-      </p:bgRef>
-    </p:bg>
     <p:spTree>
       <p:nvGrpSpPr>
         <p:cNvPr id="1" name=""/>
@@ -5697,293 +5331,6 @@
       </p:grpSpPr>
       <p:sp>
         <p:nvSpPr>
-          <p:cNvPr id="22" name="Rectangle 21"/>
-          <p:cNvSpPr/>
-          <p:nvPr/>
-        </p:nvSpPr>
-        <p:spPr>
-          <a:xfrm>
-            <a:off x="0" y="0"/>
-            <a:ext cx="12192000" cy="6858000"/>
-          </a:xfrm>
-          <a:prstGeom prst="rect">
-            <a:avLst/>
-          </a:prstGeom>
-          <a:blipFill dpi="0" rotWithShape="1">
-            <a:blip r:embed="rId2">
-              <a:alphaModFix amt="45000"/>
-              <a:duotone>
-                <a:schemeClr val="accent2">
-                  <a:shade val="45000"/>
-                  <a:satMod val="135000"/>
-                </a:schemeClr>
-                <a:prstClr val="white"/>
-              </a:duotone>
-            </a:blip>
-            <a:srcRect/>
-            <a:tile tx="-44450" ty="38100" sx="85000" sy="85000" flip="none" algn="tl"/>
-          </a:blipFill>
-          <a:ln>
-            <a:noFill/>
-          </a:ln>
-        </p:spPr>
-        <p:style>
-          <a:lnRef idx="2">
-            <a:schemeClr val="accent1">
-              <a:shade val="50000"/>
-            </a:schemeClr>
-          </a:lnRef>
-          <a:fillRef idx="1">
-            <a:schemeClr val="accent1"/>
-          </a:fillRef>
-          <a:effectRef idx="0">
-            <a:schemeClr val="accent1"/>
-          </a:effectRef>
-          <a:fontRef idx="minor">
-            <a:schemeClr val="lt1"/>
-          </a:fontRef>
-        </p:style>
-      </p:sp>
-      <p:sp>
-        <p:nvSpPr>
-          <p:cNvPr id="23" name="Rectangle 22"/>
-          <p:cNvSpPr/>
-          <p:nvPr/>
-        </p:nvSpPr>
-        <p:spPr>
-          <a:xfrm>
-            <a:off x="1307870" y="1267730"/>
-            <a:ext cx="9576262" cy="4307950"/>
-          </a:xfrm>
-          <a:prstGeom prst="rect">
-            <a:avLst/>
-          </a:prstGeom>
-          <a:solidFill>
-            <a:schemeClr val="bg1"/>
-          </a:solidFill>
-          <a:ln w="6350" cap="flat" cmpd="sng" algn="ctr">
-            <a:noFill/>
-            <a:prstDash val="solid"/>
-          </a:ln>
-          <a:effectLst>
-            <a:outerShdw blurRad="50800" algn="ctr" rotWithShape="0">
-              <a:prstClr val="black">
-                <a:alpha val="66000"/>
-              </a:prstClr>
-            </a:outerShdw>
-            <a:softEdge rad="0"/>
-          </a:effectLst>
-        </p:spPr>
-      </p:sp>
-      <p:sp>
-        <p:nvSpPr>
-          <p:cNvPr id="24" name="Rectangle 23"/>
-          <p:cNvSpPr/>
-          <p:nvPr/>
-        </p:nvSpPr>
-        <p:spPr>
-          <a:xfrm>
-            <a:off x="1447800" y="1411615"/>
-            <a:ext cx="9296400" cy="4034770"/>
-          </a:xfrm>
-          <a:prstGeom prst="rect">
-            <a:avLst/>
-          </a:prstGeom>
-          <a:noFill/>
-          <a:ln w="6350" cap="sq" cmpd="sng" algn="ctr">
-            <a:solidFill>
-              <a:schemeClr val="tx1">
-                <a:lumMod val="75000"/>
-                <a:lumOff val="25000"/>
-              </a:schemeClr>
-            </a:solidFill>
-            <a:prstDash val="solid"/>
-            <a:miter lim="800000"/>
-          </a:ln>
-          <a:effectLst/>
-        </p:spPr>
-      </p:sp>
-      <p:sp>
-        <p:nvSpPr>
-          <p:cNvPr id="30" name="Rectangle 29"/>
-          <p:cNvSpPr/>
-          <p:nvPr/>
-        </p:nvSpPr>
-        <p:spPr>
-          <a:xfrm>
-            <a:off x="5135880" y="1267730"/>
-            <a:ext cx="1920240" cy="731520"/>
-          </a:xfrm>
-          <a:prstGeom prst="rect">
-            <a:avLst/>
-          </a:prstGeom>
-          <a:solidFill>
-            <a:schemeClr val="bg2"/>
-          </a:solidFill>
-          <a:ln>
-            <a:noFill/>
-          </a:ln>
-        </p:spPr>
-        <p:style>
-          <a:lnRef idx="2">
-            <a:schemeClr val="accent1">
-              <a:shade val="50000"/>
-            </a:schemeClr>
-          </a:lnRef>
-          <a:fillRef idx="1">
-            <a:schemeClr val="accent1"/>
-          </a:fillRef>
-          <a:effectRef idx="0">
-            <a:schemeClr val="accent1"/>
-          </a:effectRef>
-          <a:fontRef idx="minor">
-            <a:schemeClr val="lt1"/>
-          </a:fontRef>
-        </p:style>
-      </p:sp>
-      <p:grpSp>
-        <p:nvGrpSpPr>
-          <p:cNvPr id="31" name="Group 30"/>
-          <p:cNvGrpSpPr/>
-          <p:nvPr/>
-        </p:nvGrpSpPr>
-        <p:grpSpPr>
-          <a:xfrm>
-            <a:off x="5250180" y="1267730"/>
-            <a:ext cx="1691640" cy="645295"/>
-            <a:chOff x="5318306" y="1386268"/>
-            <a:chExt cx="1567331" cy="645295"/>
-          </a:xfrm>
-        </p:grpSpPr>
-        <p:cxnSp>
-          <p:nvCxnSpPr>
-            <p:cNvPr id="32" name="Straight Connector 31"/>
-            <p:cNvCxnSpPr/>
-            <p:nvPr/>
-          </p:nvCxnSpPr>
-          <p:spPr>
-            <a:xfrm>
-              <a:off x="5318306" y="1386268"/>
-              <a:ext cx="0" cy="640080"/>
-            </a:xfrm>
-            <a:prstGeom prst="line">
-              <a:avLst/>
-            </a:prstGeom>
-            <a:solidFill>
-              <a:schemeClr val="tx1">
-                <a:lumMod val="85000"/>
-                <a:lumOff val="15000"/>
-              </a:schemeClr>
-            </a:solidFill>
-            <a:ln>
-              <a:solidFill>
-                <a:schemeClr val="tx1"/>
-              </a:solidFill>
-              <a:miter lim="800000"/>
-            </a:ln>
-          </p:spPr>
-          <p:style>
-            <a:lnRef idx="1">
-              <a:schemeClr val="accent1"/>
-            </a:lnRef>
-            <a:fillRef idx="0">
-              <a:schemeClr val="accent1"/>
-            </a:fillRef>
-            <a:effectRef idx="0">
-              <a:schemeClr val="accent1"/>
-            </a:effectRef>
-            <a:fontRef idx="minor">
-              <a:schemeClr val="tx1"/>
-            </a:fontRef>
-          </p:style>
-        </p:cxnSp>
-        <p:cxnSp>
-          <p:nvCxnSpPr>
-            <p:cNvPr id="33" name="Straight Connector 32"/>
-            <p:cNvCxnSpPr/>
-            <p:nvPr/>
-          </p:nvCxnSpPr>
-          <p:spPr>
-            <a:xfrm>
-              <a:off x="6885637" y="1386268"/>
-              <a:ext cx="0" cy="640080"/>
-            </a:xfrm>
-            <a:prstGeom prst="line">
-              <a:avLst/>
-            </a:prstGeom>
-            <a:solidFill>
-              <a:schemeClr val="tx1">
-                <a:lumMod val="85000"/>
-                <a:lumOff val="15000"/>
-              </a:schemeClr>
-            </a:solidFill>
-            <a:ln>
-              <a:solidFill>
-                <a:schemeClr val="tx1"/>
-              </a:solidFill>
-              <a:miter lim="800000"/>
-            </a:ln>
-          </p:spPr>
-          <p:style>
-            <a:lnRef idx="1">
-              <a:schemeClr val="accent1"/>
-            </a:lnRef>
-            <a:fillRef idx="0">
-              <a:schemeClr val="accent1"/>
-            </a:fillRef>
-            <a:effectRef idx="0">
-              <a:schemeClr val="accent1"/>
-            </a:effectRef>
-            <a:fontRef idx="minor">
-              <a:schemeClr val="tx1"/>
-            </a:fontRef>
-          </p:style>
-        </p:cxnSp>
-        <p:cxnSp>
-          <p:nvCxnSpPr>
-            <p:cNvPr id="34" name="Straight Connector 33"/>
-            <p:cNvCxnSpPr/>
-            <p:nvPr/>
-          </p:nvCxnSpPr>
-          <p:spPr>
-            <a:xfrm>
-              <a:off x="5318306" y="2031563"/>
-              <a:ext cx="1567331" cy="0"/>
-            </a:xfrm>
-            <a:prstGeom prst="line">
-              <a:avLst/>
-            </a:prstGeom>
-            <a:solidFill>
-              <a:schemeClr val="tx1">
-                <a:lumMod val="85000"/>
-                <a:lumOff val="15000"/>
-              </a:schemeClr>
-            </a:solidFill>
-            <a:ln>
-              <a:solidFill>
-                <a:schemeClr val="tx1"/>
-              </a:solidFill>
-              <a:miter lim="800000"/>
-            </a:ln>
-          </p:spPr>
-          <p:style>
-            <a:lnRef idx="1">
-              <a:schemeClr val="accent1"/>
-            </a:lnRef>
-            <a:fillRef idx="0">
-              <a:schemeClr val="accent1"/>
-            </a:fillRef>
-            <a:effectRef idx="0">
-              <a:schemeClr val="accent1"/>
-            </a:effectRef>
-            <a:fontRef idx="minor">
-              <a:schemeClr val="tx1"/>
-            </a:fontRef>
-          </p:style>
-        </p:cxnSp>
-      </p:grpSp>
-      <p:sp>
-        <p:nvSpPr>
           <p:cNvPr id="2" name="Title 1"/>
           <p:cNvSpPr>
             <a:spLocks noGrp="1"/>
@@ -5994,31 +5341,15 @@
         </p:nvSpPr>
         <p:spPr>
           <a:xfrm>
-            <a:off x="1563623" y="2094309"/>
-            <a:ext cx="9070848" cy="2587752"/>
+            <a:off x="831850" y="1709738"/>
+            <a:ext cx="10515600" cy="2852737"/>
           </a:xfrm>
         </p:spPr>
         <p:txBody>
-          <a:bodyPr anchor="ctr">
-            <a:noAutofit/>
-          </a:bodyPr>
+          <a:bodyPr anchor="b"/>
           <a:lstStyle>
-            <a:lvl1pPr algn="ctr">
-              <a:lnSpc>
-                <a:spcPct val="83000"/>
-              </a:lnSpc>
-              <a:defRPr lang="en-US" sz="7200" kern="1200" cap="all" spc="-100" baseline="0" dirty="0">
-                <a:solidFill>
-                  <a:schemeClr val="tx1">
-                    <a:lumMod val="85000"/>
-                    <a:lumOff val="15000"/>
-                  </a:schemeClr>
-                </a:solidFill>
-                <a:effectLst/>
-                <a:latin typeface="+mj-lt"/>
-                <a:ea typeface="+mn-ea"/>
-                <a:cs typeface="+mn-cs"/>
-              </a:defRPr>
+            <a:lvl1pPr>
+              <a:defRPr sz="6000"/>
             </a:lvl1pPr>
           </a:lstStyle>
           <a:p>
@@ -6042,27 +5373,26 @@
         </p:nvSpPr>
         <p:spPr>
           <a:xfrm>
-            <a:off x="1563624" y="4682062"/>
-            <a:ext cx="9070848" cy="457200"/>
+            <a:off x="831850" y="4589463"/>
+            <a:ext cx="10515600" cy="1500187"/>
           </a:xfrm>
         </p:spPr>
         <p:txBody>
-          <a:bodyPr anchor="t">
-            <a:normAutofit/>
-          </a:bodyPr>
+          <a:bodyPr/>
           <a:lstStyle>
-            <a:lvl1pPr marL="0" indent="0" algn="ctr">
+            <a:lvl1pPr marL="0" indent="0">
               <a:buNone/>
-              <a:defRPr sz="1600">
-                <a:solidFill>
-                  <a:schemeClr val="tx1"/>
-                </a:solidFill>
-                <a:effectLst/>
+              <a:defRPr sz="2400">
+                <a:solidFill>
+                  <a:schemeClr val="tx1">
+                    <a:tint val="75000"/>
+                  </a:schemeClr>
+                </a:solidFill>
               </a:defRPr>
             </a:lvl1pPr>
             <a:lvl2pPr marL="457200" indent="0">
               <a:buNone/>
-              <a:defRPr sz="1600">
+              <a:defRPr sz="2000">
                 <a:solidFill>
                   <a:schemeClr val="tx1">
                     <a:tint val="75000"/>
@@ -6072,7 +5402,7 @@
             </a:lvl2pPr>
             <a:lvl3pPr marL="914400" indent="0">
               <a:buNone/>
-              <a:defRPr sz="1600">
+              <a:defRPr sz="1800">
                 <a:solidFill>
                   <a:schemeClr val="tx1">
                     <a:tint val="75000"/>
@@ -6082,7 +5412,7 @@
             </a:lvl3pPr>
             <a:lvl4pPr marL="1371600" indent="0">
               <a:buNone/>
-              <a:defRPr sz="1400">
+              <a:defRPr sz="1600">
                 <a:solidFill>
                   <a:schemeClr val="tx1">
                     <a:tint val="75000"/>
@@ -6092,7 +5422,7 @@
             </a:lvl4pPr>
             <a:lvl5pPr marL="1828800" indent="0">
               <a:buNone/>
-              <a:defRPr sz="1400">
+              <a:defRPr sz="1600">
                 <a:solidFill>
                   <a:schemeClr val="tx1">
                     <a:tint val="75000"/>
@@ -6102,7 +5432,7 @@
             </a:lvl5pPr>
             <a:lvl6pPr marL="2286000" indent="0">
               <a:buNone/>
-              <a:defRPr sz="1400">
+              <a:defRPr sz="1600">
                 <a:solidFill>
                   <a:schemeClr val="tx1">
                     <a:tint val="75000"/>
@@ -6112,7 +5442,7 @@
             </a:lvl6pPr>
             <a:lvl7pPr marL="2743200" indent="0">
               <a:buNone/>
-              <a:defRPr sz="1400">
+              <a:defRPr sz="1600">
                 <a:solidFill>
                   <a:schemeClr val="tx1">
                     <a:tint val="75000"/>
@@ -6122,7 +5452,7 @@
             </a:lvl7pPr>
             <a:lvl8pPr marL="3200400" indent="0">
               <a:buNone/>
-              <a:defRPr sz="1400">
+              <a:defRPr sz="1600">
                 <a:solidFill>
                   <a:schemeClr val="tx1">
                     <a:tint val="75000"/>
@@ -6132,7 +5462,7 @@
             </a:lvl8pPr>
             <a:lvl9pPr marL="3657600" indent="0">
               <a:buNone/>
-              <a:defRPr sz="1400">
+              <a:defRPr sz="1600">
                 <a:solidFill>
                   <a:schemeClr val="tx1">
                     <a:tint val="75000"/>
@@ -6160,30 +5490,14 @@
             <p:ph type="dt" sz="half" idx="10"/>
           </p:nvPr>
         </p:nvSpPr>
-        <p:spPr>
-          <a:xfrm>
-            <a:off x="5321808" y="1344502"/>
-            <a:ext cx="1554480" cy="530352"/>
-          </a:xfrm>
-        </p:spPr>
+        <p:spPr/>
         <p:txBody>
           <a:bodyPr/>
-          <a:lstStyle>
-            <a:lvl1pPr algn="ctr">
-              <a:defRPr lang="en-US" sz="1300" kern="1200" spc="0" baseline="0">
-                <a:solidFill>
-                  <a:schemeClr val="tx1"/>
-                </a:solidFill>
-                <a:latin typeface="+mn-lt"/>
-                <a:ea typeface="+mn-ea"/>
-                <a:cs typeface="+mn-cs"/>
-              </a:defRPr>
-            </a:lvl1pPr>
-          </a:lstStyle>
+          <a:lstStyle/>
           <a:p>
             <a:fld id="{A3D5900F-635E-4AAE-8140-C1DE1C51ED41}" type="datetimeFigureOut">
               <a:rPr lang="ru-RU" smtClean="0"/>
-              <a:t>20.10.2025</a:t>
+              <a:t>22.10.2025</a:t>
             </a:fld>
             <a:endParaRPr lang="ru-RU"/>
           </a:p>
@@ -6199,19 +5513,10 @@
             <p:ph type="ftr" sz="quarter" idx="11"/>
           </p:nvPr>
         </p:nvSpPr>
-        <p:spPr>
-          <a:xfrm>
-            <a:off x="1453553" y="5211060"/>
-            <a:ext cx="5907024" cy="228600"/>
-          </a:xfrm>
-        </p:spPr>
+        <p:spPr/>
         <p:txBody>
           <a:bodyPr/>
-          <a:lstStyle>
-            <a:lvl1pPr algn="l">
-              <a:defRPr/>
-            </a:lvl1pPr>
-          </a:lstStyle>
+          <a:lstStyle/>
           <a:p>
             <a:endParaRPr lang="ru-RU"/>
           </a:p>
@@ -6227,12 +5532,7 @@
             <p:ph type="sldNum" sz="quarter" idx="12"/>
           </p:nvPr>
         </p:nvSpPr>
-        <p:spPr>
-          <a:xfrm>
-            <a:off x="8604504" y="5211060"/>
-            <a:ext cx="2112264" cy="228600"/>
-          </a:xfrm>
-        </p:spPr>
+        <p:spPr/>
         <p:txBody>
           <a:bodyPr/>
           <a:lstStyle/>
@@ -6248,12 +5548,12 @@
     </p:spTree>
     <p:extLst>
       <p:ext uri="{BB962C8B-B14F-4D97-AF65-F5344CB8AC3E}">
-        <p14:creationId xmlns:p14="http://schemas.microsoft.com/office/powerpoint/2010/main" val="1461681540"/>
+        <p14:creationId xmlns:p14="http://schemas.microsoft.com/office/powerpoint/2010/main" val="431714205"/>
       </p:ext>
     </p:extLst>
   </p:cSld>
   <p:clrMapOvr>
-    <a:overrideClrMapping bg1="lt1" tx1="dk1" bg2="lt2" tx2="dk2" accent1="accent1" accent2="accent2" accent3="accent3" accent4="accent4" accent5="accent5" accent6="accent6" hlink="hlink" folHlink="folHlink"/>
+    <a:masterClrMapping/>
   </p:clrMapOvr>
 </p:sldLayout>
 </file>
@@ -6277,7 +5577,7 @@
       </p:grpSpPr>
       <p:sp>
         <p:nvSpPr>
-          <p:cNvPr id="8" name="Title 7"/>
+          <p:cNvPr id="2" name="Title 1"/>
           <p:cNvSpPr>
             <a:spLocks noGrp="1"/>
           </p:cNvSpPr>
@@ -6310,41 +5610,13 @@
         </p:nvSpPr>
         <p:spPr>
           <a:xfrm>
-            <a:off x="1066800" y="2103120"/>
-            <a:ext cx="4754880" cy="3749040"/>
+            <a:off x="838200" y="1825625"/>
+            <a:ext cx="5181600" cy="4351338"/>
           </a:xfrm>
         </p:spPr>
         <p:txBody>
           <a:bodyPr/>
-          <a:lstStyle>
-            <a:lvl1pPr>
-              <a:defRPr sz="1800"/>
-            </a:lvl1pPr>
-            <a:lvl2pPr>
-              <a:defRPr sz="1600"/>
-            </a:lvl2pPr>
-            <a:lvl3pPr>
-              <a:defRPr sz="1400"/>
-            </a:lvl3pPr>
-            <a:lvl4pPr>
-              <a:defRPr sz="1400"/>
-            </a:lvl4pPr>
-            <a:lvl5pPr>
-              <a:defRPr sz="1400"/>
-            </a:lvl5pPr>
-            <a:lvl6pPr>
-              <a:defRPr sz="1400"/>
-            </a:lvl6pPr>
-            <a:lvl7pPr>
-              <a:defRPr sz="1400"/>
-            </a:lvl7pPr>
-            <a:lvl8pPr>
-              <a:defRPr sz="1400"/>
-            </a:lvl8pPr>
-            <a:lvl9pPr>
-              <a:defRPr sz="1400"/>
-            </a:lvl9pPr>
-          </a:lstStyle>
+          <a:lstStyle/>
           <a:p>
             <a:pPr lvl="0"/>
             <a:r>
@@ -6395,41 +5667,13 @@
         </p:nvSpPr>
         <p:spPr>
           <a:xfrm>
-            <a:off x="6370320" y="2103120"/>
-            <a:ext cx="4754880" cy="3749040"/>
+            <a:off x="6172200" y="1825625"/>
+            <a:ext cx="5181600" cy="4351338"/>
           </a:xfrm>
         </p:spPr>
         <p:txBody>
           <a:bodyPr/>
-          <a:lstStyle>
-            <a:lvl1pPr>
-              <a:defRPr sz="1800"/>
-            </a:lvl1pPr>
-            <a:lvl2pPr>
-              <a:defRPr sz="1600"/>
-            </a:lvl2pPr>
-            <a:lvl3pPr>
-              <a:defRPr sz="1400"/>
-            </a:lvl3pPr>
-            <a:lvl4pPr>
-              <a:defRPr sz="1400"/>
-            </a:lvl4pPr>
-            <a:lvl5pPr>
-              <a:defRPr sz="1400"/>
-            </a:lvl5pPr>
-            <a:lvl6pPr>
-              <a:defRPr sz="1400"/>
-            </a:lvl6pPr>
-            <a:lvl7pPr>
-              <a:defRPr sz="1400"/>
-            </a:lvl7pPr>
-            <a:lvl8pPr>
-              <a:defRPr sz="1400"/>
-            </a:lvl8pPr>
-            <a:lvl9pPr>
-              <a:defRPr sz="1400"/>
-            </a:lvl9pPr>
-          </a:lstStyle>
+          <a:lstStyle/>
           <a:p>
             <a:pPr lvl="0"/>
             <a:r>
@@ -6485,7 +5729,7 @@
           <a:p>
             <a:fld id="{A3D5900F-635E-4AAE-8140-C1DE1C51ED41}" type="datetimeFigureOut">
               <a:rPr lang="ru-RU" smtClean="0"/>
-              <a:t>20.10.2025</a:t>
+              <a:t>22.10.2025</a:t>
             </a:fld>
             <a:endParaRPr lang="ru-RU"/>
           </a:p>
@@ -6536,7 +5780,7 @@
     </p:spTree>
     <p:extLst>
       <p:ext uri="{BB962C8B-B14F-4D97-AF65-F5344CB8AC3E}">
-        <p14:creationId xmlns:p14="http://schemas.microsoft.com/office/powerpoint/2010/main" val="1084046565"/>
+        <p14:creationId xmlns:p14="http://schemas.microsoft.com/office/powerpoint/2010/main" val="3547714008"/>
       </p:ext>
     </p:extLst>
   </p:cSld>
@@ -6578,7 +5822,12 @@
             <p:ph type="title"/>
           </p:nvPr>
         </p:nvSpPr>
-        <p:spPr/>
+        <p:spPr>
+          <a:xfrm>
+            <a:off x="839788" y="365125"/>
+            <a:ext cx="10515600" cy="1325563"/>
+          </a:xfrm>
+        </p:spPr>
         <p:txBody>
           <a:bodyPr/>
           <a:lstStyle/>
@@ -6603,30 +5852,20 @@
         </p:nvSpPr>
         <p:spPr>
           <a:xfrm>
-            <a:off x="1069848" y="2074334"/>
-            <a:ext cx="4754880" cy="640080"/>
+            <a:off x="839788" y="1681163"/>
+            <a:ext cx="5157787" cy="823912"/>
           </a:xfrm>
         </p:spPr>
         <p:txBody>
-          <a:bodyPr anchor="ctr">
-            <a:normAutofit/>
-          </a:bodyPr>
+          <a:bodyPr anchor="b"/>
           <a:lstStyle>
-            <a:lvl1pPr marL="0" indent="0" algn="ctr">
-              <a:spcBef>
-                <a:spcPts val="0"/>
-              </a:spcBef>
+            <a:lvl1pPr marL="0" indent="0">
               <a:buNone/>
-              <a:defRPr sz="1900" b="0">
-                <a:solidFill>
-                  <a:schemeClr val="tx2"/>
-                </a:solidFill>
-                <a:latin typeface="+mn-lt"/>
-              </a:defRPr>
+              <a:defRPr sz="2400" b="1"/>
             </a:lvl1pPr>
             <a:lvl2pPr marL="457200" indent="0">
               <a:buNone/>
-              <a:defRPr sz="1900" b="1"/>
+              <a:defRPr sz="2000" b="1"/>
             </a:lvl2pPr>
             <a:lvl3pPr marL="914400" indent="0">
               <a:buNone/>
@@ -6678,41 +5917,13 @@
         </p:nvSpPr>
         <p:spPr>
           <a:xfrm>
-            <a:off x="1069848" y="2755898"/>
-            <a:ext cx="4754880" cy="3200400"/>
+            <a:off x="839788" y="2505075"/>
+            <a:ext cx="5157787" cy="3684588"/>
           </a:xfrm>
         </p:spPr>
         <p:txBody>
           <a:bodyPr/>
-          <a:lstStyle>
-            <a:lvl1pPr>
-              <a:defRPr sz="1800"/>
-            </a:lvl1pPr>
-            <a:lvl2pPr>
-              <a:defRPr sz="1600"/>
-            </a:lvl2pPr>
-            <a:lvl3pPr>
-              <a:defRPr sz="1400"/>
-            </a:lvl3pPr>
-            <a:lvl4pPr>
-              <a:defRPr sz="1400"/>
-            </a:lvl4pPr>
-            <a:lvl5pPr>
-              <a:defRPr sz="1400"/>
-            </a:lvl5pPr>
-            <a:lvl6pPr>
-              <a:defRPr sz="1400"/>
-            </a:lvl6pPr>
-            <a:lvl7pPr>
-              <a:defRPr sz="1400"/>
-            </a:lvl7pPr>
-            <a:lvl8pPr>
-              <a:defRPr sz="1400"/>
-            </a:lvl8pPr>
-            <a:lvl9pPr>
-              <a:defRPr sz="1400"/>
-            </a:lvl9pPr>
-          </a:lstStyle>
+          <a:lstStyle/>
           <a:p>
             <a:pPr lvl="0"/>
             <a:r>
@@ -6763,29 +5974,20 @@
         </p:nvSpPr>
         <p:spPr>
           <a:xfrm>
-            <a:off x="6373368" y="2074334"/>
-            <a:ext cx="4754880" cy="640080"/>
+            <a:off x="6172200" y="1681163"/>
+            <a:ext cx="5183188" cy="823912"/>
           </a:xfrm>
         </p:spPr>
         <p:txBody>
-          <a:bodyPr anchor="ctr">
-            <a:normAutofit/>
-          </a:bodyPr>
+          <a:bodyPr anchor="b"/>
           <a:lstStyle>
-            <a:lvl1pPr marL="0" indent="0" algn="ctr">
-              <a:spcBef>
-                <a:spcPts val="0"/>
-              </a:spcBef>
+            <a:lvl1pPr marL="0" indent="0">
               <a:buNone/>
-              <a:defRPr sz="1900" b="0">
-                <a:solidFill>
-                  <a:schemeClr val="tx2"/>
-                </a:solidFill>
-              </a:defRPr>
+              <a:defRPr sz="2400" b="1"/>
             </a:lvl1pPr>
             <a:lvl2pPr marL="457200" indent="0">
               <a:buNone/>
-              <a:defRPr sz="1900" b="1"/>
+              <a:defRPr sz="2000" b="1"/>
             </a:lvl2pPr>
             <a:lvl3pPr marL="914400" indent="0">
               <a:buNone/>
@@ -6837,41 +6039,13 @@
         </p:nvSpPr>
         <p:spPr>
           <a:xfrm>
-            <a:off x="6373368" y="2756581"/>
-            <a:ext cx="4754880" cy="3200400"/>
+            <a:off x="6172200" y="2505075"/>
+            <a:ext cx="5183188" cy="3684588"/>
           </a:xfrm>
         </p:spPr>
         <p:txBody>
           <a:bodyPr/>
-          <a:lstStyle>
-            <a:lvl1pPr>
-              <a:defRPr sz="1800"/>
-            </a:lvl1pPr>
-            <a:lvl2pPr>
-              <a:defRPr sz="1600"/>
-            </a:lvl2pPr>
-            <a:lvl3pPr>
-              <a:defRPr sz="1400"/>
-            </a:lvl3pPr>
-            <a:lvl4pPr>
-              <a:defRPr sz="1400"/>
-            </a:lvl4pPr>
-            <a:lvl5pPr>
-              <a:defRPr sz="1400"/>
-            </a:lvl5pPr>
-            <a:lvl6pPr>
-              <a:defRPr sz="1400"/>
-            </a:lvl6pPr>
-            <a:lvl7pPr>
-              <a:defRPr sz="1400"/>
-            </a:lvl7pPr>
-            <a:lvl8pPr>
-              <a:defRPr sz="1400"/>
-            </a:lvl8pPr>
-            <a:lvl9pPr>
-              <a:defRPr sz="1400"/>
-            </a:lvl9pPr>
-          </a:lstStyle>
+          <a:lstStyle/>
           <a:p>
             <a:pPr lvl="0"/>
             <a:r>
@@ -6927,7 +6101,7 @@
           <a:p>
             <a:fld id="{A3D5900F-635E-4AAE-8140-C1DE1C51ED41}" type="datetimeFigureOut">
               <a:rPr lang="ru-RU" smtClean="0"/>
-              <a:t>20.10.2025</a:t>
+              <a:t>22.10.2025</a:t>
             </a:fld>
             <a:endParaRPr lang="ru-RU"/>
           </a:p>
@@ -6978,7 +6152,7 @@
     </p:spTree>
     <p:extLst>
       <p:ext uri="{BB962C8B-B14F-4D97-AF65-F5344CB8AC3E}">
-        <p14:creationId xmlns:p14="http://schemas.microsoft.com/office/powerpoint/2010/main" val="2875134575"/>
+        <p14:creationId xmlns:p14="http://schemas.microsoft.com/office/powerpoint/2010/main" val="3829781416"/>
       </p:ext>
     </p:extLst>
   </p:cSld>
@@ -7050,7 +6224,7 @@
           <a:p>
             <a:fld id="{A3D5900F-635E-4AAE-8140-C1DE1C51ED41}" type="datetimeFigureOut">
               <a:rPr lang="ru-RU" smtClean="0"/>
-              <a:t>20.10.2025</a:t>
+              <a:t>22.10.2025</a:t>
             </a:fld>
             <a:endParaRPr lang="ru-RU"/>
           </a:p>
@@ -7101,7 +6275,7 @@
     </p:spTree>
     <p:extLst>
       <p:ext uri="{BB962C8B-B14F-4D97-AF65-F5344CB8AC3E}">
-        <p14:creationId xmlns:p14="http://schemas.microsoft.com/office/powerpoint/2010/main" val="2728986853"/>
+        <p14:creationId xmlns:p14="http://schemas.microsoft.com/office/powerpoint/2010/main" val="3770837452"/>
       </p:ext>
     </p:extLst>
   </p:cSld>
@@ -7145,7 +6319,7 @@
           <a:p>
             <a:fld id="{A3D5900F-635E-4AAE-8140-C1DE1C51ED41}" type="datetimeFigureOut">
               <a:rPr lang="ru-RU" smtClean="0"/>
-              <a:t>20.10.2025</a:t>
+              <a:t>22.10.2025</a:t>
             </a:fld>
             <a:endParaRPr lang="ru-RU"/>
           </a:p>
@@ -7196,7 +6370,7 @@
     </p:spTree>
     <p:extLst>
       <p:ext uri="{BB962C8B-B14F-4D97-AF65-F5344CB8AC3E}">
-        <p14:creationId xmlns:p14="http://schemas.microsoft.com/office/powerpoint/2010/main" val="3395885962"/>
+        <p14:creationId xmlns:p14="http://schemas.microsoft.com/office/powerpoint/2010/main" val="2823439684"/>
       </p:ext>
     </p:extLst>
   </p:cSld>
@@ -7207,7 +6381,7 @@
 </file>
 
 <file path=ppt/slideLayouts/slideLayout8.xml><?xml version="1.0" encoding="utf-8"?>
-<p:sldLayout xmlns:a="http://schemas.openxmlformats.org/drawingml/2006/main" xmlns:r="http://schemas.openxmlformats.org/officeDocument/2006/relationships" xmlns:p="http://schemas.openxmlformats.org/presentationml/2006/main" showMasterSp="0" type="objTx" preserve="1">
+<p:sldLayout xmlns:a="http://schemas.openxmlformats.org/drawingml/2006/main" xmlns:r="http://schemas.openxmlformats.org/officeDocument/2006/relationships" xmlns:p="http://schemas.openxmlformats.org/presentationml/2006/main" type="objTx" preserve="1">
   <p:cSld name="Объект с подписью">
     <p:spTree>
       <p:nvGrpSpPr>
@@ -7225,82 +6399,6 @@
       </p:grpSpPr>
       <p:sp>
         <p:nvSpPr>
-          <p:cNvPr id="16" name="Rectangle 15"/>
-          <p:cNvSpPr/>
-          <p:nvPr/>
-        </p:nvSpPr>
-        <p:spPr>
-          <a:xfrm>
-            <a:off x="245529" y="237744"/>
-            <a:ext cx="8531352" cy="6382512"/>
-          </a:xfrm>
-          <a:prstGeom prst="rect">
-            <a:avLst/>
-          </a:prstGeom>
-          <a:solidFill>
-            <a:schemeClr val="bg2"/>
-          </a:solidFill>
-          <a:ln>
-            <a:noFill/>
-          </a:ln>
-        </p:spPr>
-        <p:style>
-          <a:lnRef idx="2">
-            <a:schemeClr val="accent1">
-              <a:shade val="50000"/>
-            </a:schemeClr>
-          </a:lnRef>
-          <a:fillRef idx="1">
-            <a:schemeClr val="accent1"/>
-          </a:fillRef>
-          <a:effectRef idx="0">
-            <a:schemeClr val="accent1"/>
-          </a:effectRef>
-          <a:fontRef idx="minor">
-            <a:schemeClr val="lt1"/>
-          </a:fontRef>
-        </p:style>
-      </p:sp>
-      <p:sp>
-        <p:nvSpPr>
-          <p:cNvPr id="15" name="Rectangle 14"/>
-          <p:cNvSpPr/>
-          <p:nvPr/>
-        </p:nvSpPr>
-        <p:spPr>
-          <a:xfrm>
-            <a:off x="9020386" y="237744"/>
-            <a:ext cx="2926080" cy="6382512"/>
-          </a:xfrm>
-          <a:prstGeom prst="rect">
-            <a:avLst/>
-          </a:prstGeom>
-          <a:solidFill>
-            <a:schemeClr val="accent1"/>
-          </a:solidFill>
-          <a:ln>
-            <a:noFill/>
-          </a:ln>
-        </p:spPr>
-        <p:style>
-          <a:lnRef idx="2">
-            <a:schemeClr val="accent1">
-              <a:shade val="50000"/>
-            </a:schemeClr>
-          </a:lnRef>
-          <a:fillRef idx="1">
-            <a:schemeClr val="accent1"/>
-          </a:fillRef>
-          <a:effectRef idx="0">
-            <a:schemeClr val="accent1"/>
-          </a:effectRef>
-          <a:fontRef idx="minor">
-            <a:schemeClr val="lt1"/>
-          </a:fontRef>
-        </p:style>
-      </p:sp>
-      <p:sp>
-        <p:nvSpPr>
           <p:cNvPr id="2" name="Title 1"/>
           <p:cNvSpPr>
             <a:spLocks noGrp="1"/>
@@ -7311,32 +6409,15 @@
         </p:nvSpPr>
         <p:spPr>
           <a:xfrm>
-            <a:off x="9296400" y="607392"/>
-            <a:ext cx="2430780" cy="1645920"/>
+            <a:off x="839788" y="457200"/>
+            <a:ext cx="3932237" cy="1600200"/>
           </a:xfrm>
         </p:spPr>
         <p:txBody>
-          <a:bodyPr anchor="b">
-            <a:normAutofit/>
-          </a:bodyPr>
+          <a:bodyPr anchor="b"/>
           <a:lstStyle>
-            <a:lvl1pPr algn="l" defTabSz="914400" rtl="0" eaLnBrk="1" latinLnBrk="0" hangingPunct="1">
-              <a:lnSpc>
-                <a:spcPct val="90000"/>
-              </a:lnSpc>
-              <a:spcBef>
-                <a:spcPct val="0"/>
-              </a:spcBef>
-              <a:buNone/>
-              <a:defRPr lang="en-US" sz="2800" b="0" kern="1200" cap="none" spc="0" baseline="0" dirty="0">
-                <a:solidFill>
-                  <a:srgbClr val="FFFFFF"/>
-                </a:solidFill>
-                <a:effectLst/>
-                <a:latin typeface="+mj-lt"/>
-                <a:ea typeface="+mn-ea"/>
-                <a:cs typeface="+mn-cs"/>
-              </a:defRPr>
+            <a:lvl1pPr>
+              <a:defRPr sz="3200"/>
             </a:lvl1pPr>
           </a:lstStyle>
           <a:p>
@@ -7360,39 +6441,39 @@
         </p:nvSpPr>
         <p:spPr>
           <a:xfrm>
-            <a:off x="685800" y="609600"/>
-            <a:ext cx="7772400" cy="5334000"/>
+            <a:off x="5183188" y="987425"/>
+            <a:ext cx="6172200" cy="4873625"/>
           </a:xfrm>
         </p:spPr>
         <p:txBody>
           <a:bodyPr/>
           <a:lstStyle>
             <a:lvl1pPr>
-              <a:defRPr sz="1800"/>
+              <a:defRPr sz="3200"/>
             </a:lvl1pPr>
             <a:lvl2pPr>
-              <a:defRPr sz="1600"/>
+              <a:defRPr sz="2800"/>
             </a:lvl2pPr>
             <a:lvl3pPr>
-              <a:defRPr sz="1400"/>
+              <a:defRPr sz="2400"/>
             </a:lvl3pPr>
             <a:lvl4pPr>
-              <a:defRPr sz="1400"/>
+              <a:defRPr sz="2000"/>
             </a:lvl4pPr>
             <a:lvl5pPr>
-              <a:defRPr sz="1400"/>
+              <a:defRPr sz="2000"/>
             </a:lvl5pPr>
             <a:lvl6pPr>
-              <a:defRPr sz="1400"/>
+              <a:defRPr sz="2000"/>
             </a:lvl6pPr>
             <a:lvl7pPr>
-              <a:defRPr sz="1400"/>
+              <a:defRPr sz="2000"/>
             </a:lvl7pPr>
             <a:lvl8pPr>
-              <a:defRPr sz="1400"/>
+              <a:defRPr sz="2000"/>
             </a:lvl8pPr>
             <a:lvl9pPr>
-              <a:defRPr sz="1400"/>
+              <a:defRPr sz="2000"/>
             </a:lvl9pPr>
           </a:lstStyle>
           <a:p>
@@ -7445,60 +6526,48 @@
         </p:nvSpPr>
         <p:spPr>
           <a:xfrm>
-            <a:off x="9296400" y="2286000"/>
-            <a:ext cx="2430780" cy="3505200"/>
+            <a:off x="839788" y="2057400"/>
+            <a:ext cx="3932237" cy="3811588"/>
           </a:xfrm>
         </p:spPr>
         <p:txBody>
-          <a:bodyPr>
-            <a:normAutofit/>
-          </a:bodyPr>
+          <a:bodyPr/>
           <a:lstStyle>
             <a:lvl1pPr marL="0" indent="0">
-              <a:lnSpc>
-                <a:spcPct val="110000"/>
-              </a:lnSpc>
-              <a:spcBef>
-                <a:spcPts val="800"/>
-              </a:spcBef>
               <a:buNone/>
-              <a:defRPr sz="1400">
-                <a:solidFill>
-                  <a:srgbClr val="FFFFFF"/>
-                </a:solidFill>
-              </a:defRPr>
+              <a:defRPr sz="1600"/>
             </a:lvl1pPr>
             <a:lvl2pPr marL="457200" indent="0">
               <a:buNone/>
-              <a:defRPr sz="1200"/>
+              <a:defRPr sz="1400"/>
             </a:lvl2pPr>
             <a:lvl3pPr marL="914400" indent="0">
               <a:buNone/>
-              <a:defRPr sz="1000"/>
+              <a:defRPr sz="1200"/>
             </a:lvl3pPr>
             <a:lvl4pPr marL="1371600" indent="0">
               <a:buNone/>
-              <a:defRPr sz="900"/>
+              <a:defRPr sz="1000"/>
             </a:lvl4pPr>
             <a:lvl5pPr marL="1828800" indent="0">
               <a:buNone/>
-              <a:defRPr sz="900"/>
+              <a:defRPr sz="1000"/>
             </a:lvl5pPr>
             <a:lvl6pPr marL="2286000" indent="0">
               <a:buNone/>
-              <a:defRPr sz="900"/>
+              <a:defRPr sz="1000"/>
             </a:lvl6pPr>
             <a:lvl7pPr marL="2743200" indent="0">
               <a:buNone/>
-              <a:defRPr sz="900"/>
+              <a:defRPr sz="1000"/>
             </a:lvl7pPr>
             <a:lvl8pPr marL="3200400" indent="0">
               <a:buNone/>
-              <a:defRPr sz="900"/>
+              <a:defRPr sz="1000"/>
             </a:lvl8pPr>
             <a:lvl9pPr marL="3657600" indent="0">
               <a:buNone/>
-              <a:defRPr sz="900"/>
+              <a:defRPr sz="1000"/>
             </a:lvl9pPr>
           </a:lstStyle>
           <a:p>
@@ -7512,7 +6581,7 @@
       </p:sp>
       <p:sp>
         <p:nvSpPr>
-          <p:cNvPr id="8" name="Date Placeholder 7"/>
+          <p:cNvPr id="5" name="Date Placeholder 4"/>
           <p:cNvSpPr>
             <a:spLocks noGrp="1"/>
           </p:cNvSpPr>
@@ -7527,7 +6596,7 @@
           <a:p>
             <a:fld id="{A3D5900F-635E-4AAE-8140-C1DE1C51ED41}" type="datetimeFigureOut">
               <a:rPr lang="ru-RU" smtClean="0"/>
-              <a:t>20.10.2025</a:t>
+              <a:t>22.10.2025</a:t>
             </a:fld>
             <a:endParaRPr lang="ru-RU"/>
           </a:p>
@@ -7535,7 +6604,7 @@
       </p:sp>
       <p:sp>
         <p:nvSpPr>
-          <p:cNvPr id="9" name="Footer Placeholder 8"/>
+          <p:cNvPr id="6" name="Footer Placeholder 5"/>
           <p:cNvSpPr>
             <a:spLocks noGrp="1"/>
           </p:cNvSpPr>
@@ -7546,11 +6615,7 @@
         <p:spPr/>
         <p:txBody>
           <a:bodyPr/>
-          <a:lstStyle>
-            <a:lvl1pPr algn="r">
-              <a:defRPr/>
-            </a:lvl1pPr>
-          </a:lstStyle>
+          <a:lstStyle/>
           <a:p>
             <a:endParaRPr lang="ru-RU"/>
           </a:p>
@@ -7558,7 +6623,7 @@
       </p:sp>
       <p:sp>
         <p:nvSpPr>
-          <p:cNvPr id="11" name="Slide Number Placeholder 10"/>
+          <p:cNvPr id="7" name="Slide Number Placeholder 6"/>
           <p:cNvSpPr>
             <a:spLocks noGrp="1"/>
           </p:cNvSpPr>
@@ -7566,23 +6631,10 @@
             <p:ph type="sldNum" sz="quarter" idx="12"/>
           </p:nvPr>
         </p:nvSpPr>
-        <p:spPr>
-          <a:xfrm>
-            <a:off x="10393677" y="6223002"/>
-            <a:ext cx="1463040" cy="274320"/>
-          </a:xfrm>
-        </p:spPr>
+        <p:spPr/>
         <p:txBody>
           <a:bodyPr/>
-          <a:lstStyle>
-            <a:lvl1pPr>
-              <a:defRPr>
-                <a:solidFill>
-                  <a:srgbClr val="FFFFFF"/>
-                </a:solidFill>
-              </a:defRPr>
-            </a:lvl1pPr>
-          </a:lstStyle>
+          <a:lstStyle/>
           <a:p>
             <a:fld id="{EF8F5C6E-310D-48A8-9527-F82CFBD8C101}" type="slidenum">
               <a:rPr lang="ru-RU" smtClean="0"/>
@@ -7592,49 +6644,10 @@
           </a:p>
         </p:txBody>
       </p:sp>
-      <p:sp>
-        <p:nvSpPr>
-          <p:cNvPr id="12" name="Rectangle 11"/>
-          <p:cNvSpPr/>
-          <p:nvPr/>
-        </p:nvSpPr>
-        <p:spPr>
-          <a:xfrm>
-            <a:off x="9157546" y="374904"/>
-            <a:ext cx="2651760" cy="6108192"/>
-          </a:xfrm>
-          <a:prstGeom prst="rect">
-            <a:avLst/>
-          </a:prstGeom>
-          <a:noFill/>
-          <a:ln w="6350" cap="sq">
-            <a:solidFill>
-              <a:srgbClr val="FFFFFF"/>
-            </a:solidFill>
-            <a:miter lim="800000"/>
-          </a:ln>
-        </p:spPr>
-        <p:style>
-          <a:lnRef idx="2">
-            <a:schemeClr val="accent1">
-              <a:shade val="50000"/>
-            </a:schemeClr>
-          </a:lnRef>
-          <a:fillRef idx="1">
-            <a:schemeClr val="accent1"/>
-          </a:fillRef>
-          <a:effectRef idx="0">
-            <a:schemeClr val="accent1"/>
-          </a:effectRef>
-          <a:fontRef idx="minor">
-            <a:schemeClr val="lt1"/>
-          </a:fontRef>
-        </p:style>
-      </p:sp>
     </p:spTree>
     <p:extLst>
       <p:ext uri="{BB962C8B-B14F-4D97-AF65-F5344CB8AC3E}">
-        <p14:creationId xmlns:p14="http://schemas.microsoft.com/office/powerpoint/2010/main" val="105844005"/>
+        <p14:creationId xmlns:p14="http://schemas.microsoft.com/office/powerpoint/2010/main" val="3466491856"/>
       </p:ext>
     </p:extLst>
   </p:cSld>
@@ -7650,7 +6663,7 @@
 </file>
 
 <file path=ppt/slideLayouts/slideLayout9.xml><?xml version="1.0" encoding="utf-8"?>
-<p:sldLayout xmlns:a="http://schemas.openxmlformats.org/drawingml/2006/main" xmlns:r="http://schemas.openxmlformats.org/officeDocument/2006/relationships" xmlns:p="http://schemas.openxmlformats.org/presentationml/2006/main" showMasterSp="0" type="picTx" preserve="1">
+<p:sldLayout xmlns:a="http://schemas.openxmlformats.org/drawingml/2006/main" xmlns:r="http://schemas.openxmlformats.org/officeDocument/2006/relationships" xmlns:p="http://schemas.openxmlformats.org/presentationml/2006/main" type="picTx" preserve="1">
   <p:cSld name="Рисунок с подписью">
     <p:spTree>
       <p:nvGrpSpPr>
@@ -7668,44 +6681,6 @@
       </p:grpSpPr>
       <p:sp>
         <p:nvSpPr>
-          <p:cNvPr id="14" name="Rectangle 13"/>
-          <p:cNvSpPr/>
-          <p:nvPr/>
-        </p:nvSpPr>
-        <p:spPr>
-          <a:xfrm>
-            <a:off x="9020386" y="237744"/>
-            <a:ext cx="2926080" cy="6382512"/>
-          </a:xfrm>
-          <a:prstGeom prst="rect">
-            <a:avLst/>
-          </a:prstGeom>
-          <a:solidFill>
-            <a:schemeClr val="accent1"/>
-          </a:solidFill>
-          <a:ln>
-            <a:noFill/>
-          </a:ln>
-        </p:spPr>
-        <p:style>
-          <a:lnRef idx="2">
-            <a:schemeClr val="accent1">
-              <a:shade val="50000"/>
-            </a:schemeClr>
-          </a:lnRef>
-          <a:fillRef idx="1">
-            <a:schemeClr val="accent1"/>
-          </a:fillRef>
-          <a:effectRef idx="0">
-            <a:schemeClr val="accent1"/>
-          </a:effectRef>
-          <a:fontRef idx="minor">
-            <a:schemeClr val="lt1"/>
-          </a:fontRef>
-        </p:style>
-      </p:sp>
-      <p:sp>
-        <p:nvSpPr>
           <p:cNvPr id="2" name="Title 1"/>
           <p:cNvSpPr>
             <a:spLocks noGrp="1"/>
@@ -7716,22 +6691,15 @@
         </p:nvSpPr>
         <p:spPr>
           <a:xfrm>
-            <a:off x="9296400" y="603504"/>
-            <a:ext cx="2432304" cy="1645920"/>
+            <a:off x="839788" y="457200"/>
+            <a:ext cx="3932237" cy="1600200"/>
           </a:xfrm>
         </p:spPr>
         <p:txBody>
-          <a:bodyPr anchor="b">
-            <a:noAutofit/>
-          </a:bodyPr>
+          <a:bodyPr anchor="b"/>
           <a:lstStyle>
-            <a:lvl1pPr algn="l">
-              <a:defRPr sz="2800" b="0">
-                <a:solidFill>
-                  <a:srgbClr val="FFFFFF"/>
-                </a:solidFill>
-                <a:latin typeface="+mj-lt"/>
-              </a:defRPr>
+            <a:lvl1pPr>
+              <a:defRPr sz="3200"/>
             </a:lvl1pPr>
           </a:lstStyle>
           <a:p>
@@ -7755,18 +6723,9 @@
         </p:nvSpPr>
         <p:spPr>
           <a:xfrm>
-            <a:off x="228599" y="237744"/>
-            <a:ext cx="8531352" cy="6382512"/>
+            <a:off x="5183188" y="987425"/>
+            <a:ext cx="6172200" cy="4873625"/>
           </a:xfrm>
-          <a:solidFill>
-            <a:schemeClr val="accent1">
-              <a:lumMod val="60000"/>
-              <a:lumOff val="40000"/>
-            </a:schemeClr>
-          </a:solidFill>
-          <a:ln>
-            <a:noFill/>
-          </a:ln>
         </p:spPr>
         <p:txBody>
           <a:bodyPr anchor="t"/>
@@ -7829,60 +6788,48 @@
         </p:nvSpPr>
         <p:spPr>
           <a:xfrm>
-            <a:off x="9296400" y="2286000"/>
-            <a:ext cx="2432304" cy="3502152"/>
+            <a:off x="839788" y="2057400"/>
+            <a:ext cx="3932237" cy="3811588"/>
           </a:xfrm>
         </p:spPr>
         <p:txBody>
-          <a:bodyPr>
-            <a:normAutofit/>
-          </a:bodyPr>
+          <a:bodyPr/>
           <a:lstStyle>
-            <a:lvl1pPr marL="0" indent="0" algn="l">
-              <a:lnSpc>
-                <a:spcPct val="110000"/>
-              </a:lnSpc>
-              <a:spcBef>
-                <a:spcPts val="800"/>
-              </a:spcBef>
+            <a:lvl1pPr marL="0" indent="0">
               <a:buNone/>
-              <a:defRPr sz="1400">
-                <a:solidFill>
-                  <a:srgbClr val="FFFFFF"/>
-                </a:solidFill>
-              </a:defRPr>
+              <a:defRPr sz="1600"/>
             </a:lvl1pPr>
             <a:lvl2pPr marL="457200" indent="0">
               <a:buNone/>
-              <a:defRPr sz="1200"/>
+              <a:defRPr sz="1400"/>
             </a:lvl2pPr>
             <a:lvl3pPr marL="914400" indent="0">
               <a:buNone/>
-              <a:defRPr sz="1000"/>
+              <a:defRPr sz="1200"/>
             </a:lvl3pPr>
             <a:lvl4pPr marL="1371600" indent="0">
               <a:buNone/>
-              <a:defRPr sz="900"/>
+              <a:defRPr sz="1000"/>
             </a:lvl4pPr>
             <a:lvl5pPr marL="1828800" indent="0">
               <a:buNone/>
-              <a:defRPr sz="900"/>
+              <a:defRPr sz="1000"/>
             </a:lvl5pPr>
             <a:lvl6pPr marL="2286000" indent="0">
               <a:buNone/>
-              <a:defRPr sz="900"/>
+              <a:defRPr sz="1000"/>
             </a:lvl6pPr>
             <a:lvl7pPr marL="2743200" indent="0">
               <a:buNone/>
-              <a:defRPr sz="900"/>
+              <a:defRPr sz="1000"/>
             </a:lvl7pPr>
             <a:lvl8pPr marL="3200400" indent="0">
               <a:buNone/>
-              <a:defRPr sz="900"/>
+              <a:defRPr sz="1000"/>
             </a:lvl8pPr>
             <a:lvl9pPr marL="3657600" indent="0">
               <a:buNone/>
-              <a:defRPr sz="900"/>
+              <a:defRPr sz="1000"/>
             </a:lvl9pPr>
           </a:lstStyle>
           <a:p>
@@ -7907,26 +6854,11 @@
         <p:spPr/>
         <p:txBody>
           <a:bodyPr/>
-          <a:lstStyle>
-            <a:lvl1pPr>
-              <a:defRPr>
-                <a:solidFill>
-                  <a:srgbClr val="FFFFFF"/>
-                </a:solidFill>
-                <a:effectLst>
-                  <a:outerShdw blurRad="12700" dist="6350" dir="2700000" algn="tl" rotWithShape="0">
-                    <a:prstClr val="black">
-                      <a:alpha val="40000"/>
-                    </a:prstClr>
-                  </a:outerShdw>
-                </a:effectLst>
-              </a:defRPr>
-            </a:lvl1pPr>
-          </a:lstStyle>
+          <a:lstStyle/>
           <a:p>
             <a:fld id="{A3D5900F-635E-4AAE-8140-C1DE1C51ED41}" type="datetimeFigureOut">
               <a:rPr lang="ru-RU" smtClean="0"/>
-              <a:t>20.10.2025</a:t>
+              <a:t>22.10.2025</a:t>
             </a:fld>
             <a:endParaRPr lang="ru-RU"/>
           </a:p>
@@ -7945,25 +6877,7 @@
         <p:spPr/>
         <p:txBody>
           <a:bodyPr/>
-          <a:lstStyle>
-            <a:lvl1pPr marL="0" algn="r" defTabSz="914400" rtl="0" eaLnBrk="1" latinLnBrk="0" hangingPunct="1">
-              <a:defRPr lang="en-US" sz="1000" kern="1200" dirty="0">
-                <a:solidFill>
-                  <a:srgbClr val="FFFFFF"/>
-                </a:solidFill>
-                <a:effectLst>
-                  <a:outerShdw blurRad="12700" dist="6350" dir="2700000" algn="tl" rotWithShape="0">
-                    <a:prstClr val="black">
-                      <a:alpha val="40000"/>
-                    </a:prstClr>
-                  </a:outerShdw>
-                </a:effectLst>
-                <a:latin typeface="+mn-lt"/>
-                <a:ea typeface="+mn-ea"/>
-                <a:cs typeface="+mn-cs"/>
-              </a:defRPr>
-            </a:lvl1pPr>
-          </a:lstStyle>
+          <a:lstStyle/>
           <a:p>
             <a:endParaRPr lang="ru-RU"/>
           </a:p>
@@ -7979,23 +6893,10 @@
             <p:ph type="sldNum" sz="quarter" idx="12"/>
           </p:nvPr>
         </p:nvSpPr>
-        <p:spPr>
-          <a:xfrm>
-            <a:off x="10396728" y="6227064"/>
-            <a:ext cx="1463040" cy="274320"/>
-          </a:xfrm>
-        </p:spPr>
+        <p:spPr/>
         <p:txBody>
           <a:bodyPr/>
-          <a:lstStyle>
-            <a:lvl1pPr>
-              <a:defRPr>
-                <a:solidFill>
-                  <a:srgbClr val="FFFFFF"/>
-                </a:solidFill>
-              </a:defRPr>
-            </a:lvl1pPr>
-          </a:lstStyle>
+          <a:lstStyle/>
           <a:p>
             <a:fld id="{EF8F5C6E-310D-48A8-9527-F82CFBD8C101}" type="slidenum">
               <a:rPr lang="ru-RU" smtClean="0"/>
@@ -8005,49 +6906,10 @@
           </a:p>
         </p:txBody>
       </p:sp>
-      <p:sp>
-        <p:nvSpPr>
-          <p:cNvPr id="10" name="Rectangle 9"/>
-          <p:cNvSpPr/>
-          <p:nvPr/>
-        </p:nvSpPr>
-        <p:spPr>
-          <a:xfrm>
-            <a:off x="9157546" y="374904"/>
-            <a:ext cx="2651760" cy="6108192"/>
-          </a:xfrm>
-          <a:prstGeom prst="rect">
-            <a:avLst/>
-          </a:prstGeom>
-          <a:noFill/>
-          <a:ln w="6350" cap="sq">
-            <a:solidFill>
-              <a:srgbClr val="FFFFFF"/>
-            </a:solidFill>
-            <a:miter lim="800000"/>
-          </a:ln>
-        </p:spPr>
-        <p:style>
-          <a:lnRef idx="2">
-            <a:schemeClr val="accent1">
-              <a:shade val="50000"/>
-            </a:schemeClr>
-          </a:lnRef>
-          <a:fillRef idx="1">
-            <a:schemeClr val="accent1"/>
-          </a:fillRef>
-          <a:effectRef idx="0">
-            <a:schemeClr val="accent1"/>
-          </a:effectRef>
-          <a:fontRef idx="minor">
-            <a:schemeClr val="lt1"/>
-          </a:fontRef>
-        </p:style>
-      </p:sp>
     </p:spTree>
     <p:extLst>
       <p:ext uri="{BB962C8B-B14F-4D97-AF65-F5344CB8AC3E}">
-        <p14:creationId xmlns:p14="http://schemas.microsoft.com/office/powerpoint/2010/main" val="2308863036"/>
+        <p14:creationId xmlns:p14="http://schemas.microsoft.com/office/powerpoint/2010/main" val="2821165122"/>
       </p:ext>
     </p:extLst>
   </p:cSld>
@@ -8061,12 +6923,9 @@
 <p:sldMaster xmlns:a="http://schemas.openxmlformats.org/drawingml/2006/main" xmlns:r="http://schemas.openxmlformats.org/officeDocument/2006/relationships" xmlns:p="http://schemas.openxmlformats.org/presentationml/2006/main">
   <p:cSld>
     <p:bg>
-      <p:bgPr>
-        <a:solidFill>
-          <a:schemeClr val="bg1"/>
-        </a:solidFill>
-        <a:effectLst/>
-      </p:bgPr>
+      <p:bgRef idx="1001">
+        <a:schemeClr val="bg1"/>
+      </p:bgRef>
     </p:bg>
     <p:spTree>
       <p:nvGrpSpPr>
@@ -8084,32 +6943,6 @@
       </p:grpSpPr>
       <p:sp>
         <p:nvSpPr>
-          <p:cNvPr id="7" name="Rectangle 6"/>
-          <p:cNvSpPr/>
-          <p:nvPr/>
-        </p:nvSpPr>
-        <p:spPr>
-          <a:xfrm>
-            <a:off x="234696" y="237744"/>
-            <a:ext cx="11722608" cy="6382512"/>
-          </a:xfrm>
-          <a:prstGeom prst="rect">
-            <a:avLst/>
-          </a:prstGeom>
-          <a:solidFill>
-            <a:schemeClr val="bg2"/>
-          </a:solidFill>
-          <a:ln w="6350" cap="flat" cmpd="sng" algn="ctr">
-            <a:noFill/>
-            <a:prstDash val="solid"/>
-          </a:ln>
-          <a:effectLst>
-            <a:softEdge rad="0"/>
-          </a:effectLst>
-        </p:spPr>
-      </p:sp>
-      <p:sp>
-        <p:nvSpPr>
           <p:cNvPr id="2" name="Title Placeholder 1"/>
           <p:cNvSpPr>
             <a:spLocks noGrp="1"/>
@@ -8120,8 +6953,8 @@
         </p:nvSpPr>
         <p:spPr>
           <a:xfrm>
-            <a:off x="1066800" y="642594"/>
-            <a:ext cx="10058400" cy="1371600"/>
+            <a:off x="838200" y="365125"/>
+            <a:ext cx="10515600" cy="1325563"/>
           </a:xfrm>
           <a:prstGeom prst="rect">
             <a:avLst/>
@@ -8153,8 +6986,8 @@
         </p:nvSpPr>
         <p:spPr>
           <a:xfrm>
-            <a:off x="1066800" y="2103120"/>
-            <a:ext cx="10058400" cy="3931920"/>
+            <a:off x="838200" y="1825625"/>
+            <a:ext cx="10515600" cy="4351338"/>
           </a:xfrm>
           <a:prstGeom prst="rect">
             <a:avLst/>
@@ -8215,22 +7048,21 @@
         </p:nvSpPr>
         <p:spPr>
           <a:xfrm>
-            <a:off x="274320" y="6307672"/>
-            <a:ext cx="2743200" cy="274320"/>
+            <a:off x="838200" y="6356350"/>
+            <a:ext cx="2743200" cy="365125"/>
           </a:xfrm>
           <a:prstGeom prst="rect">
             <a:avLst/>
           </a:prstGeom>
         </p:spPr>
         <p:txBody>
-          <a:bodyPr vert="horz" lIns="91440" tIns="45720" rIns="91440" bIns="45720" rtlCol="0" anchor="b"/>
+          <a:bodyPr vert="horz" lIns="91440" tIns="45720" rIns="91440" bIns="45720" rtlCol="0" anchor="ctr"/>
           <a:lstStyle>
             <a:lvl1pPr algn="l">
-              <a:defRPr sz="1000">
+              <a:defRPr sz="1200">
                 <a:solidFill>
                   <a:schemeClr val="tx1">
-                    <a:lumMod val="75000"/>
-                    <a:lumOff val="25000"/>
+                    <a:tint val="75000"/>
                   </a:schemeClr>
                 </a:solidFill>
               </a:defRPr>
@@ -8239,7 +7071,7 @@
           <a:p>
             <a:fld id="{A3D5900F-635E-4AAE-8140-C1DE1C51ED41}" type="datetimeFigureOut">
               <a:rPr lang="ru-RU" smtClean="0"/>
-              <a:t>20.10.2025</a:t>
+              <a:t>22.10.2025</a:t>
             </a:fld>
             <a:endParaRPr lang="ru-RU"/>
           </a:p>
@@ -8257,22 +7089,21 @@
         </p:nvSpPr>
         <p:spPr>
           <a:xfrm>
-            <a:off x="3489960" y="6307672"/>
-            <a:ext cx="5212080" cy="274320"/>
+            <a:off x="4038600" y="6356350"/>
+            <a:ext cx="4114800" cy="365125"/>
           </a:xfrm>
           <a:prstGeom prst="rect">
             <a:avLst/>
           </a:prstGeom>
         </p:spPr>
         <p:txBody>
-          <a:bodyPr vert="horz" lIns="91440" tIns="45720" rIns="91440" bIns="45720" rtlCol="0" anchor="b"/>
+          <a:bodyPr vert="horz" lIns="91440" tIns="45720" rIns="91440" bIns="45720" rtlCol="0" anchor="ctr"/>
           <a:lstStyle>
             <a:lvl1pPr algn="ctr">
-              <a:defRPr sz="1000">
+              <a:defRPr sz="1200">
                 <a:solidFill>
                   <a:schemeClr val="tx1">
-                    <a:lumMod val="75000"/>
-                    <a:lumOff val="25000"/>
+                    <a:tint val="75000"/>
                   </a:schemeClr>
                 </a:solidFill>
               </a:defRPr>
@@ -8295,22 +7126,21 @@
         </p:nvSpPr>
         <p:spPr>
           <a:xfrm>
-            <a:off x="10469880" y="6307672"/>
-            <a:ext cx="1463040" cy="274320"/>
+            <a:off x="8610600" y="6356350"/>
+            <a:ext cx="2743200" cy="365125"/>
           </a:xfrm>
           <a:prstGeom prst="rect">
             <a:avLst/>
           </a:prstGeom>
         </p:spPr>
         <p:txBody>
-          <a:bodyPr vert="horz" lIns="91440" tIns="45720" rIns="91440" bIns="45720" rtlCol="0" anchor="b"/>
+          <a:bodyPr vert="horz" lIns="91440" tIns="45720" rIns="91440" bIns="45720" rtlCol="0" anchor="ctr"/>
           <a:lstStyle>
             <a:lvl1pPr algn="r">
-              <a:defRPr sz="1000">
+              <a:defRPr sz="1200">
                 <a:solidFill>
                   <a:schemeClr val="tx1">
-                    <a:lumMod val="75000"/>
-                    <a:lumOff val="25000"/>
+                    <a:tint val="75000"/>
                   </a:schemeClr>
                 </a:solidFill>
               </a:defRPr>
@@ -8328,23 +7158,23 @@
     </p:spTree>
     <p:extLst>
       <p:ext uri="{BB962C8B-B14F-4D97-AF65-F5344CB8AC3E}">
-        <p14:creationId xmlns:p14="http://schemas.microsoft.com/office/powerpoint/2010/main" val="2542986954"/>
+        <p14:creationId xmlns:p14="http://schemas.microsoft.com/office/powerpoint/2010/main" val="3692915014"/>
       </p:ext>
     </p:extLst>
   </p:cSld>
   <p:clrMap bg1="lt1" tx1="dk1" bg2="lt2" tx2="dk2" accent1="accent1" accent2="accent2" accent3="accent3" accent4="accent4" accent5="accent5" accent6="accent6" hlink="hlink" folHlink="folHlink"/>
   <p:sldLayoutIdLst>
-    <p:sldLayoutId id="2147483873" r:id="rId1"/>
-    <p:sldLayoutId id="2147483874" r:id="rId2"/>
-    <p:sldLayoutId id="2147483875" r:id="rId3"/>
-    <p:sldLayoutId id="2147483876" r:id="rId4"/>
-    <p:sldLayoutId id="2147483877" r:id="rId5"/>
-    <p:sldLayoutId id="2147483878" r:id="rId6"/>
-    <p:sldLayoutId id="2147483879" r:id="rId7"/>
-    <p:sldLayoutId id="2147483880" r:id="rId8"/>
-    <p:sldLayoutId id="2147483881" r:id="rId9"/>
-    <p:sldLayoutId id="2147483882" r:id="rId10"/>
-    <p:sldLayoutId id="2147483883" r:id="rId11"/>
+    <p:sldLayoutId id="2147483885" r:id="rId1"/>
+    <p:sldLayoutId id="2147483886" r:id="rId2"/>
+    <p:sldLayoutId id="2147483887" r:id="rId3"/>
+    <p:sldLayoutId id="2147483888" r:id="rId4"/>
+    <p:sldLayoutId id="2147483889" r:id="rId5"/>
+    <p:sldLayoutId id="2147483890" r:id="rId6"/>
+    <p:sldLayoutId id="2147483891" r:id="rId7"/>
+    <p:sldLayoutId id="2147483892" r:id="rId8"/>
+    <p:sldLayoutId id="2147483893" r:id="rId9"/>
+    <p:sldLayoutId id="2147483894" r:id="rId10"/>
+    <p:sldLayoutId id="2147483895" r:id="rId11"/>
   </p:sldLayoutIdLst>
   <p:txStyles>
     <p:titleStyle>
@@ -8356,39 +7186,80 @@
           <a:spcPct val="0"/>
         </a:spcBef>
         <a:buNone/>
-        <a:defRPr lang="en-US" sz="4800" kern="1200" cap="none" spc="0" baseline="0" dirty="0">
+        <a:defRPr sz="4400" kern="1200">
           <a:solidFill>
-            <a:schemeClr val="tx1">
-              <a:lumMod val="85000"/>
-              <a:lumOff val="15000"/>
-            </a:schemeClr>
+            <a:schemeClr val="tx1"/>
           </a:solidFill>
-          <a:effectLst/>
           <a:latin typeface="+mj-lt"/>
+          <a:ea typeface="+mj-ea"/>
+          <a:cs typeface="+mj-cs"/>
+        </a:defRPr>
+      </a:lvl1pPr>
+    </p:titleStyle>
+    <p:bodyStyle>
+      <a:lvl1pPr marL="228600" indent="-228600" algn="l" defTabSz="914400" rtl="0" eaLnBrk="1" latinLnBrk="0" hangingPunct="1">
+        <a:lnSpc>
+          <a:spcPct val="90000"/>
+        </a:lnSpc>
+        <a:spcBef>
+          <a:spcPts val="1000"/>
+        </a:spcBef>
+        <a:buFont typeface="Arial" panose="020B0604020202020204" pitchFamily="34" charset="0"/>
+        <a:buChar char="•"/>
+        <a:defRPr sz="2800" kern="1200">
+          <a:solidFill>
+            <a:schemeClr val="tx1"/>
+          </a:solidFill>
+          <a:latin typeface="+mn-lt"/>
           <a:ea typeface="+mn-ea"/>
           <a:cs typeface="+mn-cs"/>
         </a:defRPr>
       </a:lvl1pPr>
-    </p:titleStyle>
-    <p:bodyStyle>
-      <a:lvl1pPr marL="182880" indent="-182880" algn="l" defTabSz="914400" rtl="0" eaLnBrk="1" latinLnBrk="0" hangingPunct="1">
+      <a:lvl2pPr marL="685800" indent="-228600" algn="l" defTabSz="914400" rtl="0" eaLnBrk="1" latinLnBrk="0" hangingPunct="1">
         <a:lnSpc>
-          <a:spcPct val="100000"/>
+          <a:spcPct val="90000"/>
         </a:lnSpc>
         <a:spcBef>
-          <a:spcPts val="900"/>
+          <a:spcPts val="500"/>
         </a:spcBef>
-        <a:spcAft>
-          <a:spcPts val="0"/>
-        </a:spcAft>
-        <a:buClr>
-          <a:schemeClr val="tx1">
-            <a:lumMod val="85000"/>
-            <a:lumOff val="15000"/>
-          </a:schemeClr>
-        </a:buClr>
-        <a:buFont typeface="Garamond" pitchFamily="18" charset="0"/>
-        <a:buChar char="◦"/>
+        <a:buFont typeface="Arial" panose="020B0604020202020204" pitchFamily="34" charset="0"/>
+        <a:buChar char="•"/>
+        <a:defRPr sz="2400" kern="1200">
+          <a:solidFill>
+            <a:schemeClr val="tx1"/>
+          </a:solidFill>
+          <a:latin typeface="+mn-lt"/>
+          <a:ea typeface="+mn-ea"/>
+          <a:cs typeface="+mn-cs"/>
+        </a:defRPr>
+      </a:lvl2pPr>
+      <a:lvl3pPr marL="1143000" indent="-228600" algn="l" defTabSz="914400" rtl="0" eaLnBrk="1" latinLnBrk="0" hangingPunct="1">
+        <a:lnSpc>
+          <a:spcPct val="90000"/>
+        </a:lnSpc>
+        <a:spcBef>
+          <a:spcPts val="500"/>
+        </a:spcBef>
+        <a:buFont typeface="Arial" panose="020B0604020202020204" pitchFamily="34" charset="0"/>
+        <a:buChar char="•"/>
+        <a:defRPr sz="2000" kern="1200">
+          <a:solidFill>
+            <a:schemeClr val="tx1"/>
+          </a:solidFill>
+          <a:latin typeface="+mn-lt"/>
+          <a:ea typeface="+mn-ea"/>
+          <a:cs typeface="+mn-cs"/>
+        </a:defRPr>
+      </a:lvl3pPr>
+      <a:lvl4pPr marL="1600200" indent="-228600" algn="l" defTabSz="914400" rtl="0" eaLnBrk="1" latinLnBrk="0" hangingPunct="1">
+        <a:lnSpc>
+          <a:spcPct val="90000"/>
+        </a:lnSpc>
+        <a:spcBef>
+          <a:spcPts val="500"/>
+        </a:spcBef>
+        <a:buFont typeface="Arial" panose="020B0604020202020204" pitchFamily="34" charset="0"/>
+        <a:buChar char="•"/>
         <a:defRPr sz="1800" kern="1200">
           <a:solidFill>
             <a:schemeClr val="tx1"/>
@@ -8397,95 +7268,17 @@
           <a:ea typeface="+mn-ea"/>
           <a:cs typeface="+mn-cs"/>
         </a:defRPr>
-      </a:lvl1pPr>
-      <a:lvl2pPr marL="457200" indent="-182880" algn="l" defTabSz="914400" rtl="0" eaLnBrk="1" latinLnBrk="0" hangingPunct="1">
+      </a:lvl4pPr>
+      <a:lvl5pPr marL="2057400" indent="-228600" algn="l" defTabSz="914400" rtl="0" eaLnBrk="1" latinLnBrk="0" hangingPunct="1">
         <a:lnSpc>
-          <a:spcPct val="100000"/>
+          <a:spcPct val="90000"/>
         </a:lnSpc>
         <a:spcBef>
           <a:spcPts val="500"/>
         </a:spcBef>
-        <a:buClr>
-          <a:schemeClr val="tx1">
-            <a:lumMod val="85000"/>
-            <a:lumOff val="15000"/>
-          </a:schemeClr>
-        </a:buClr>
-        <a:buFont typeface="Garamond" pitchFamily="18" charset="0"/>
-        <a:buChar char="◦"/>
-        <a:defRPr sz="1600" kern="1200">
-          <a:solidFill>
-            <a:schemeClr val="tx1"/>
-          </a:solidFill>
-          <a:latin typeface="+mn-lt"/>
-          <a:ea typeface="+mn-ea"/>
-          <a:cs typeface="+mn-cs"/>
-        </a:defRPr>
-      </a:lvl2pPr>
-      <a:lvl3pPr marL="731520" indent="-182880" algn="l" defTabSz="914400" rtl="0" eaLnBrk="1" latinLnBrk="0" hangingPunct="1">
-        <a:lnSpc>
-          <a:spcPct val="100000"/>
-        </a:lnSpc>
-        <a:spcBef>
-          <a:spcPts val="500"/>
-        </a:spcBef>
-        <a:buClr>
-          <a:schemeClr val="tx1">
-            <a:lumMod val="85000"/>
-            <a:lumOff val="15000"/>
-          </a:schemeClr>
-        </a:buClr>
-        <a:buFont typeface="Garamond" pitchFamily="18" charset="0"/>
-        <a:buChar char="◦"/>
-        <a:defRPr sz="1400" kern="1200">
-          <a:solidFill>
-            <a:schemeClr val="tx1"/>
-          </a:solidFill>
-          <a:latin typeface="+mn-lt"/>
-          <a:ea typeface="+mn-ea"/>
-          <a:cs typeface="+mn-cs"/>
-        </a:defRPr>
-      </a:lvl3pPr>
-      <a:lvl4pPr marL="1005840" indent="-182880" algn="l" defTabSz="914400" rtl="0" eaLnBrk="1" latinLnBrk="0" hangingPunct="1">
-        <a:lnSpc>
-          <a:spcPct val="100000"/>
-        </a:lnSpc>
-        <a:spcBef>
-          <a:spcPts val="500"/>
-        </a:spcBef>
-        <a:buClr>
-          <a:schemeClr val="tx1">
-            <a:lumMod val="85000"/>
-            <a:lumOff val="15000"/>
-          </a:schemeClr>
-        </a:buClr>
-        <a:buFont typeface="Garamond" pitchFamily="18" charset="0"/>
-        <a:buChar char="◦"/>
-        <a:defRPr sz="1400" kern="1200">
-          <a:solidFill>
-            <a:schemeClr val="tx1"/>
-          </a:solidFill>
-          <a:latin typeface="+mn-lt"/>
-          <a:ea typeface="+mn-ea"/>
-          <a:cs typeface="+mn-cs"/>
-        </a:defRPr>
-      </a:lvl4pPr>
-      <a:lvl5pPr marL="1280160" indent="-182880" algn="l" defTabSz="914400" rtl="0" eaLnBrk="1" latinLnBrk="0" hangingPunct="1">
-        <a:lnSpc>
-          <a:spcPct val="100000"/>
-        </a:lnSpc>
-        <a:spcBef>
-          <a:spcPts val="500"/>
-        </a:spcBef>
-        <a:buClr>
-          <a:schemeClr val="tx1">
-            <a:lumMod val="85000"/>
-            <a:lumOff val="15000"/>
-          </a:schemeClr>
-        </a:buClr>
-        <a:buFont typeface="Garamond" pitchFamily="18" charset="0"/>
-        <a:buChar char="◦"/>
-        <a:defRPr sz="1400" kern="1200">
+        <a:buFont typeface="Arial" panose="020B0604020202020204" pitchFamily="34" charset="0"/>
+        <a:buChar char="•"/>
+        <a:defRPr sz="1800" kern="1200">
           <a:solidFill>
             <a:schemeClr val="tx1"/>
           </a:solidFill>
@@ -8494,22 +7287,16 @@
           <a:cs typeface="+mn-cs"/>
         </a:defRPr>
       </a:lvl5pPr>
-      <a:lvl6pPr marL="1600000" indent="-228600" algn="l" defTabSz="914400" rtl="0" eaLnBrk="1" latinLnBrk="0" hangingPunct="1">
+      <a:lvl6pPr marL="2514600" indent="-228600" algn="l" defTabSz="914400" rtl="0" eaLnBrk="1" latinLnBrk="0" hangingPunct="1">
         <a:lnSpc>
-          <a:spcPct val="100000"/>
+          <a:spcPct val="90000"/>
         </a:lnSpc>
         <a:spcBef>
           <a:spcPts val="500"/>
         </a:spcBef>
-        <a:buClr>
-          <a:schemeClr val="tx1">
-            <a:lumMod val="85000"/>
-            <a:lumOff val="15000"/>
-          </a:schemeClr>
-        </a:buClr>
-        <a:buFont typeface="Garamond" pitchFamily="18" charset="0"/>
-        <a:buChar char="◦"/>
-        <a:defRPr sz="1400" kern="1200">
+        <a:buFont typeface="Arial" panose="020B0604020202020204" pitchFamily="34" charset="0"/>
+        <a:buChar char="•"/>
+        <a:defRPr sz="1800" kern="1200">
           <a:solidFill>
             <a:schemeClr val="tx1"/>
           </a:solidFill>
@@ -8518,22 +7305,16 @@
           <a:cs typeface="+mn-cs"/>
         </a:defRPr>
       </a:lvl6pPr>
-      <a:lvl7pPr marL="1900000" indent="-228600" algn="l" defTabSz="914400" rtl="0" eaLnBrk="1" latinLnBrk="0" hangingPunct="1">
+      <a:lvl7pPr marL="2971800" indent="-228600" algn="l" defTabSz="914400" rtl="0" eaLnBrk="1" latinLnBrk="0" hangingPunct="1">
         <a:lnSpc>
-          <a:spcPct val="100000"/>
+          <a:spcPct val="90000"/>
         </a:lnSpc>
         <a:spcBef>
           <a:spcPts val="500"/>
         </a:spcBef>
-        <a:buClr>
-          <a:schemeClr val="tx1">
-            <a:lumMod val="85000"/>
-            <a:lumOff val="15000"/>
-          </a:schemeClr>
-        </a:buClr>
-        <a:buFont typeface="Garamond" pitchFamily="18" charset="0"/>
-        <a:buChar char="◦"/>
-        <a:defRPr sz="1400" kern="1200">
+        <a:buFont typeface="Arial" panose="020B0604020202020204" pitchFamily="34" charset="0"/>
+        <a:buChar char="•"/>
+        <a:defRPr sz="1800" kern="1200">
           <a:solidFill>
             <a:schemeClr val="tx1"/>
           </a:solidFill>
@@ -8542,22 +7323,16 @@
           <a:cs typeface="+mn-cs"/>
         </a:defRPr>
       </a:lvl7pPr>
-      <a:lvl8pPr marL="2200000" indent="-228600" algn="l" defTabSz="914400" rtl="0" eaLnBrk="1" latinLnBrk="0" hangingPunct="1">
+      <a:lvl8pPr marL="3429000" indent="-228600" algn="l" defTabSz="914400" rtl="0" eaLnBrk="1" latinLnBrk="0" hangingPunct="1">
         <a:lnSpc>
-          <a:spcPct val="100000"/>
+          <a:spcPct val="90000"/>
         </a:lnSpc>
         <a:spcBef>
           <a:spcPts val="500"/>
         </a:spcBef>
-        <a:buClr>
-          <a:schemeClr val="tx1">
-            <a:lumMod val="85000"/>
-            <a:lumOff val="15000"/>
-          </a:schemeClr>
-        </a:buClr>
-        <a:buFont typeface="Garamond" pitchFamily="18" charset="0"/>
-        <a:buChar char="◦"/>
-        <a:defRPr sz="1400" kern="1200">
+        <a:buFont typeface="Arial" panose="020B0604020202020204" pitchFamily="34" charset="0"/>
+        <a:buChar char="•"/>
+        <a:defRPr sz="1800" kern="1200">
           <a:solidFill>
             <a:schemeClr val="tx1"/>
           </a:solidFill>
@@ -8566,22 +7341,16 @@
           <a:cs typeface="+mn-cs"/>
         </a:defRPr>
       </a:lvl8pPr>
-      <a:lvl9pPr marL="2500000" indent="-228600" algn="l" defTabSz="914400" rtl="0" eaLnBrk="1" latinLnBrk="0" hangingPunct="1">
+      <a:lvl9pPr marL="3886200" indent="-228600" algn="l" defTabSz="914400" rtl="0" eaLnBrk="1" latinLnBrk="0" hangingPunct="1">
         <a:lnSpc>
-          <a:spcPct val="100000"/>
+          <a:spcPct val="90000"/>
         </a:lnSpc>
         <a:spcBef>
           <a:spcPts val="500"/>
         </a:spcBef>
-        <a:buClr>
-          <a:schemeClr val="tx1">
-            <a:lumMod val="85000"/>
-            <a:lumOff val="15000"/>
-          </a:schemeClr>
-        </a:buClr>
-        <a:buFont typeface="Garamond" pitchFamily="18" charset="0"/>
-        <a:buChar char="◦"/>
-        <a:defRPr sz="1400" kern="1200">
+        <a:buFont typeface="Arial" panose="020B0604020202020204" pitchFamily="34" charset="0"/>
+        <a:buChar char="•"/>
+        <a:defRPr sz="1800" kern="1200">
           <a:solidFill>
             <a:schemeClr val="tx1"/>
           </a:solidFill>
@@ -8714,13 +7483,7 @@
       </p:grpSpPr>
       <p:sp>
         <p:nvSpPr>
-          <p:cNvPr id="2" name="Заголовок 1">
-            <a:extLst>
-              <a:ext uri="{FF2B5EF4-FFF2-40B4-BE49-F238E27FC236}">
-                <a16:creationId xmlns:a16="http://schemas.microsoft.com/office/drawing/2014/main" id="{B0767706-F1E7-4CC6-3224-A88049EAAAA1}"/>
-              </a:ext>
-            </a:extLst>
-          </p:cNvPr>
+          <p:cNvPr id="4" name="Заголовок 3"/>
           <p:cNvSpPr>
             <a:spLocks noGrp="1"/>
           </p:cNvSpPr>
@@ -8730,42 +7493,124 @@
         </p:nvSpPr>
         <p:spPr>
           <a:xfrm>
-            <a:off x="1524000" y="2329386"/>
-            <a:ext cx="9144000" cy="337662"/>
+            <a:off x="2181224" y="210269"/>
+            <a:ext cx="7829550" cy="1941962"/>
           </a:xfrm>
+          <a:prstGeom prst="rect">
+            <a:avLst/>
+          </a:prstGeom>
+          <a:ln w="19050">
+            <a:noFill/>
+          </a:ln>
         </p:spPr>
+        <p:style>
+          <a:lnRef idx="2">
+            <a:schemeClr val="dk1"/>
+          </a:lnRef>
+          <a:fillRef idx="1">
+            <a:schemeClr val="lt1"/>
+          </a:fillRef>
+          <a:effectRef idx="0">
+            <a:schemeClr val="dk1"/>
+          </a:effectRef>
+          <a:fontRef idx="minor">
+            <a:schemeClr val="dk1"/>
+          </a:fontRef>
+        </p:style>
         <p:txBody>
-          <a:bodyPr>
-            <a:noAutofit/>
+          <a:bodyPr rtlCol="0" anchor="ctr">
+            <a:normAutofit fontScale="90000"/>
           </a:bodyPr>
           <a:lstStyle/>
           <a:p>
-            <a:r>
-              <a:rPr lang="ru-RU" sz="2000" b="1" dirty="0">
-                <a:solidFill>
-                  <a:prstClr val="black"/>
-                </a:solidFill>
-                <a:latin typeface="Times New Roman" panose="02020603050405020304" pitchFamily="18" charset="0"/>
-                <a:cs typeface="Times New Roman" panose="02020603050405020304" pitchFamily="18" charset="0"/>
-              </a:rPr>
-              <a:t>ВЫПУСКНАЯ КВАЛИФИКАЦИОННАЯ РАБОТА МАГИСТРА</a:t>
-            </a:r>
-            <a:endParaRPr lang="ru-RU" sz="2000" dirty="0">
-              <a:latin typeface="Times New Roman" panose="02020603050405020304" pitchFamily="18" charset="0"/>
-              <a:cs typeface="Times New Roman" panose="02020603050405020304" pitchFamily="18" charset="0"/>
-            </a:endParaRPr>
+            <a:pPr algn="ctr"/>
+            <a:r>
+              <a:rPr lang="ru-RU" sz="2000" dirty="0">
+                <a:solidFill>
+                  <a:schemeClr val="tx1"/>
+                </a:solidFill>
+                <a:latin typeface="Times New Roman" panose="02020603050405020304" pitchFamily="18" charset="0"/>
+                <a:ea typeface="Roboto Slab" panose="020B0604020202020204" charset="0"/>
+                <a:cs typeface="Times New Roman" panose="02020603050405020304" pitchFamily="18" charset="0"/>
+              </a:rPr>
+              <a:t>Министерство науки и высшего образования РФ</a:t>
+            </a:r>
+          </a:p>
+          <a:p>
+            <a:pPr algn="ctr"/>
+            <a:r>
+              <a:rPr lang="ru-RU" sz="2000" dirty="0">
+                <a:solidFill>
+                  <a:schemeClr val="tx1"/>
+                </a:solidFill>
+                <a:latin typeface="Times New Roman" panose="02020603050405020304" pitchFamily="18" charset="0"/>
+                <a:ea typeface="Roboto Slab" panose="020B0604020202020204" charset="0"/>
+                <a:cs typeface="Times New Roman" panose="02020603050405020304" pitchFamily="18" charset="0"/>
+              </a:rPr>
+              <a:t>Федеральное государственное бюджетное образовательное учреждение</a:t>
+            </a:r>
+          </a:p>
+          <a:p>
+            <a:pPr algn="ctr"/>
+            <a:r>
+              <a:rPr lang="ru-RU" sz="2000" dirty="0">
+                <a:solidFill>
+                  <a:schemeClr val="tx1"/>
+                </a:solidFill>
+                <a:latin typeface="Times New Roman" panose="02020603050405020304" pitchFamily="18" charset="0"/>
+                <a:ea typeface="Roboto Slab" panose="020B0604020202020204" charset="0"/>
+                <a:cs typeface="Times New Roman" panose="02020603050405020304" pitchFamily="18" charset="0"/>
+              </a:rPr>
+              <a:t>высшего образования</a:t>
+            </a:r>
+          </a:p>
+          <a:p>
+            <a:pPr algn="ctr"/>
+            <a:r>
+              <a:rPr lang="ru-RU" sz="2000" dirty="0">
+                <a:solidFill>
+                  <a:schemeClr val="tx1"/>
+                </a:solidFill>
+                <a:latin typeface="Times New Roman" panose="02020603050405020304" pitchFamily="18" charset="0"/>
+                <a:ea typeface="Roboto Slab" panose="020B0604020202020204" charset="0"/>
+                <a:cs typeface="Times New Roman" panose="02020603050405020304" pitchFamily="18" charset="0"/>
+              </a:rPr>
+              <a:t>«Астраханский государственный университет имени В.Н. Татищева»</a:t>
+            </a:r>
+          </a:p>
+          <a:p>
+            <a:pPr algn="ctr"/>
+            <a:r>
+              <a:rPr lang="ru-RU" sz="1600" dirty="0">
+                <a:solidFill>
+                  <a:schemeClr val="tx1"/>
+                </a:solidFill>
+                <a:latin typeface="Times New Roman" panose="02020603050405020304" pitchFamily="18" charset="0"/>
+                <a:ea typeface="Roboto Slab" panose="020B0604020202020204" charset="0"/>
+                <a:cs typeface="Times New Roman" panose="02020603050405020304" pitchFamily="18" charset="0"/>
+              </a:rPr>
+              <a:t> </a:t>
+            </a:r>
+          </a:p>
+          <a:p>
+            <a:pPr algn="ctr"/>
+            <a:r>
+              <a:rPr lang="ru-RU" sz="2000" dirty="0">
+                <a:solidFill>
+                  <a:schemeClr val="tx1"/>
+                </a:solidFill>
+                <a:latin typeface="Times New Roman" panose="02020603050405020304" pitchFamily="18" charset="0"/>
+                <a:ea typeface="Roboto Slab" panose="020B0604020202020204" charset="0"/>
+                <a:cs typeface="Times New Roman" panose="02020603050405020304" pitchFamily="18" charset="0"/>
+              </a:rPr>
+              <a:t>КАФЕДРА ИНФОРМАЦИОННЫХ ТЕХНОЛОГИЙ</a:t>
+            </a:r>
           </a:p>
         </p:txBody>
       </p:sp>
       <p:sp>
         <p:nvSpPr>
-          <p:cNvPr id="3" name="Подзаголовок 2">
-            <a:extLst>
-              <a:ext uri="{FF2B5EF4-FFF2-40B4-BE49-F238E27FC236}">
-                <a16:creationId xmlns:a16="http://schemas.microsoft.com/office/drawing/2014/main" id="{2E4A7D7A-A70D-5737-FF4D-020443FF7B46}"/>
-              </a:ext>
-            </a:extLst>
-          </p:cNvPr>
+          <p:cNvPr id="3" name="Подзаголовок 2"/>
           <p:cNvSpPr>
             <a:spLocks noGrp="1"/>
           </p:cNvSpPr>
@@ -8775,42 +7620,76 @@
         </p:nvSpPr>
         <p:spPr>
           <a:xfrm>
-            <a:off x="1524000" y="4383708"/>
-            <a:ext cx="9144000" cy="649223"/>
+            <a:off x="-1" y="2727406"/>
+            <a:ext cx="12192000" cy="921141"/>
           </a:xfrm>
         </p:spPr>
         <p:txBody>
           <a:bodyPr>
-            <a:normAutofit lnSpcReduction="10000"/>
+            <a:noAutofit/>
           </a:bodyPr>
           <a:lstStyle/>
           <a:p>
             <a:r>
-              <a:rPr lang="ru-RU" sz="2000" dirty="0">
-                <a:latin typeface="Times New Roman" panose="02020603050405020304" pitchFamily="18" charset="0"/>
-                <a:cs typeface="Times New Roman" panose="02020603050405020304" pitchFamily="18" charset="0"/>
-              </a:rPr>
-              <a:t>Выполнил: обучающийся гр. ДИФ-15 Кузургалиев Радмир Алексеевич</a:t>
-            </a:r>
-          </a:p>
-          <a:p>
-            <a:r>
-              <a:rPr lang="ru-RU" sz="2000" dirty="0">
-                <a:latin typeface="Times New Roman" panose="02020603050405020304" pitchFamily="18" charset="0"/>
-                <a:cs typeface="Times New Roman" panose="02020603050405020304" pitchFamily="18" charset="0"/>
-              </a:rPr>
-              <a:t>Руководитель: к.т.н. доцент Синельщиков Алексей Владимирович</a:t>
-            </a:r>
-            <a:endParaRPr lang="ru-RU" sz="2000" dirty="0"/>
+              <a:rPr lang="ru-RU" sz="2600" dirty="0">
+                <a:latin typeface="Times New Roman" panose="02020603050405020304" pitchFamily="18" charset="0"/>
+                <a:cs typeface="Times New Roman" panose="02020603050405020304" pitchFamily="18" charset="0"/>
+              </a:rPr>
+              <a:t>«Выбор архитектурного решения на основе </a:t>
+            </a:r>
+            <a:r>
+              <a:rPr lang="ru-RU" sz="2600" dirty="0" err="1">
+                <a:latin typeface="Times New Roman" panose="02020603050405020304" pitchFamily="18" charset="0"/>
+                <a:cs typeface="Times New Roman" panose="02020603050405020304" pitchFamily="18" charset="0"/>
+              </a:rPr>
+              <a:t>микросервисного</a:t>
+            </a:r>
+            <a:r>
+              <a:rPr lang="ru-RU" sz="2600" dirty="0">
+                <a:latin typeface="Times New Roman" panose="02020603050405020304" pitchFamily="18" charset="0"/>
+                <a:cs typeface="Times New Roman" panose="02020603050405020304" pitchFamily="18" charset="0"/>
+              </a:rPr>
+              <a:t> паттерна для корпоративной информационной системы»</a:t>
+            </a:r>
           </a:p>
         </p:txBody>
       </p:sp>
+      <p:pic>
+        <p:nvPicPr>
+          <p:cNvPr id="5" name="Рисунок 4"/>
+          <p:cNvPicPr>
+            <a:picLocks noChangeAspect="1"/>
+          </p:cNvPicPr>
+          <p:nvPr/>
+        </p:nvPicPr>
+        <p:blipFill>
+          <a:blip r:embed="rId3" cstate="print">
+            <a:extLst>
+              <a:ext uri="{28A0092B-C50C-407E-A947-70E740481C1C}">
+                <a14:useLocalDpi xmlns:a14="http://schemas.microsoft.com/office/drawing/2010/main" val="0"/>
+              </a:ext>
+            </a:extLst>
+          </a:blip>
+          <a:stretch>
+            <a:fillRect/>
+          </a:stretch>
+        </p:blipFill>
+        <p:spPr>
+          <a:xfrm>
+            <a:off x="10086975" y="300187"/>
+            <a:ext cx="1762126" cy="1762126"/>
+          </a:xfrm>
+          <a:prstGeom prst="rect">
+            <a:avLst/>
+          </a:prstGeom>
+        </p:spPr>
+      </p:pic>
       <p:sp>
         <p:nvSpPr>
-          <p:cNvPr id="5" name="Подзаголовок 2">
+          <p:cNvPr id="7" name="Подзаголовок 2">
             <a:extLst>
               <a:ext uri="{FF2B5EF4-FFF2-40B4-BE49-F238E27FC236}">
-                <a16:creationId xmlns:a16="http://schemas.microsoft.com/office/drawing/2014/main" id="{0C954765-D300-0864-8300-23C888EC5A4E}"/>
+                <a16:creationId xmlns:a16="http://schemas.microsoft.com/office/drawing/2014/main" id="{98FD72DA-8926-46B5-8FC9-91CA39D07724}"/>
               </a:ext>
             </a:extLst>
           </p:cNvPr>
@@ -8821,8 +7700,8 @@
         </p:nvSpPr>
         <p:spPr>
           <a:xfrm>
-            <a:off x="1524000" y="2859803"/>
-            <a:ext cx="9144000" cy="1331150"/>
+            <a:off x="8264964" y="3741493"/>
+            <a:ext cx="3491620" cy="2824119"/>
           </a:xfrm>
           <a:prstGeom prst="rect">
             <a:avLst/>
@@ -8835,23 +7714,14 @@
           <a:lstStyle>
             <a:lvl1pPr marL="0" indent="0" algn="ctr" defTabSz="914400" rtl="0" eaLnBrk="1" latinLnBrk="0" hangingPunct="1">
               <a:lnSpc>
-                <a:spcPct val="100000"/>
+                <a:spcPct val="90000"/>
               </a:lnSpc>
               <a:spcBef>
-                <a:spcPts val="0"/>
+                <a:spcPts val="1000"/>
               </a:spcBef>
-              <a:spcAft>
-                <a:spcPts val="0"/>
-              </a:spcAft>
-              <a:buClr>
-                <a:schemeClr val="tx1">
-                  <a:lumMod val="85000"/>
-                  <a:lumOff val="15000"/>
-                </a:schemeClr>
-              </a:buClr>
-              <a:buFont typeface="Garamond" pitchFamily="18" charset="0"/>
+              <a:buFont typeface="Arial" panose="020B0604020202020204" pitchFamily="34" charset="0"/>
               <a:buNone/>
-              <a:defRPr sz="1600" kern="1200" spc="80" baseline="0">
+              <a:defRPr sz="2400" kern="1200">
                 <a:solidFill>
                   <a:schemeClr val="tx1"/>
                 </a:solidFill>
@@ -8862,20 +7732,14 @@
             </a:lvl1pPr>
             <a:lvl2pPr marL="457200" indent="0" algn="ctr" defTabSz="914400" rtl="0" eaLnBrk="1" latinLnBrk="0" hangingPunct="1">
               <a:lnSpc>
-                <a:spcPct val="100000"/>
+                <a:spcPct val="90000"/>
               </a:lnSpc>
               <a:spcBef>
                 <a:spcPts val="500"/>
               </a:spcBef>
-              <a:buClr>
-                <a:schemeClr val="tx1">
-                  <a:lumMod val="85000"/>
-                  <a:lumOff val="15000"/>
-                </a:schemeClr>
-              </a:buClr>
-              <a:buFont typeface="Garamond" pitchFamily="18" charset="0"/>
+              <a:buFont typeface="Arial" panose="020B0604020202020204" pitchFamily="34" charset="0"/>
               <a:buNone/>
-              <a:defRPr sz="1600" kern="1200">
+              <a:defRPr sz="2000" kern="1200">
                 <a:solidFill>
                   <a:schemeClr val="tx1"/>
                 </a:solidFill>
@@ -8886,20 +7750,14 @@
             </a:lvl2pPr>
             <a:lvl3pPr marL="914400" indent="0" algn="ctr" defTabSz="914400" rtl="0" eaLnBrk="1" latinLnBrk="0" hangingPunct="1">
               <a:lnSpc>
-                <a:spcPct val="100000"/>
+                <a:spcPct val="90000"/>
               </a:lnSpc>
               <a:spcBef>
                 <a:spcPts val="500"/>
               </a:spcBef>
-              <a:buClr>
-                <a:schemeClr val="tx1">
-                  <a:lumMod val="85000"/>
-                  <a:lumOff val="15000"/>
-                </a:schemeClr>
-              </a:buClr>
-              <a:buFont typeface="Garamond" pitchFamily="18" charset="0"/>
+              <a:buFont typeface="Arial" panose="020B0604020202020204" pitchFamily="34" charset="0"/>
               <a:buNone/>
-              <a:defRPr sz="1600" kern="1200">
+              <a:defRPr sz="1800" kern="1200">
                 <a:solidFill>
                   <a:schemeClr val="tx1"/>
                 </a:solidFill>
@@ -8910,18 +7768,12 @@
             </a:lvl3pPr>
             <a:lvl4pPr marL="1371600" indent="0" algn="ctr" defTabSz="914400" rtl="0" eaLnBrk="1" latinLnBrk="0" hangingPunct="1">
               <a:lnSpc>
-                <a:spcPct val="100000"/>
+                <a:spcPct val="90000"/>
               </a:lnSpc>
               <a:spcBef>
                 <a:spcPts val="500"/>
               </a:spcBef>
-              <a:buClr>
-                <a:schemeClr val="tx1">
-                  <a:lumMod val="85000"/>
-                  <a:lumOff val="15000"/>
-                </a:schemeClr>
-              </a:buClr>
-              <a:buFont typeface="Garamond" pitchFamily="18" charset="0"/>
+              <a:buFont typeface="Arial" panose="020B0604020202020204" pitchFamily="34" charset="0"/>
               <a:buNone/>
               <a:defRPr sz="1600" kern="1200">
                 <a:solidFill>
@@ -8934,18 +7786,12 @@
             </a:lvl4pPr>
             <a:lvl5pPr marL="1828800" indent="0" algn="ctr" defTabSz="914400" rtl="0" eaLnBrk="1" latinLnBrk="0" hangingPunct="1">
               <a:lnSpc>
-                <a:spcPct val="100000"/>
+                <a:spcPct val="90000"/>
               </a:lnSpc>
               <a:spcBef>
                 <a:spcPts val="500"/>
               </a:spcBef>
-              <a:buClr>
-                <a:schemeClr val="tx1">
-                  <a:lumMod val="85000"/>
-                  <a:lumOff val="15000"/>
-                </a:schemeClr>
-              </a:buClr>
-              <a:buFont typeface="Garamond" pitchFamily="18" charset="0"/>
+              <a:buFont typeface="Arial" panose="020B0604020202020204" pitchFamily="34" charset="0"/>
               <a:buNone/>
               <a:defRPr sz="1600" kern="1200">
                 <a:solidFill>
@@ -8958,18 +7804,12 @@
             </a:lvl5pPr>
             <a:lvl6pPr marL="2286000" indent="0" algn="ctr" defTabSz="914400" rtl="0" eaLnBrk="1" latinLnBrk="0" hangingPunct="1">
               <a:lnSpc>
-                <a:spcPct val="100000"/>
+                <a:spcPct val="90000"/>
               </a:lnSpc>
               <a:spcBef>
                 <a:spcPts val="500"/>
               </a:spcBef>
-              <a:buClr>
-                <a:schemeClr val="tx1">
-                  <a:lumMod val="85000"/>
-                  <a:lumOff val="15000"/>
-                </a:schemeClr>
-              </a:buClr>
-              <a:buFont typeface="Garamond" pitchFamily="18" charset="0"/>
+              <a:buFont typeface="Arial" panose="020B0604020202020204" pitchFamily="34" charset="0"/>
               <a:buNone/>
               <a:defRPr sz="1600" kern="1200">
                 <a:solidFill>
@@ -8982,18 +7822,12 @@
             </a:lvl6pPr>
             <a:lvl7pPr marL="2743200" indent="0" algn="ctr" defTabSz="914400" rtl="0" eaLnBrk="1" latinLnBrk="0" hangingPunct="1">
               <a:lnSpc>
-                <a:spcPct val="100000"/>
+                <a:spcPct val="90000"/>
               </a:lnSpc>
               <a:spcBef>
                 <a:spcPts val="500"/>
               </a:spcBef>
-              <a:buClr>
-                <a:schemeClr val="tx1">
-                  <a:lumMod val="85000"/>
-                  <a:lumOff val="15000"/>
-                </a:schemeClr>
-              </a:buClr>
-              <a:buFont typeface="Garamond" pitchFamily="18" charset="0"/>
+              <a:buFont typeface="Arial" panose="020B0604020202020204" pitchFamily="34" charset="0"/>
               <a:buNone/>
               <a:defRPr sz="1600" kern="1200">
                 <a:solidFill>
@@ -9006,18 +7840,12 @@
             </a:lvl7pPr>
             <a:lvl8pPr marL="3200400" indent="0" algn="ctr" defTabSz="914400" rtl="0" eaLnBrk="1" latinLnBrk="0" hangingPunct="1">
               <a:lnSpc>
-                <a:spcPct val="100000"/>
+                <a:spcPct val="90000"/>
               </a:lnSpc>
               <a:spcBef>
                 <a:spcPts val="500"/>
               </a:spcBef>
-              <a:buClr>
-                <a:schemeClr val="tx1">
-                  <a:lumMod val="85000"/>
-                  <a:lumOff val="15000"/>
-                </a:schemeClr>
-              </a:buClr>
-              <a:buFont typeface="Garamond" pitchFamily="18" charset="0"/>
+              <a:buFont typeface="Arial" panose="020B0604020202020204" pitchFamily="34" charset="0"/>
               <a:buNone/>
               <a:defRPr sz="1600" kern="1200">
                 <a:solidFill>
@@ -9030,18 +7858,12 @@
             </a:lvl8pPr>
             <a:lvl9pPr marL="3657600" indent="0" algn="ctr" defTabSz="914400" rtl="0" eaLnBrk="1" latinLnBrk="0" hangingPunct="1">
               <a:lnSpc>
-                <a:spcPct val="100000"/>
+                <a:spcPct val="90000"/>
               </a:lnSpc>
               <a:spcBef>
                 <a:spcPts val="500"/>
               </a:spcBef>
-              <a:buClr>
-                <a:schemeClr val="tx1">
-                  <a:lumMod val="85000"/>
-                  <a:lumOff val="15000"/>
-                </a:schemeClr>
-              </a:buClr>
-              <a:buFont typeface="Garamond" pitchFamily="18" charset="0"/>
+              <a:buFont typeface="Arial" panose="020B0604020202020204" pitchFamily="34" charset="0"/>
               <a:buNone/>
               <a:defRPr sz="1600" kern="1200">
                 <a:solidFill>
@@ -9054,35 +7876,214 @@
             </a:lvl9pPr>
           </a:lstStyle>
           <a:p>
+            <a:pPr algn="l">
+              <a:lnSpc>
+                <a:spcPct val="120000"/>
+              </a:lnSpc>
+              <a:spcBef>
+                <a:spcPts val="0"/>
+              </a:spcBef>
+            </a:pPr>
+            <a:r>
+              <a:rPr lang="ru-RU" sz="1600" dirty="0">
+                <a:latin typeface="Times New Roman" panose="02020603050405020304" pitchFamily="18" charset="0"/>
+                <a:cs typeface="Times New Roman" panose="02020603050405020304" pitchFamily="18" charset="0"/>
+              </a:rPr>
+              <a:t>Выполнил: </a:t>
+            </a:r>
+          </a:p>
+          <a:p>
+            <a:pPr algn="l">
+              <a:lnSpc>
+                <a:spcPct val="120000"/>
+              </a:lnSpc>
+              <a:spcBef>
+                <a:spcPts val="0"/>
+              </a:spcBef>
+            </a:pPr>
+            <a:r>
+              <a:rPr lang="ru-RU" sz="1600" dirty="0">
+                <a:latin typeface="Times New Roman" panose="02020603050405020304" pitchFamily="18" charset="0"/>
+                <a:cs typeface="Times New Roman" panose="02020603050405020304" pitchFamily="18" charset="0"/>
+              </a:rPr>
+              <a:t>студент группы ДИФ-15</a:t>
+            </a:r>
+          </a:p>
+          <a:p>
+            <a:pPr algn="l">
+              <a:lnSpc>
+                <a:spcPct val="120000"/>
+              </a:lnSpc>
+              <a:spcBef>
+                <a:spcPts val="0"/>
+              </a:spcBef>
+              <a:spcAft>
+                <a:spcPts val="1200"/>
+              </a:spcAft>
+            </a:pPr>
+            <a:r>
+              <a:rPr lang="ru-RU" sz="1600" dirty="0">
+                <a:latin typeface="Times New Roman" panose="02020603050405020304" pitchFamily="18" charset="0"/>
+                <a:cs typeface="Times New Roman" panose="02020603050405020304" pitchFamily="18" charset="0"/>
+              </a:rPr>
+              <a:t>Кузургалиев Радмир Алексеевич</a:t>
+            </a:r>
+          </a:p>
+          <a:p>
+            <a:pPr algn="l">
+              <a:lnSpc>
+                <a:spcPct val="120000"/>
+              </a:lnSpc>
+              <a:spcBef>
+                <a:spcPts val="0"/>
+              </a:spcBef>
+            </a:pPr>
+            <a:r>
+              <a:rPr lang="ru-RU" sz="1600" dirty="0">
+                <a:latin typeface="Times New Roman" panose="02020603050405020304" pitchFamily="18" charset="0"/>
+                <a:cs typeface="Times New Roman" panose="02020603050405020304" pitchFamily="18" charset="0"/>
+              </a:rPr>
+              <a:t>Научный руководитель:</a:t>
+            </a:r>
+          </a:p>
+          <a:p>
+            <a:pPr algn="l">
+              <a:lnSpc>
+                <a:spcPct val="120000"/>
+              </a:lnSpc>
+              <a:spcBef>
+                <a:spcPts val="0"/>
+              </a:spcBef>
+            </a:pPr>
+            <a:r>
+              <a:rPr lang="ru-RU" sz="1600" dirty="0">
+                <a:latin typeface="Times New Roman" panose="02020603050405020304" pitchFamily="18" charset="0"/>
+                <a:cs typeface="Times New Roman" panose="02020603050405020304" pitchFamily="18" charset="0"/>
+              </a:rPr>
+              <a:t>доцент кафедры ИТ, </a:t>
+            </a:r>
+            <a:r>
+              <a:rPr lang="ru-RU" sz="1600" dirty="0" err="1">
+                <a:latin typeface="Times New Roman" panose="02020603050405020304" pitchFamily="18" charset="0"/>
+                <a:cs typeface="Times New Roman" panose="02020603050405020304" pitchFamily="18" charset="0"/>
+              </a:rPr>
+              <a:t>к.т.н</a:t>
+            </a:r>
+            <a:r>
+              <a:rPr lang="ru-RU" sz="1600" dirty="0">
+                <a:latin typeface="Times New Roman" panose="02020603050405020304" pitchFamily="18" charset="0"/>
+                <a:cs typeface="Times New Roman" panose="02020603050405020304" pitchFamily="18" charset="0"/>
+              </a:rPr>
+              <a:t>, доцент</a:t>
+            </a:r>
+          </a:p>
+          <a:p>
+            <a:pPr algn="l">
+              <a:lnSpc>
+                <a:spcPct val="120000"/>
+              </a:lnSpc>
+              <a:spcBef>
+                <a:spcPts val="0"/>
+              </a:spcBef>
+            </a:pPr>
+            <a:r>
+              <a:rPr lang="ru-RU" sz="1600" dirty="0">
+                <a:latin typeface="Times New Roman" panose="02020603050405020304" pitchFamily="18" charset="0"/>
+                <a:cs typeface="Times New Roman" panose="02020603050405020304" pitchFamily="18" charset="0"/>
+              </a:rPr>
+              <a:t>Синельщиков Алексей Владимирович</a:t>
+            </a:r>
+          </a:p>
+        </p:txBody>
+      </p:sp>
+      <p:sp>
+        <p:nvSpPr>
+          <p:cNvPr id="8" name="TextBox 7">
+            <a:extLst>
+              <a:ext uri="{FF2B5EF4-FFF2-40B4-BE49-F238E27FC236}">
+                <a16:creationId xmlns:a16="http://schemas.microsoft.com/office/drawing/2014/main" id="{6F6BEE4D-0DE1-FA82-2870-612E15173CFF}"/>
+              </a:ext>
+            </a:extLst>
+          </p:cNvPr>
+          <p:cNvSpPr txBox="1"/>
+          <p:nvPr/>
+        </p:nvSpPr>
+        <p:spPr>
+          <a:xfrm>
+            <a:off x="4531032" y="2152231"/>
+            <a:ext cx="3129959" cy="400110"/>
+          </a:xfrm>
+          <a:prstGeom prst="rect">
+            <a:avLst/>
+          </a:prstGeom>
+          <a:noFill/>
+        </p:spPr>
+        <p:txBody>
+          <a:bodyPr wrap="none" rtlCol="0">
+            <a:spAutoFit/>
+          </a:bodyPr>
+          <a:lstStyle/>
+          <a:p>
+            <a:pPr algn="ctr"/>
             <a:r>
               <a:rPr lang="ru-RU" sz="2000" dirty="0">
                 <a:latin typeface="Times New Roman" panose="02020603050405020304" pitchFamily="18" charset="0"/>
                 <a:cs typeface="Times New Roman" panose="02020603050405020304" pitchFamily="18" charset="0"/>
               </a:rPr>
-              <a:t>НА ТЕМУ </a:t>
-            </a:r>
-          </a:p>
-          <a:p>
-            <a:r>
-              <a:rPr lang="ru-RU" sz="2000" dirty="0">
-                <a:latin typeface="Times New Roman" panose="02020603050405020304" pitchFamily="18" charset="0"/>
-                <a:cs typeface="Times New Roman" panose="02020603050405020304" pitchFamily="18" charset="0"/>
-              </a:rPr>
-              <a:t>«Выбор архиртектурного решения на основе </a:t>
-            </a:r>
-            <a:r>
-              <a:rPr lang="ru-RU" sz="2000" dirty="0" err="1">
-                <a:latin typeface="Times New Roman" panose="02020603050405020304" pitchFamily="18" charset="0"/>
-                <a:cs typeface="Times New Roman" panose="02020603050405020304" pitchFamily="18" charset="0"/>
-              </a:rPr>
-              <a:t>микросервисного</a:t>
-            </a:r>
-            <a:r>
-              <a:rPr lang="ru-RU" sz="2000" dirty="0">
-                <a:latin typeface="Times New Roman" panose="02020603050405020304" pitchFamily="18" charset="0"/>
-                <a:cs typeface="Times New Roman" panose="02020603050405020304" pitchFamily="18" charset="0"/>
-              </a:rPr>
-              <a:t> паттерна для корпоративной информационной системы»</a:t>
+              <a:t>Магистерская диссертация</a:t>
+            </a:r>
+            <a:endParaRPr lang="x-none" sz="2000" dirty="0">
+              <a:latin typeface="Times New Roman" panose="02020603050405020304" pitchFamily="18" charset="0"/>
+              <a:cs typeface="Times New Roman" panose="02020603050405020304" pitchFamily="18" charset="0"/>
+            </a:endParaRPr>
+          </a:p>
+        </p:txBody>
+      </p:sp>
+      <p:sp>
+        <p:nvSpPr>
+          <p:cNvPr id="9" name="TextBox 8">
+            <a:extLst>
+              <a:ext uri="{FF2B5EF4-FFF2-40B4-BE49-F238E27FC236}">
+                <a16:creationId xmlns:a16="http://schemas.microsoft.com/office/drawing/2014/main" id="{40123A70-503F-4BA2-AF26-D075D96C89C9}"/>
+              </a:ext>
+            </a:extLst>
+          </p:cNvPr>
+          <p:cNvSpPr txBox="1"/>
+          <p:nvPr/>
+        </p:nvSpPr>
+        <p:spPr>
+          <a:xfrm>
+            <a:off x="4488179" y="6164584"/>
+            <a:ext cx="3215640" cy="584775"/>
+          </a:xfrm>
+          <a:prstGeom prst="rect">
+            <a:avLst/>
+          </a:prstGeom>
+          <a:noFill/>
+        </p:spPr>
+        <p:txBody>
+          <a:bodyPr wrap="square" rtlCol="0">
+            <a:spAutoFit/>
+          </a:bodyPr>
+          <a:lstStyle/>
+          <a:p>
+            <a:pPr algn="ctr"/>
+            <a:r>
+              <a:rPr lang="ru-RU" sz="1600" dirty="0">
+                <a:latin typeface="Times New Roman" panose="02020603050405020304" pitchFamily="18" charset="0"/>
+                <a:cs typeface="Times New Roman" panose="02020603050405020304" pitchFamily="18" charset="0"/>
+              </a:rPr>
+              <a:t>Астрахань</a:t>
+            </a:r>
+          </a:p>
+          <a:p>
+            <a:pPr algn="ctr"/>
+            <a:r>
+              <a:rPr lang="ru-RU" sz="1600" dirty="0">
+                <a:latin typeface="Times New Roman" panose="02020603050405020304" pitchFamily="18" charset="0"/>
+                <a:cs typeface="Times New Roman" panose="02020603050405020304" pitchFamily="18" charset="0"/>
+              </a:rPr>
+              <a:t>2025</a:t>
             </a:r>
           </a:p>
         </p:txBody>
@@ -9090,7 +8091,7 @@
     </p:spTree>
     <p:extLst>
       <p:ext uri="{BB962C8B-B14F-4D97-AF65-F5344CB8AC3E}">
-        <p14:creationId xmlns:p14="http://schemas.microsoft.com/office/powerpoint/2010/main" val="3164020791"/>
+        <p14:creationId xmlns:p14="http://schemas.microsoft.com/office/powerpoint/2010/main" val="427221178"/>
       </p:ext>
     </p:extLst>
   </p:cSld>
@@ -9173,7 +8174,7 @@
         <p:spPr>
           <a:xfrm>
             <a:off x="4248342" y="2165754"/>
-            <a:ext cx="3695308" cy="369332"/>
+            <a:ext cx="3695308" cy="397032"/>
           </a:xfrm>
           <a:prstGeom prst="rect">
             <a:avLst/>
@@ -9190,7 +8191,7 @@
               <a:buNone/>
             </a:pPr>
             <a:r>
-              <a:rPr lang="ru-RU" sz="1800" b="1" i="0" u="none" strike="noStrike" kern="1200" cap="none" dirty="0">
+              <a:rPr lang="ru-RU" sz="2200" b="1" i="0" u="none" strike="noStrike" kern="1200" cap="none" dirty="0">
                 <a:ln>
                   <a:noFill/>
                 </a:ln>
@@ -9201,10 +8202,13 @@
                 <a:ea typeface="Tahoma" pitchFamily="2"/>
                 <a:cs typeface="Droid Sans Devanagari" pitchFamily="2"/>
               </a:rPr>
-              <a:t>Национальны</a:t>
-            </a:r>
-            <a:r>
-              <a:rPr lang="ru-RU" b="1" dirty="0">
+              <a:t>Национальные проекты</a:t>
+            </a:r>
+            <a:r>
+              <a:rPr lang="ru-RU" sz="2200" b="0" i="0" u="none" strike="noStrike" kern="1200" cap="none" dirty="0">
+                <a:ln>
+                  <a:noFill/>
+                </a:ln>
                 <a:solidFill>
                   <a:srgbClr val="2C3F42"/>
                 </a:solidFill>
@@ -9212,37 +8216,9 @@
                 <a:ea typeface="Tahoma" pitchFamily="2"/>
                 <a:cs typeface="Droid Sans Devanagari" pitchFamily="2"/>
               </a:rPr>
-              <a:t>е</a:t>
-            </a:r>
-            <a:r>
-              <a:rPr lang="ru-RU" sz="1800" b="1" i="0" u="none" strike="noStrike" kern="1200" cap="none" dirty="0">
-                <a:ln>
-                  <a:noFill/>
-                </a:ln>
-                <a:solidFill>
-                  <a:srgbClr val="2C3F42"/>
-                </a:solidFill>
-                <a:latin typeface="Times New Roman" pitchFamily="18"/>
-                <a:ea typeface="Tahoma" pitchFamily="2"/>
-                <a:cs typeface="Droid Sans Devanagari" pitchFamily="2"/>
-              </a:rPr>
-              <a:t> проекты</a:t>
-            </a:r>
-            <a:r>
-              <a:rPr lang="ru-RU" sz="1800" b="0" i="0" u="none" strike="noStrike" kern="1200" cap="none" dirty="0">
-                <a:ln>
-                  <a:noFill/>
-                </a:ln>
-                <a:solidFill>
-                  <a:srgbClr val="2C3F42"/>
-                </a:solidFill>
-                <a:latin typeface="Times New Roman" pitchFamily="18"/>
-                <a:ea typeface="Tahoma" pitchFamily="2"/>
-                <a:cs typeface="Droid Sans Devanagari" pitchFamily="2"/>
-              </a:rPr>
               <a:t> </a:t>
             </a:r>
-            <a:endParaRPr lang="ru-RU" dirty="0"/>
+            <a:endParaRPr lang="ru-RU" sz="2200" dirty="0"/>
           </a:p>
         </p:txBody>
       </p:sp>
@@ -9263,7 +8239,7 @@
         <p:spPr>
           <a:xfrm>
             <a:off x="3362397" y="3776948"/>
-            <a:ext cx="5467201" cy="369332"/>
+            <a:ext cx="5467201" cy="430887"/>
           </a:xfrm>
           <a:prstGeom prst="rect">
             <a:avLst/>
@@ -9501,7 +8477,7 @@
               <a:buNone/>
             </a:pPr>
             <a:r>
-              <a:rPr lang="ru-RU" b="1" dirty="0">
+              <a:rPr lang="ru-RU" sz="2200" b="1" dirty="0">
                 <a:solidFill>
                   <a:srgbClr val="2C3F42"/>
                 </a:solidFill>
@@ -9512,7 +8488,7 @@
               <a:t>Проект: «</a:t>
             </a:r>
             <a:r>
-              <a:rPr lang="ru-RU" b="0" i="0" dirty="0">
+              <a:rPr lang="ru-RU" sz="2200" b="0" i="0" dirty="0">
                 <a:solidFill>
                   <a:srgbClr val="111111"/>
                 </a:solidFill>
@@ -9522,7 +8498,7 @@
               </a:rPr>
               <a:t>Туризм и гостеприимство»</a:t>
             </a:r>
-            <a:endParaRPr lang="ru-RU" dirty="0">
+            <a:endParaRPr lang="ru-RU" sz="2200" dirty="0">
               <a:latin typeface="Times New Roman" panose="02020603050405020304" pitchFamily="18" charset="0"/>
               <a:cs typeface="Times New Roman" panose="02020603050405020304" pitchFamily="18" charset="0"/>
             </a:endParaRPr>
@@ -9546,7 +8522,7 @@
         <p:spPr>
           <a:xfrm>
             <a:off x="3362396" y="4199363"/>
-            <a:ext cx="5467201" cy="923330"/>
+            <a:ext cx="5467201" cy="1107996"/>
           </a:xfrm>
           <a:prstGeom prst="rect">
             <a:avLst/>
@@ -9784,7 +8760,7 @@
               <a:buNone/>
             </a:pPr>
             <a:r>
-              <a:rPr lang="ru-RU" b="1" dirty="0">
+              <a:rPr lang="ru-RU" sz="2200" b="1" dirty="0">
                 <a:solidFill>
                   <a:srgbClr val="2C3F42"/>
                 </a:solidFill>
@@ -9795,7 +8771,7 @@
               <a:t>Цель: </a:t>
             </a:r>
             <a:r>
-              <a:rPr lang="ru-RU" b="0" i="0" dirty="0">
+              <a:rPr lang="ru-RU" sz="2200" b="0" i="0" dirty="0">
                 <a:solidFill>
                   <a:srgbClr val="111111"/>
                 </a:solidFill>
@@ -9805,7 +8781,7 @@
               </a:rPr>
               <a:t>Повышение роли туристической отрасли в экономике страны и увеличение числа туристических поездок</a:t>
             </a:r>
-            <a:endParaRPr lang="ru-RU" dirty="0">
+            <a:endParaRPr lang="ru-RU" sz="2200" dirty="0">
               <a:latin typeface="Times New Roman" panose="02020603050405020304" pitchFamily="18" charset="0"/>
               <a:cs typeface="Times New Roman" panose="02020603050405020304" pitchFamily="18" charset="0"/>
             </a:endParaRPr>
@@ -9829,8 +8805,8 @@
         </p:nvCxnSpPr>
         <p:spPr>
           <a:xfrm>
-            <a:off x="6095996" y="2535086"/>
-            <a:ext cx="1" cy="1188779"/>
+            <a:off x="6095996" y="2562786"/>
+            <a:ext cx="1" cy="1161079"/>
           </a:xfrm>
           <a:prstGeom prst="straightConnector1">
             <a:avLst/>
@@ -10236,14 +9212,16 @@
           </a:xfrm>
         </p:spPr>
         <p:txBody>
-          <a:bodyPr/>
+          <a:bodyPr>
+            <a:normAutofit/>
+          </a:bodyPr>
           <a:lstStyle/>
           <a:p>
             <a:pPr marL="0" indent="0" algn="just">
               <a:buNone/>
             </a:pPr>
             <a:r>
-              <a:rPr lang="ru-RU" dirty="0">
+              <a:rPr lang="ru-RU" sz="1800" dirty="0">
                 <a:latin typeface="Times New Roman" panose="02020603050405020304" pitchFamily="18" charset="0"/>
                 <a:ea typeface="Calibri" panose="020F0502020204030204" pitchFamily="34" charset="0"/>
                 <a:cs typeface="Times New Roman" panose="02020603050405020304" pitchFamily="18" charset="0"/>
@@ -10260,14 +9238,14 @@
               <a:t> соответствии с указом президента РФ к 2030 году планируется</a:t>
             </a:r>
             <a:r>
-              <a:rPr lang="ru-RU" b="0" dirty="0">
+              <a:rPr lang="ru-RU" sz="1800" b="0" dirty="0">
                 <a:effectLst/>
                 <a:latin typeface="Times New Roman" panose="02020603050405020304" pitchFamily="18" charset="0"/>
                 <a:cs typeface="Times New Roman" panose="02020603050405020304" pitchFamily="18" charset="0"/>
               </a:rPr>
               <a:t> увеличение числа туристических поездок до 140 млн.</a:t>
             </a:r>
-            <a:endParaRPr lang="ru-RU" dirty="0">
+            <a:endParaRPr lang="ru-RU" sz="1800" dirty="0">
               <a:latin typeface="Times New Roman" panose="02020603050405020304" pitchFamily="18" charset="0"/>
               <a:cs typeface="Times New Roman" panose="02020603050405020304" pitchFamily="18" charset="0"/>
             </a:endParaRPr>
@@ -10412,7 +9390,7 @@
         </p:spPr>
         <p:txBody>
           <a:bodyPr>
-            <a:normAutofit fontScale="90000"/>
+            <a:normAutofit/>
           </a:bodyPr>
           <a:lstStyle/>
           <a:p>
@@ -10446,7 +9424,7 @@
         <p:spPr>
           <a:xfrm>
             <a:off x="1066800" y="4153619"/>
-            <a:ext cx="5151922" cy="707886"/>
+            <a:ext cx="5151922" cy="1006429"/>
           </a:xfrm>
           <a:prstGeom prst="rect">
             <a:avLst/>
@@ -10463,7 +9441,7 @@
               <a:buNone/>
             </a:pPr>
             <a:r>
-              <a:rPr lang="ru-RU" sz="2000" dirty="0">
+              <a:rPr lang="ru-RU" sz="2200" dirty="0">
                 <a:latin typeface="Times New Roman" panose="02020603050405020304" pitchFamily="18" charset="0"/>
                 <a:cs typeface="Times New Roman" panose="02020603050405020304" pitchFamily="18" charset="0"/>
               </a:rPr>
@@ -10841,7 +9819,7 @@
         <p:spPr>
           <a:xfrm>
             <a:off x="6635816" y="4153618"/>
-            <a:ext cx="4783756" cy="1015663"/>
+            <a:ext cx="4783756" cy="1107996"/>
           </a:xfrm>
           <a:prstGeom prst="rect">
             <a:avLst/>
@@ -11078,7 +10056,7 @@
               <a:buNone/>
             </a:pPr>
             <a:r>
-              <a:rPr lang="ru-RU" sz="2000" dirty="0">
+              <a:rPr lang="ru-RU" sz="2200" dirty="0">
                 <a:latin typeface="Times New Roman" panose="02020603050405020304" pitchFamily="18" charset="0"/>
                 <a:cs typeface="Times New Roman" panose="02020603050405020304" pitchFamily="18" charset="0"/>
               </a:rPr>
@@ -11659,14 +10637,16 @@
           </a:xfrm>
         </p:spPr>
         <p:txBody>
-          <a:bodyPr/>
+          <a:bodyPr>
+            <a:noAutofit/>
+          </a:bodyPr>
           <a:lstStyle/>
           <a:p>
             <a:pPr marL="0" indent="0" algn="just">
               <a:buNone/>
             </a:pPr>
             <a:r>
-              <a:rPr lang="ru-RU" sz="1800" dirty="0">
+              <a:rPr lang="ru-RU" sz="2200" dirty="0">
                 <a:effectLst/>
                 <a:latin typeface="Times New Roman" panose="02020603050405020304" pitchFamily="18" charset="0"/>
                 <a:ea typeface="Aptos" panose="020B0004020202020204" pitchFamily="34" charset="0"/>
@@ -11682,7 +10662,7 @@
               <a:buNone/>
             </a:pPr>
             <a:r>
-              <a:rPr lang="ru-RU" sz="1800" b="1" dirty="0">
+              <a:rPr lang="ru-RU" sz="2200" b="1" dirty="0">
                 <a:effectLst/>
                 <a:latin typeface="Times New Roman" panose="02020603050405020304" pitchFamily="18" charset="0"/>
                 <a:ea typeface="Aptos" panose="020B0004020202020204" pitchFamily="34" charset="0"/>
@@ -11690,7 +10670,7 @@
               <a:t>Источник: </a:t>
             </a:r>
             <a:r>
-              <a:rPr lang="ru-RU" sz="1800" dirty="0" err="1">
+              <a:rPr lang="ru-RU" sz="2200" dirty="0" err="1">
                 <a:effectLst/>
                 <a:latin typeface="Times New Roman" panose="02020603050405020304" pitchFamily="18" charset="0"/>
                 <a:ea typeface="Aptos" panose="020B0004020202020204" pitchFamily="34" charset="0"/>
@@ -11698,7 +10678,7 @@
               <a:t>Fowler</a:t>
             </a:r>
             <a:r>
-              <a:rPr lang="ru-RU" sz="1800" dirty="0">
+              <a:rPr lang="ru-RU" sz="2200" dirty="0">
                 <a:effectLst/>
                 <a:latin typeface="Times New Roman" panose="02020603050405020304" pitchFamily="18" charset="0"/>
                 <a:ea typeface="Aptos" panose="020B0004020202020204" pitchFamily="34" charset="0"/>
@@ -11706,7 +10686,7 @@
               <a:t>, M., «</a:t>
             </a:r>
             <a:r>
-              <a:rPr lang="ru-RU" sz="1800" dirty="0" err="1">
+              <a:rPr lang="ru-RU" sz="2200" dirty="0" err="1">
                 <a:effectLst/>
                 <a:latin typeface="Times New Roman" panose="02020603050405020304" pitchFamily="18" charset="0"/>
                 <a:ea typeface="Aptos" panose="020B0004020202020204" pitchFamily="34" charset="0"/>
@@ -11714,7 +10694,7 @@
               <a:t>Microservices</a:t>
             </a:r>
             <a:r>
-              <a:rPr lang="ru-RU" sz="1800" dirty="0">
+              <a:rPr lang="ru-RU" sz="2200" dirty="0">
                 <a:effectLst/>
                 <a:latin typeface="Times New Roman" panose="02020603050405020304" pitchFamily="18" charset="0"/>
                 <a:ea typeface="Aptos" panose="020B0004020202020204" pitchFamily="34" charset="0"/>
@@ -11729,7 +10709,7 @@
               </a:spcBef>
               <a:buNone/>
             </a:pPr>
-            <a:endParaRPr lang="ru-RU" dirty="0">
+            <a:endParaRPr lang="ru-RU" sz="2200" dirty="0">
               <a:latin typeface="Times New Roman" panose="02020603050405020304" pitchFamily="18" charset="0"/>
               <a:ea typeface="Aptos" panose="020B0004020202020204" pitchFamily="34" charset="0"/>
             </a:endParaRPr>
@@ -11742,7 +10722,7 @@
               <a:buNone/>
             </a:pPr>
             <a:r>
-              <a:rPr lang="ru-RU" i="0" dirty="0">
+              <a:rPr lang="ru-RU" sz="2200" i="0" dirty="0">
                 <a:solidFill>
                   <a:srgbClr val="0F1115"/>
                 </a:solidFill>
@@ -11753,7 +10733,7 @@
               <a:t>«Создание слишком мелкозернистых сервисов — частая ошибка. Если для отображения одной веб-страницы вам требуется сделать сотни вызовов к </a:t>
             </a:r>
             <a:r>
-              <a:rPr lang="ru-RU" i="0" dirty="0" err="1">
+              <a:rPr lang="ru-RU" sz="2200" i="0" dirty="0" err="1">
                 <a:solidFill>
                   <a:srgbClr val="0F1115"/>
                 </a:solidFill>
@@ -11764,7 +10744,7 @@
               <a:t>backend</a:t>
             </a:r>
             <a:r>
-              <a:rPr lang="ru-RU" i="0" dirty="0">
+              <a:rPr lang="ru-RU" sz="2200" i="0" dirty="0">
                 <a:solidFill>
                   <a:srgbClr val="0F1115"/>
                 </a:solidFill>
@@ -11775,7 +10755,7 @@
               <a:t>-сервисам, производительность </a:t>
             </a:r>
             <a:r>
-              <a:rPr lang="ru-RU" dirty="0">
+              <a:rPr lang="ru-RU" sz="2200" dirty="0">
                 <a:solidFill>
                   <a:srgbClr val="0F1115"/>
                 </a:solidFill>
@@ -11793,7 +10773,7 @@
               <a:buNone/>
             </a:pPr>
             <a:r>
-              <a:rPr lang="ru-RU" sz="1800" b="1" dirty="0">
+              <a:rPr lang="ru-RU" sz="2200" b="1" dirty="0">
                 <a:solidFill>
                   <a:srgbClr val="0F1115"/>
                 </a:solidFill>
@@ -11805,7 +10785,7 @@
               <a:t>Источник</a:t>
             </a:r>
             <a:r>
-              <a:rPr lang="ru-RU" b="1" dirty="0">
+              <a:rPr lang="ru-RU" sz="2200" b="1" dirty="0">
                 <a:solidFill>
                   <a:srgbClr val="0F1115"/>
                 </a:solidFill>
@@ -11816,7 +10796,7 @@
               <a:t>: </a:t>
             </a:r>
             <a:r>
-              <a:rPr lang="en-US" dirty="0">
+              <a:rPr lang="en-US" sz="2200" dirty="0">
                 <a:solidFill>
                   <a:srgbClr val="0F1115"/>
                 </a:solidFill>
@@ -11827,7 +10807,7 @@
               <a:t>Newman</a:t>
             </a:r>
             <a:r>
-              <a:rPr lang="ru-RU" b="1" dirty="0">
+              <a:rPr lang="ru-RU" sz="2200" b="1" dirty="0">
                 <a:solidFill>
                   <a:srgbClr val="0F1115"/>
                 </a:solidFill>
@@ -11838,7 +10818,7 @@
               <a:t> </a:t>
             </a:r>
             <a:r>
-              <a:rPr lang="en-US" dirty="0">
+              <a:rPr lang="en-US" sz="2200" dirty="0">
                 <a:solidFill>
                   <a:srgbClr val="0F1115"/>
                 </a:solidFill>
@@ -11849,7 +10829,7 @@
               <a:t>S.</a:t>
             </a:r>
             <a:r>
-              <a:rPr lang="ru-RU" dirty="0">
+              <a:rPr lang="ru-RU" sz="2200" dirty="0">
                 <a:solidFill>
                   <a:srgbClr val="0F1115"/>
                 </a:solidFill>
@@ -11860,7 +10840,7 @@
               <a:t>,</a:t>
             </a:r>
             <a:r>
-              <a:rPr lang="en-US" dirty="0">
+              <a:rPr lang="en-US" sz="2200" dirty="0">
                 <a:solidFill>
                   <a:srgbClr val="0F1115"/>
                 </a:solidFill>
@@ -11871,7 +10851,7 @@
               <a:t>  </a:t>
             </a:r>
             <a:r>
-              <a:rPr lang="ru-RU" dirty="0">
+              <a:rPr lang="ru-RU" sz="2200" dirty="0">
                 <a:solidFill>
                   <a:srgbClr val="0F1115"/>
                 </a:solidFill>
@@ -11882,7 +10862,7 @@
               <a:t>«</a:t>
             </a:r>
             <a:r>
-              <a:rPr lang="en-US" dirty="0">
+              <a:rPr lang="en-US" sz="2200" dirty="0">
                 <a:solidFill>
                   <a:srgbClr val="0F1115"/>
                 </a:solidFill>
@@ -11893,7 +10873,7 @@
               <a:t>Building Microservices</a:t>
             </a:r>
             <a:r>
-              <a:rPr lang="ru-RU" dirty="0">
+              <a:rPr lang="ru-RU" sz="2200" dirty="0">
                 <a:solidFill>
                   <a:srgbClr val="0F1115"/>
                 </a:solidFill>
@@ -11904,7 +10884,7 @@
               <a:t>»</a:t>
             </a:r>
             <a:r>
-              <a:rPr lang="en-US" dirty="0">
+              <a:rPr lang="en-US" sz="2200" dirty="0">
                 <a:solidFill>
                   <a:srgbClr val="0F1115"/>
                 </a:solidFill>
@@ -11915,7 +10895,7 @@
               <a:t> </a:t>
             </a:r>
             <a:r>
-              <a:rPr lang="ru-RU" sz="1800" dirty="0">
+              <a:rPr lang="ru-RU" sz="2200" dirty="0">
                 <a:effectLst/>
                 <a:latin typeface="Times New Roman" panose="02020603050405020304" pitchFamily="18" charset="0"/>
                 <a:ea typeface="Aptos" panose="020B0004020202020204" pitchFamily="34" charset="0"/>
@@ -11923,7 +10903,7 @@
               <a:t>(202</a:t>
             </a:r>
             <a:r>
-              <a:rPr lang="en-US" sz="1800" dirty="0">
+              <a:rPr lang="en-US" sz="2200" dirty="0">
                 <a:effectLst/>
                 <a:latin typeface="Times New Roman" panose="02020603050405020304" pitchFamily="18" charset="0"/>
                 <a:ea typeface="Aptos" panose="020B0004020202020204" pitchFamily="34" charset="0"/>
@@ -11931,14 +10911,14 @@
               <a:t>3</a:t>
             </a:r>
             <a:r>
-              <a:rPr lang="ru-RU" sz="1800" dirty="0">
+              <a:rPr lang="ru-RU" sz="2200" dirty="0">
                 <a:effectLst/>
                 <a:latin typeface="Times New Roman" panose="02020603050405020304" pitchFamily="18" charset="0"/>
                 <a:ea typeface="Aptos" panose="020B0004020202020204" pitchFamily="34" charset="0"/>
               </a:rPr>
               <a:t>).</a:t>
             </a:r>
-            <a:endParaRPr lang="ru-RU" sz="1800" dirty="0">
+            <a:endParaRPr lang="ru-RU" sz="2200" dirty="0">
               <a:effectLst/>
               <a:latin typeface="Times New Roman" panose="02020603050405020304" pitchFamily="18" charset="0"/>
               <a:ea typeface="Aptos" panose="020B0004020202020204" pitchFamily="34" charset="0"/>
@@ -11949,7 +10929,7 @@
             <a:pPr marL="0" indent="0" algn="just">
               <a:buNone/>
             </a:pPr>
-            <a:endParaRPr lang="en-US" i="0" dirty="0">
+            <a:endParaRPr lang="en-US" sz="2200" i="0" dirty="0">
               <a:solidFill>
                 <a:srgbClr val="0F1115"/>
               </a:solidFill>
@@ -11963,7 +10943,7 @@
               <a:buNone/>
             </a:pPr>
             <a:r>
-              <a:rPr lang="ru-RU" i="0" dirty="0">
+              <a:rPr lang="ru-RU" sz="2200" i="0" dirty="0">
                 <a:solidFill>
                   <a:srgbClr val="0F1115"/>
                 </a:solidFill>
@@ -11974,7 +10954,7 @@
               <a:t>«В распределенной системе, состоящей из сотен сервисов, даже 0,01% ошибок или замедлений могут складываться, приводя к регулярным отказам пользовательских сессий. Борьба с </a:t>
             </a:r>
             <a:r>
-              <a:rPr lang="ru-RU" i="0" dirty="0" err="1">
+              <a:rPr lang="ru-RU" sz="2200" i="0" dirty="0" err="1">
                 <a:solidFill>
                   <a:srgbClr val="0F1115"/>
                 </a:solidFill>
@@ -11985,7 +10965,7 @@
               <a:t>tail</a:t>
             </a:r>
             <a:r>
-              <a:rPr lang="ru-RU" i="0" dirty="0">
+              <a:rPr lang="ru-RU" sz="2200" i="0" dirty="0">
                 <a:solidFill>
                   <a:srgbClr val="0F1115"/>
                 </a:solidFill>
@@ -11996,7 +10976,7 @@
               <a:t> </a:t>
             </a:r>
             <a:r>
-              <a:rPr lang="ru-RU" i="0" dirty="0" err="1">
+              <a:rPr lang="ru-RU" sz="2200" i="0" dirty="0" err="1">
                 <a:solidFill>
                   <a:srgbClr val="0F1115"/>
                 </a:solidFill>
@@ -12007,7 +10987,7 @@
               <a:t>latency</a:t>
             </a:r>
             <a:r>
-              <a:rPr lang="ru-RU" i="0" dirty="0">
+              <a:rPr lang="ru-RU" sz="2200" i="0" dirty="0">
                 <a:solidFill>
                   <a:srgbClr val="0F1115"/>
                 </a:solidFill>
@@ -12017,7 +10997,7 @@
               </a:rPr>
               <a:t> — это не оптимизация, а обязательное условие выживания».</a:t>
             </a:r>
-            <a:endParaRPr lang="en-US" b="1" i="0" dirty="0">
+            <a:endParaRPr lang="en-US" sz="2200" b="1" i="0" dirty="0">
               <a:solidFill>
                 <a:srgbClr val="0F1115"/>
               </a:solidFill>
@@ -12034,7 +11014,7 @@
               <a:buNone/>
             </a:pPr>
             <a:r>
-              <a:rPr lang="ru-RU" b="1" dirty="0">
+              <a:rPr lang="ru-RU" sz="2200" b="1" dirty="0">
                 <a:solidFill>
                   <a:srgbClr val="0F1115"/>
                 </a:solidFill>
@@ -12044,7 +11024,7 @@
               <a:t>Источник: </a:t>
             </a:r>
             <a:r>
-              <a:rPr lang="en-US" i="0" dirty="0">
+              <a:rPr lang="en-US" sz="2200" i="0" dirty="0">
                 <a:solidFill>
                   <a:srgbClr val="0F1115"/>
                 </a:solidFill>
@@ -12054,7 +11034,7 @@
               </a:rPr>
               <a:t>D. Cheever. "Speed, Scale, and Stubbornness". Tech Blog Netflix, 2022</a:t>
             </a:r>
-            <a:endParaRPr lang="ru-RU" dirty="0">
+            <a:endParaRPr lang="ru-RU" sz="2200" dirty="0">
               <a:latin typeface="Times New Roman" panose="02020603050405020304" pitchFamily="18" charset="0"/>
               <a:cs typeface="Times New Roman" panose="02020603050405020304" pitchFamily="18" charset="0"/>
             </a:endParaRPr>
@@ -12175,7 +11155,7 @@
               <a:buNone/>
             </a:pPr>
             <a:r>
-              <a:rPr lang="ru-RU" b="1" dirty="0">
+              <a:rPr lang="ru-RU" sz="1800" b="1" dirty="0">
                 <a:solidFill>
                   <a:schemeClr val="tx1"/>
                 </a:solidFill>
@@ -12187,7 +11167,7 @@
               <a:t>Цель:</a:t>
             </a:r>
             <a:r>
-              <a:rPr lang="ru-RU" b="1" i="1" dirty="0">
+              <a:rPr lang="ru-RU" sz="1800" b="1" i="1" dirty="0">
                 <a:solidFill>
                   <a:schemeClr val="tx1"/>
                 </a:solidFill>
@@ -12207,7 +11187,7 @@
               <a:t>Повышение эффективности корпоративных информационных систем в сфере туризма</a:t>
             </a:r>
             <a:r>
-              <a:rPr lang="ru-RU" dirty="0">
+              <a:rPr lang="ru-RU" sz="1800" dirty="0">
                 <a:solidFill>
                   <a:schemeClr val="tx1"/>
                 </a:solidFill>
@@ -12217,7 +11197,7 @@
               </a:rPr>
               <a:t>.</a:t>
             </a:r>
-            <a:endParaRPr lang="ru-RU" dirty="0">
+            <a:endParaRPr lang="ru-RU" sz="1800" dirty="0">
               <a:solidFill>
                 <a:schemeClr val="tx1"/>
               </a:solidFill>
@@ -12233,7 +11213,7 @@
               <a:buNone/>
             </a:pPr>
             <a:r>
-              <a:rPr lang="ru-RU" b="1" dirty="0">
+              <a:rPr lang="ru-RU" sz="1800" b="1" dirty="0">
                 <a:solidFill>
                   <a:schemeClr val="tx1"/>
                 </a:solidFill>
@@ -12243,7 +11223,7 @@
               </a:rPr>
               <a:t>Задачи:</a:t>
             </a:r>
-            <a:endParaRPr lang="ru-RU" dirty="0">
+            <a:endParaRPr lang="ru-RU" sz="1800" dirty="0">
               <a:solidFill>
                 <a:schemeClr val="tx1"/>
               </a:solidFill>
@@ -12273,12 +11253,6 @@
               </a:rPr>
               <a:t>Провести анализ предметной области и выявить специфические требования к корпоративным информационным системам в сфере туризма.</a:t>
             </a:r>
-            <a:endParaRPr lang="ru-RU" sz="1800" kern="100" dirty="0">
-              <a:effectLst/>
-              <a:latin typeface="Aptos" panose="020B0004020202020204" pitchFamily="34" charset="0"/>
-              <a:ea typeface="Aptos" panose="020B0004020202020204" pitchFamily="34" charset="0"/>
-              <a:cs typeface="Times New Roman" panose="02020603050405020304" pitchFamily="18" charset="0"/>
-            </a:endParaRPr>
           </a:p>
           <a:p>
             <a:pPr marL="342900" lvl="0" indent="-342900" algn="just">
@@ -12301,12 +11275,6 @@
               </a:rPr>
               <a:t>Выполнить сравнительный анализ архитектурных подходов к построению КИС, систематизировать их достоинства, недостатки и области применения.</a:t>
             </a:r>
-            <a:endParaRPr lang="ru-RU" sz="1800" kern="100" dirty="0">
-              <a:effectLst/>
-              <a:latin typeface="Aptos" panose="020B0004020202020204" pitchFamily="34" charset="0"/>
-              <a:ea typeface="Aptos" panose="020B0004020202020204" pitchFamily="34" charset="0"/>
-              <a:cs typeface="Times New Roman" panose="02020603050405020304" pitchFamily="18" charset="0"/>
-            </a:endParaRPr>
           </a:p>
           <a:p>
             <a:pPr marL="342900" lvl="0" indent="-342900" algn="just">
@@ -12329,12 +11297,6 @@
               </a:rPr>
               <a:t>Разработать методику выбора структурного типа архитектуры ИС на основе анализа ключевых параметров проекта.</a:t>
             </a:r>
-            <a:endParaRPr lang="ru-RU" sz="1800" kern="100" dirty="0">
-              <a:effectLst/>
-              <a:latin typeface="Aptos" panose="020B0004020202020204" pitchFamily="34" charset="0"/>
-              <a:ea typeface="Aptos" panose="020B0004020202020204" pitchFamily="34" charset="0"/>
-              <a:cs typeface="Times New Roman" panose="02020603050405020304" pitchFamily="18" charset="0"/>
-            </a:endParaRPr>
           </a:p>
           <a:p>
             <a:pPr marL="342900" lvl="0" indent="-342900" algn="just">
@@ -12375,15 +11337,12 @@
               </a:rPr>
               <a:t> подхода.</a:t>
             </a:r>
-            <a:endParaRPr lang="ru-RU" sz="1800" kern="100" dirty="0">
-              <a:effectLst/>
-              <a:latin typeface="Aptos" panose="020B0004020202020204" pitchFamily="34" charset="0"/>
-              <a:ea typeface="Aptos" panose="020B0004020202020204" pitchFamily="34" charset="0"/>
+          </a:p>
+          <a:p>
+            <a:endParaRPr lang="ru-RU" sz="1800" dirty="0">
+              <a:latin typeface="Times New Roman" panose="02020603050405020304" pitchFamily="18" charset="0"/>
               <a:cs typeface="Times New Roman" panose="02020603050405020304" pitchFamily="18" charset="0"/>
             </a:endParaRPr>
-          </a:p>
-          <a:p>
-            <a:endParaRPr lang="ru-RU" dirty="0"/>
           </a:p>
         </p:txBody>
       </p:sp>
@@ -12643,7 +11602,7 @@
                 <a:ea typeface="Aptos" panose="020B0004020202020204" pitchFamily="34" charset="0"/>
                 <a:cs typeface="Times New Roman" panose="02020603050405020304" pitchFamily="18" charset="0"/>
               </a:rPr>
-              <a:t>методика выбора архитектурного паттерна</a:t>
+              <a:t>методика выбора архитектурного паттерна </a:t>
             </a:r>
             <a:r>
               <a:rPr lang="ru-RU" sz="1800" kern="100" dirty="0">
@@ -12652,7 +11611,7 @@
                 <a:ea typeface="Aptos" panose="020B0004020202020204" pitchFamily="34" charset="0"/>
                 <a:cs typeface="Times New Roman" panose="02020603050405020304" pitchFamily="18" charset="0"/>
               </a:rPr>
-              <a:t> для корпоративных информационных систем, основанная на многокритериальном анализе специфических требований предметной области.</a:t>
+              <a:t>для корпоративных информационных систем, основанная на многокритериальном анализе специфических требований предметной области.</a:t>
             </a:r>
           </a:p>
           <a:p>
@@ -12664,28 +11623,35 @@
               <a:buAutoNum type="arabicPeriod"/>
             </a:pPr>
             <a:r>
-              <a:rPr lang="ru-RU" b="1" dirty="0">
-                <a:latin typeface="Times New Roman" panose="02020603050405020304" pitchFamily="18" charset="0"/>
-                <a:cs typeface="Times New Roman" panose="02020603050405020304" pitchFamily="18" charset="0"/>
-              </a:rPr>
-              <a:t>Установление неявных закономерностей </a:t>
-            </a:r>
-            <a:r>
-              <a:rPr lang="ru-RU" dirty="0">
+              <a:rPr lang="ru-RU" sz="1800" dirty="0">
+                <a:latin typeface="Times New Roman" panose="02020603050405020304" pitchFamily="18" charset="0"/>
+                <a:cs typeface="Times New Roman" panose="02020603050405020304" pitchFamily="18" charset="0"/>
+              </a:rPr>
+              <a:t>Установление </a:t>
+            </a:r>
+            <a:r>
+              <a:rPr lang="ru-RU" sz="1800" b="1" dirty="0">
+                <a:latin typeface="Times New Roman" panose="02020603050405020304" pitchFamily="18" charset="0"/>
+                <a:cs typeface="Times New Roman" panose="02020603050405020304" pitchFamily="18" charset="0"/>
+              </a:rPr>
+              <a:t>неявных закономерностей </a:t>
+            </a:r>
+            <a:r>
+              <a:rPr lang="ru-RU" sz="1800" dirty="0">
                 <a:latin typeface="Times New Roman" panose="02020603050405020304" pitchFamily="18" charset="0"/>
                 <a:cs typeface="Times New Roman" panose="02020603050405020304" pitchFamily="18" charset="0"/>
               </a:rPr>
               <a:t>между требованиями к КИС и её реализацией на основе </a:t>
             </a:r>
             <a:r>
-              <a:rPr lang="ru-RU" dirty="0" err="1">
+              <a:rPr lang="ru-RU" sz="1800" dirty="0" err="1">
                 <a:latin typeface="Times New Roman" panose="02020603050405020304" pitchFamily="18" charset="0"/>
                 <a:cs typeface="Times New Roman" panose="02020603050405020304" pitchFamily="18" charset="0"/>
               </a:rPr>
               <a:t>микросервисного</a:t>
             </a:r>
             <a:r>
-              <a:rPr lang="ru-RU" dirty="0">
+              <a:rPr lang="ru-RU" sz="1800" dirty="0">
                 <a:latin typeface="Times New Roman" panose="02020603050405020304" pitchFamily="18" charset="0"/>
                 <a:cs typeface="Times New Roman" panose="02020603050405020304" pitchFamily="18" charset="0"/>
               </a:rPr>
@@ -12703,7 +11669,7 @@
               <a:buNone/>
             </a:pPr>
             <a:r>
-              <a:rPr lang="ru-RU" sz="1800" b="1" dirty="0">
+              <a:rPr lang="ru-RU" sz="1800" dirty="0">
                 <a:effectLst/>
                 <a:latin typeface="Times New Roman" panose="02020603050405020304" pitchFamily="18" charset="0"/>
                 <a:ea typeface="Aptos" panose="020B0004020202020204" pitchFamily="34" charset="0"/>
@@ -12724,7 +11690,7 @@
                 <a:ea typeface="Aptos" panose="020B0004020202020204" pitchFamily="34" charset="0"/>
                 <a:cs typeface="Times New Roman" panose="02020603050405020304" pitchFamily="18" charset="0"/>
               </a:rPr>
-              <a:t>Оригинальная архитектурная модель КИС для сферы туризма</a:t>
+              <a:t>Оригинальная архитектурная модель КИС </a:t>
             </a:r>
             <a:r>
               <a:rPr lang="ru-RU" sz="1800" dirty="0">
@@ -12733,7 +11699,7 @@
                 <a:ea typeface="Aptos" panose="020B0004020202020204" pitchFamily="34" charset="0"/>
                 <a:cs typeface="Times New Roman" panose="02020603050405020304" pitchFamily="18" charset="0"/>
               </a:rPr>
-              <a:t>, особенностью которой является обоснованное распределение функциональности по </a:t>
+              <a:t>для сферы туризма, особенностью которой является обоснованное распределение функциональности по </a:t>
             </a:r>
             <a:r>
               <a:rPr lang="ru-RU" sz="1800" dirty="0" err="1">
@@ -12754,7 +11720,7 @@
               <a:t> на основе анализа волатильн</a:t>
             </a:r>
             <a:r>
-              <a:rPr lang="ru-RU" dirty="0">
+              <a:rPr lang="ru-RU" sz="1800" dirty="0">
                 <a:latin typeface="Times New Roman" panose="02020603050405020304" pitchFamily="18" charset="0"/>
                 <a:ea typeface="Aptos" panose="020B0004020202020204" pitchFamily="34" charset="0"/>
                 <a:cs typeface="Times New Roman" panose="02020603050405020304" pitchFamily="18" charset="0"/>
@@ -12768,22 +11734,22 @@
               <a:buAutoNum type="arabicPeriod"/>
             </a:pPr>
             <a:r>
-              <a:rPr lang="ru-RU" b="1" dirty="0">
+              <a:rPr lang="ru-RU" sz="1800" b="1" dirty="0">
                 <a:latin typeface="Times New Roman" panose="02020603050405020304" pitchFamily="18" charset="0"/>
                 <a:ea typeface="Aptos" panose="020B0004020202020204" pitchFamily="34" charset="0"/>
                 <a:cs typeface="Times New Roman" panose="02020603050405020304" pitchFamily="18" charset="0"/>
               </a:rPr>
-              <a:t>Рекомендации</a:t>
-            </a:r>
-            <a:r>
-              <a:rPr lang="ru-RU" dirty="0">
+              <a:t>Рекомендации разработчикам  </a:t>
+            </a:r>
+            <a:r>
+              <a:rPr lang="ru-RU" sz="1800" dirty="0">
                 <a:latin typeface="Times New Roman" panose="02020603050405020304" pitchFamily="18" charset="0"/>
                 <a:ea typeface="Aptos" panose="020B0004020202020204" pitchFamily="34" charset="0"/>
                 <a:cs typeface="Times New Roman" panose="02020603050405020304" pitchFamily="18" charset="0"/>
               </a:rPr>
-              <a:t> разработчикам  при выборе архитектуры клиент-серверного приложения.</a:t>
-            </a:r>
-            <a:endParaRPr lang="ru-RU" dirty="0">
+              <a:t>при выборе архитектуры клиент-серверного приложения.</a:t>
+            </a:r>
+            <a:endParaRPr lang="ru-RU" sz="1800" dirty="0">
               <a:latin typeface="Times New Roman" panose="02020603050405020304" pitchFamily="18" charset="0"/>
               <a:cs typeface="Times New Roman" panose="02020603050405020304" pitchFamily="18" charset="0"/>
             </a:endParaRPr>
@@ -12822,13 +11788,7 @@
       </p:grpSpPr>
       <p:sp>
         <p:nvSpPr>
-          <p:cNvPr id="2" name="Заголовок 1">
-            <a:extLst>
-              <a:ext uri="{FF2B5EF4-FFF2-40B4-BE49-F238E27FC236}">
-                <a16:creationId xmlns:a16="http://schemas.microsoft.com/office/drawing/2014/main" id="{B0767706-F1E7-4CC6-3224-A88049EAAAA1}"/>
-              </a:ext>
-            </a:extLst>
-          </p:cNvPr>
+          <p:cNvPr id="4" name="Заголовок 3"/>
           <p:cNvSpPr>
             <a:spLocks noGrp="1"/>
           </p:cNvSpPr>
@@ -12838,42 +11798,124 @@
         </p:nvSpPr>
         <p:spPr>
           <a:xfrm>
-            <a:off x="1524000" y="2329386"/>
-            <a:ext cx="9144000" cy="337662"/>
+            <a:off x="2181224" y="210269"/>
+            <a:ext cx="7829550" cy="1941962"/>
           </a:xfrm>
+          <a:prstGeom prst="rect">
+            <a:avLst/>
+          </a:prstGeom>
+          <a:ln w="19050">
+            <a:noFill/>
+          </a:ln>
         </p:spPr>
+        <p:style>
+          <a:lnRef idx="2">
+            <a:schemeClr val="dk1"/>
+          </a:lnRef>
+          <a:fillRef idx="1">
+            <a:schemeClr val="lt1"/>
+          </a:fillRef>
+          <a:effectRef idx="0">
+            <a:schemeClr val="dk1"/>
+          </a:effectRef>
+          <a:fontRef idx="minor">
+            <a:schemeClr val="dk1"/>
+          </a:fontRef>
+        </p:style>
         <p:txBody>
-          <a:bodyPr>
-            <a:noAutofit/>
+          <a:bodyPr rtlCol="0" anchor="ctr">
+            <a:normAutofit fontScale="90000"/>
           </a:bodyPr>
           <a:lstStyle/>
           <a:p>
-            <a:r>
-              <a:rPr lang="ru-RU" sz="2000" b="1" dirty="0">
-                <a:solidFill>
-                  <a:prstClr val="black"/>
-                </a:solidFill>
-                <a:latin typeface="Times New Roman" panose="02020603050405020304" pitchFamily="18" charset="0"/>
-                <a:cs typeface="Times New Roman" panose="02020603050405020304" pitchFamily="18" charset="0"/>
-              </a:rPr>
-              <a:t>ВЫПУСКНАЯ КВАЛИФИКАЦИОННАЯ РАБОТА МАГИСТРА</a:t>
-            </a:r>
-            <a:endParaRPr lang="ru-RU" sz="2000" dirty="0">
-              <a:latin typeface="Times New Roman" panose="02020603050405020304" pitchFamily="18" charset="0"/>
-              <a:cs typeface="Times New Roman" panose="02020603050405020304" pitchFamily="18" charset="0"/>
-            </a:endParaRPr>
+            <a:pPr algn="ctr"/>
+            <a:r>
+              <a:rPr lang="ru-RU" sz="2000" dirty="0">
+                <a:solidFill>
+                  <a:schemeClr val="tx1"/>
+                </a:solidFill>
+                <a:latin typeface="Times New Roman" panose="02020603050405020304" pitchFamily="18" charset="0"/>
+                <a:ea typeface="Roboto Slab" panose="020B0604020202020204" charset="0"/>
+                <a:cs typeface="Times New Roman" panose="02020603050405020304" pitchFamily="18" charset="0"/>
+              </a:rPr>
+              <a:t>Министерство науки и высшего образования РФ</a:t>
+            </a:r>
+          </a:p>
+          <a:p>
+            <a:pPr algn="ctr"/>
+            <a:r>
+              <a:rPr lang="ru-RU" sz="2000" dirty="0">
+                <a:solidFill>
+                  <a:schemeClr val="tx1"/>
+                </a:solidFill>
+                <a:latin typeface="Times New Roman" panose="02020603050405020304" pitchFamily="18" charset="0"/>
+                <a:ea typeface="Roboto Slab" panose="020B0604020202020204" charset="0"/>
+                <a:cs typeface="Times New Roman" panose="02020603050405020304" pitchFamily="18" charset="0"/>
+              </a:rPr>
+              <a:t>Федеральное государственное бюджетное образовательное учреждение</a:t>
+            </a:r>
+          </a:p>
+          <a:p>
+            <a:pPr algn="ctr"/>
+            <a:r>
+              <a:rPr lang="ru-RU" sz="2000" dirty="0">
+                <a:solidFill>
+                  <a:schemeClr val="tx1"/>
+                </a:solidFill>
+                <a:latin typeface="Times New Roman" panose="02020603050405020304" pitchFamily="18" charset="0"/>
+                <a:ea typeface="Roboto Slab" panose="020B0604020202020204" charset="0"/>
+                <a:cs typeface="Times New Roman" panose="02020603050405020304" pitchFamily="18" charset="0"/>
+              </a:rPr>
+              <a:t>высшего образования</a:t>
+            </a:r>
+          </a:p>
+          <a:p>
+            <a:pPr algn="ctr"/>
+            <a:r>
+              <a:rPr lang="ru-RU" sz="2000" dirty="0">
+                <a:solidFill>
+                  <a:schemeClr val="tx1"/>
+                </a:solidFill>
+                <a:latin typeface="Times New Roman" panose="02020603050405020304" pitchFamily="18" charset="0"/>
+                <a:ea typeface="Roboto Slab" panose="020B0604020202020204" charset="0"/>
+                <a:cs typeface="Times New Roman" panose="02020603050405020304" pitchFamily="18" charset="0"/>
+              </a:rPr>
+              <a:t>«Астраханский государственный университет имени В.Н. Татищева»</a:t>
+            </a:r>
+          </a:p>
+          <a:p>
+            <a:pPr algn="ctr"/>
+            <a:r>
+              <a:rPr lang="ru-RU" sz="1600" dirty="0">
+                <a:solidFill>
+                  <a:schemeClr val="tx1"/>
+                </a:solidFill>
+                <a:latin typeface="Times New Roman" panose="02020603050405020304" pitchFamily="18" charset="0"/>
+                <a:ea typeface="Roboto Slab" panose="020B0604020202020204" charset="0"/>
+                <a:cs typeface="Times New Roman" panose="02020603050405020304" pitchFamily="18" charset="0"/>
+              </a:rPr>
+              <a:t> </a:t>
+            </a:r>
+          </a:p>
+          <a:p>
+            <a:pPr algn="ctr"/>
+            <a:r>
+              <a:rPr lang="ru-RU" sz="2000" dirty="0">
+                <a:solidFill>
+                  <a:schemeClr val="tx1"/>
+                </a:solidFill>
+                <a:latin typeface="Times New Roman" panose="02020603050405020304" pitchFamily="18" charset="0"/>
+                <a:ea typeface="Roboto Slab" panose="020B0604020202020204" charset="0"/>
+                <a:cs typeface="Times New Roman" panose="02020603050405020304" pitchFamily="18" charset="0"/>
+              </a:rPr>
+              <a:t>КАФЕДРА ИНФОРМАЦИОННЫХ ТЕХНОЛОГИЙ</a:t>
+            </a:r>
           </a:p>
         </p:txBody>
       </p:sp>
       <p:sp>
         <p:nvSpPr>
-          <p:cNvPr id="3" name="Подзаголовок 2">
-            <a:extLst>
-              <a:ext uri="{FF2B5EF4-FFF2-40B4-BE49-F238E27FC236}">
-                <a16:creationId xmlns:a16="http://schemas.microsoft.com/office/drawing/2014/main" id="{2E4A7D7A-A70D-5737-FF4D-020443FF7B46}"/>
-              </a:ext>
-            </a:extLst>
-          </p:cNvPr>
+          <p:cNvPr id="3" name="Подзаголовок 2"/>
           <p:cNvSpPr>
             <a:spLocks noGrp="1"/>
           </p:cNvSpPr>
@@ -12883,42 +11925,76 @@
         </p:nvSpPr>
         <p:spPr>
           <a:xfrm>
-            <a:off x="1524000" y="4383708"/>
-            <a:ext cx="9144000" cy="649223"/>
+            <a:off x="-1" y="2727406"/>
+            <a:ext cx="12192000" cy="921141"/>
           </a:xfrm>
         </p:spPr>
         <p:txBody>
           <a:bodyPr>
-            <a:normAutofit lnSpcReduction="10000"/>
+            <a:noAutofit/>
           </a:bodyPr>
           <a:lstStyle/>
           <a:p>
             <a:r>
-              <a:rPr lang="ru-RU" sz="2000" dirty="0">
-                <a:latin typeface="Times New Roman" panose="02020603050405020304" pitchFamily="18" charset="0"/>
-                <a:cs typeface="Times New Roman" panose="02020603050405020304" pitchFamily="18" charset="0"/>
-              </a:rPr>
-              <a:t>Выполнил: обучающийся гр. ДИФ-15 Кузургалиев Радмир Алексеевич</a:t>
-            </a:r>
-          </a:p>
-          <a:p>
-            <a:r>
-              <a:rPr lang="ru-RU" sz="2000" dirty="0">
-                <a:latin typeface="Times New Roman" panose="02020603050405020304" pitchFamily="18" charset="0"/>
-                <a:cs typeface="Times New Roman" panose="02020603050405020304" pitchFamily="18" charset="0"/>
-              </a:rPr>
-              <a:t>Руководитель: к.т.н. доцент Синельщиков Алексей Владимирович</a:t>
-            </a:r>
-            <a:endParaRPr lang="ru-RU" sz="2000" dirty="0"/>
+              <a:rPr lang="ru-RU" sz="2600" dirty="0">
+                <a:latin typeface="Times New Roman" panose="02020603050405020304" pitchFamily="18" charset="0"/>
+                <a:cs typeface="Times New Roman" panose="02020603050405020304" pitchFamily="18" charset="0"/>
+              </a:rPr>
+              <a:t>«Выбор архитектурного решения на основе </a:t>
+            </a:r>
+            <a:r>
+              <a:rPr lang="ru-RU" sz="2600" dirty="0" err="1">
+                <a:latin typeface="Times New Roman" panose="02020603050405020304" pitchFamily="18" charset="0"/>
+                <a:cs typeface="Times New Roman" panose="02020603050405020304" pitchFamily="18" charset="0"/>
+              </a:rPr>
+              <a:t>микросервисного</a:t>
+            </a:r>
+            <a:r>
+              <a:rPr lang="ru-RU" sz="2600" dirty="0">
+                <a:latin typeface="Times New Roman" panose="02020603050405020304" pitchFamily="18" charset="0"/>
+                <a:cs typeface="Times New Roman" panose="02020603050405020304" pitchFamily="18" charset="0"/>
+              </a:rPr>
+              <a:t> паттерна для корпоративной информационной системы»</a:t>
+            </a:r>
           </a:p>
         </p:txBody>
       </p:sp>
+      <p:pic>
+        <p:nvPicPr>
+          <p:cNvPr id="5" name="Рисунок 4"/>
+          <p:cNvPicPr>
+            <a:picLocks noChangeAspect="1"/>
+          </p:cNvPicPr>
+          <p:nvPr/>
+        </p:nvPicPr>
+        <p:blipFill>
+          <a:blip r:embed="rId3" cstate="print">
+            <a:extLst>
+              <a:ext uri="{28A0092B-C50C-407E-A947-70E740481C1C}">
+                <a14:useLocalDpi xmlns:a14="http://schemas.microsoft.com/office/drawing/2010/main" val="0"/>
+              </a:ext>
+            </a:extLst>
+          </a:blip>
+          <a:stretch>
+            <a:fillRect/>
+          </a:stretch>
+        </p:blipFill>
+        <p:spPr>
+          <a:xfrm>
+            <a:off x="10086975" y="300187"/>
+            <a:ext cx="1762126" cy="1762126"/>
+          </a:xfrm>
+          <a:prstGeom prst="rect">
+            <a:avLst/>
+          </a:prstGeom>
+        </p:spPr>
+      </p:pic>
       <p:sp>
         <p:nvSpPr>
-          <p:cNvPr id="5" name="Подзаголовок 2">
+          <p:cNvPr id="7" name="Подзаголовок 2">
             <a:extLst>
               <a:ext uri="{FF2B5EF4-FFF2-40B4-BE49-F238E27FC236}">
-                <a16:creationId xmlns:a16="http://schemas.microsoft.com/office/drawing/2014/main" id="{0C954765-D300-0864-8300-23C888EC5A4E}"/>
+                <a16:creationId xmlns:a16="http://schemas.microsoft.com/office/drawing/2014/main" id="{98FD72DA-8926-46B5-8FC9-91CA39D07724}"/>
               </a:ext>
             </a:extLst>
           </p:cNvPr>
@@ -12929,8 +12005,8 @@
         </p:nvSpPr>
         <p:spPr>
           <a:xfrm>
-            <a:off x="1524000" y="2859803"/>
-            <a:ext cx="9144000" cy="1331150"/>
+            <a:off x="8264964" y="3741493"/>
+            <a:ext cx="3491620" cy="2824119"/>
           </a:xfrm>
           <a:prstGeom prst="rect">
             <a:avLst/>
@@ -12943,23 +12019,14 @@
           <a:lstStyle>
             <a:lvl1pPr marL="0" indent="0" algn="ctr" defTabSz="914400" rtl="0" eaLnBrk="1" latinLnBrk="0" hangingPunct="1">
               <a:lnSpc>
-                <a:spcPct val="100000"/>
+                <a:spcPct val="90000"/>
               </a:lnSpc>
               <a:spcBef>
-                <a:spcPts val="0"/>
+                <a:spcPts val="1000"/>
               </a:spcBef>
-              <a:spcAft>
-                <a:spcPts val="0"/>
-              </a:spcAft>
-              <a:buClr>
-                <a:schemeClr val="tx1">
-                  <a:lumMod val="85000"/>
-                  <a:lumOff val="15000"/>
-                </a:schemeClr>
-              </a:buClr>
-              <a:buFont typeface="Garamond" pitchFamily="18" charset="0"/>
+              <a:buFont typeface="Arial" panose="020B0604020202020204" pitchFamily="34" charset="0"/>
               <a:buNone/>
-              <a:defRPr sz="1600" kern="1200" spc="80" baseline="0">
+              <a:defRPr sz="2400" kern="1200">
                 <a:solidFill>
                   <a:schemeClr val="tx1"/>
                 </a:solidFill>
@@ -12970,20 +12037,14 @@
             </a:lvl1pPr>
             <a:lvl2pPr marL="457200" indent="0" algn="ctr" defTabSz="914400" rtl="0" eaLnBrk="1" latinLnBrk="0" hangingPunct="1">
               <a:lnSpc>
-                <a:spcPct val="100000"/>
+                <a:spcPct val="90000"/>
               </a:lnSpc>
               <a:spcBef>
                 <a:spcPts val="500"/>
               </a:spcBef>
-              <a:buClr>
-                <a:schemeClr val="tx1">
-                  <a:lumMod val="85000"/>
-                  <a:lumOff val="15000"/>
-                </a:schemeClr>
-              </a:buClr>
-              <a:buFont typeface="Garamond" pitchFamily="18" charset="0"/>
+              <a:buFont typeface="Arial" panose="020B0604020202020204" pitchFamily="34" charset="0"/>
               <a:buNone/>
-              <a:defRPr sz="1600" kern="1200">
+              <a:defRPr sz="2000" kern="1200">
                 <a:solidFill>
                   <a:schemeClr val="tx1"/>
                 </a:solidFill>
@@ -12994,20 +12055,14 @@
             </a:lvl2pPr>
             <a:lvl3pPr marL="914400" indent="0" algn="ctr" defTabSz="914400" rtl="0" eaLnBrk="1" latinLnBrk="0" hangingPunct="1">
               <a:lnSpc>
-                <a:spcPct val="100000"/>
+                <a:spcPct val="90000"/>
               </a:lnSpc>
               <a:spcBef>
                 <a:spcPts val="500"/>
               </a:spcBef>
-              <a:buClr>
-                <a:schemeClr val="tx1">
-                  <a:lumMod val="85000"/>
-                  <a:lumOff val="15000"/>
-                </a:schemeClr>
-              </a:buClr>
-              <a:buFont typeface="Garamond" pitchFamily="18" charset="0"/>
+              <a:buFont typeface="Arial" panose="020B0604020202020204" pitchFamily="34" charset="0"/>
               <a:buNone/>
-              <a:defRPr sz="1600" kern="1200">
+              <a:defRPr sz="1800" kern="1200">
                 <a:solidFill>
                   <a:schemeClr val="tx1"/>
                 </a:solidFill>
@@ -13018,18 +12073,12 @@
             </a:lvl3pPr>
             <a:lvl4pPr marL="1371600" indent="0" algn="ctr" defTabSz="914400" rtl="0" eaLnBrk="1" latinLnBrk="0" hangingPunct="1">
               <a:lnSpc>
-                <a:spcPct val="100000"/>
+                <a:spcPct val="90000"/>
               </a:lnSpc>
               <a:spcBef>
                 <a:spcPts val="500"/>
               </a:spcBef>
-              <a:buClr>
-                <a:schemeClr val="tx1">
-                  <a:lumMod val="85000"/>
-                  <a:lumOff val="15000"/>
-                </a:schemeClr>
-              </a:buClr>
-              <a:buFont typeface="Garamond" pitchFamily="18" charset="0"/>
+              <a:buFont typeface="Arial" panose="020B0604020202020204" pitchFamily="34" charset="0"/>
               <a:buNone/>
               <a:defRPr sz="1600" kern="1200">
                 <a:solidFill>
@@ -13042,18 +12091,12 @@
             </a:lvl4pPr>
             <a:lvl5pPr marL="1828800" indent="0" algn="ctr" defTabSz="914400" rtl="0" eaLnBrk="1" latinLnBrk="0" hangingPunct="1">
               <a:lnSpc>
-                <a:spcPct val="100000"/>
+                <a:spcPct val="90000"/>
               </a:lnSpc>
               <a:spcBef>
                 <a:spcPts val="500"/>
               </a:spcBef>
-              <a:buClr>
-                <a:schemeClr val="tx1">
-                  <a:lumMod val="85000"/>
-                  <a:lumOff val="15000"/>
-                </a:schemeClr>
-              </a:buClr>
-              <a:buFont typeface="Garamond" pitchFamily="18" charset="0"/>
+              <a:buFont typeface="Arial" panose="020B0604020202020204" pitchFamily="34" charset="0"/>
               <a:buNone/>
               <a:defRPr sz="1600" kern="1200">
                 <a:solidFill>
@@ -13066,18 +12109,12 @@
             </a:lvl5pPr>
             <a:lvl6pPr marL="2286000" indent="0" algn="ctr" defTabSz="914400" rtl="0" eaLnBrk="1" latinLnBrk="0" hangingPunct="1">
               <a:lnSpc>
-                <a:spcPct val="100000"/>
+                <a:spcPct val="90000"/>
               </a:lnSpc>
               <a:spcBef>
                 <a:spcPts val="500"/>
               </a:spcBef>
-              <a:buClr>
-                <a:schemeClr val="tx1">
-                  <a:lumMod val="85000"/>
-                  <a:lumOff val="15000"/>
-                </a:schemeClr>
-              </a:buClr>
-              <a:buFont typeface="Garamond" pitchFamily="18" charset="0"/>
+              <a:buFont typeface="Arial" panose="020B0604020202020204" pitchFamily="34" charset="0"/>
               <a:buNone/>
               <a:defRPr sz="1600" kern="1200">
                 <a:solidFill>
@@ -13090,18 +12127,12 @@
             </a:lvl6pPr>
             <a:lvl7pPr marL="2743200" indent="0" algn="ctr" defTabSz="914400" rtl="0" eaLnBrk="1" latinLnBrk="0" hangingPunct="1">
               <a:lnSpc>
-                <a:spcPct val="100000"/>
+                <a:spcPct val="90000"/>
               </a:lnSpc>
               <a:spcBef>
                 <a:spcPts val="500"/>
               </a:spcBef>
-              <a:buClr>
-                <a:schemeClr val="tx1">
-                  <a:lumMod val="85000"/>
-                  <a:lumOff val="15000"/>
-                </a:schemeClr>
-              </a:buClr>
-              <a:buFont typeface="Garamond" pitchFamily="18" charset="0"/>
+              <a:buFont typeface="Arial" panose="020B0604020202020204" pitchFamily="34" charset="0"/>
               <a:buNone/>
               <a:defRPr sz="1600" kern="1200">
                 <a:solidFill>
@@ -13114,18 +12145,12 @@
             </a:lvl7pPr>
             <a:lvl8pPr marL="3200400" indent="0" algn="ctr" defTabSz="914400" rtl="0" eaLnBrk="1" latinLnBrk="0" hangingPunct="1">
               <a:lnSpc>
-                <a:spcPct val="100000"/>
+                <a:spcPct val="90000"/>
               </a:lnSpc>
               <a:spcBef>
                 <a:spcPts val="500"/>
               </a:spcBef>
-              <a:buClr>
-                <a:schemeClr val="tx1">
-                  <a:lumMod val="85000"/>
-                  <a:lumOff val="15000"/>
-                </a:schemeClr>
-              </a:buClr>
-              <a:buFont typeface="Garamond" pitchFamily="18" charset="0"/>
+              <a:buFont typeface="Arial" panose="020B0604020202020204" pitchFamily="34" charset="0"/>
               <a:buNone/>
               <a:defRPr sz="1600" kern="1200">
                 <a:solidFill>
@@ -13138,18 +12163,12 @@
             </a:lvl8pPr>
             <a:lvl9pPr marL="3657600" indent="0" algn="ctr" defTabSz="914400" rtl="0" eaLnBrk="1" latinLnBrk="0" hangingPunct="1">
               <a:lnSpc>
-                <a:spcPct val="100000"/>
+                <a:spcPct val="90000"/>
               </a:lnSpc>
               <a:spcBef>
                 <a:spcPts val="500"/>
               </a:spcBef>
-              <a:buClr>
-                <a:schemeClr val="tx1">
-                  <a:lumMod val="85000"/>
-                  <a:lumOff val="15000"/>
-                </a:schemeClr>
-              </a:buClr>
-              <a:buFont typeface="Garamond" pitchFamily="18" charset="0"/>
+              <a:buFont typeface="Arial" panose="020B0604020202020204" pitchFamily="34" charset="0"/>
               <a:buNone/>
               <a:defRPr sz="1600" kern="1200">
                 <a:solidFill>
@@ -13162,35 +12181,214 @@
             </a:lvl9pPr>
           </a:lstStyle>
           <a:p>
+            <a:pPr algn="l">
+              <a:lnSpc>
+                <a:spcPct val="120000"/>
+              </a:lnSpc>
+              <a:spcBef>
+                <a:spcPts val="0"/>
+              </a:spcBef>
+            </a:pPr>
+            <a:r>
+              <a:rPr lang="ru-RU" sz="1600" dirty="0">
+                <a:latin typeface="Times New Roman" panose="02020603050405020304" pitchFamily="18" charset="0"/>
+                <a:cs typeface="Times New Roman" panose="02020603050405020304" pitchFamily="18" charset="0"/>
+              </a:rPr>
+              <a:t>Выполнил: </a:t>
+            </a:r>
+          </a:p>
+          <a:p>
+            <a:pPr algn="l">
+              <a:lnSpc>
+                <a:spcPct val="120000"/>
+              </a:lnSpc>
+              <a:spcBef>
+                <a:spcPts val="0"/>
+              </a:spcBef>
+            </a:pPr>
+            <a:r>
+              <a:rPr lang="ru-RU" sz="1600" dirty="0">
+                <a:latin typeface="Times New Roman" panose="02020603050405020304" pitchFamily="18" charset="0"/>
+                <a:cs typeface="Times New Roman" panose="02020603050405020304" pitchFamily="18" charset="0"/>
+              </a:rPr>
+              <a:t>студент группы ДИФ-15</a:t>
+            </a:r>
+          </a:p>
+          <a:p>
+            <a:pPr algn="l">
+              <a:lnSpc>
+                <a:spcPct val="120000"/>
+              </a:lnSpc>
+              <a:spcBef>
+                <a:spcPts val="0"/>
+              </a:spcBef>
+              <a:spcAft>
+                <a:spcPts val="1200"/>
+              </a:spcAft>
+            </a:pPr>
+            <a:r>
+              <a:rPr lang="ru-RU" sz="1600" dirty="0">
+                <a:latin typeface="Times New Roman" panose="02020603050405020304" pitchFamily="18" charset="0"/>
+                <a:cs typeface="Times New Roman" panose="02020603050405020304" pitchFamily="18" charset="0"/>
+              </a:rPr>
+              <a:t>Кузургалиев Радмир Алексеевич</a:t>
+            </a:r>
+          </a:p>
+          <a:p>
+            <a:pPr algn="l">
+              <a:lnSpc>
+                <a:spcPct val="120000"/>
+              </a:lnSpc>
+              <a:spcBef>
+                <a:spcPts val="0"/>
+              </a:spcBef>
+            </a:pPr>
+            <a:r>
+              <a:rPr lang="ru-RU" sz="1600" dirty="0">
+                <a:latin typeface="Times New Roman" panose="02020603050405020304" pitchFamily="18" charset="0"/>
+                <a:cs typeface="Times New Roman" panose="02020603050405020304" pitchFamily="18" charset="0"/>
+              </a:rPr>
+              <a:t>Научный руководитель:</a:t>
+            </a:r>
+          </a:p>
+          <a:p>
+            <a:pPr algn="l">
+              <a:lnSpc>
+                <a:spcPct val="120000"/>
+              </a:lnSpc>
+              <a:spcBef>
+                <a:spcPts val="0"/>
+              </a:spcBef>
+            </a:pPr>
+            <a:r>
+              <a:rPr lang="ru-RU" sz="1600" dirty="0">
+                <a:latin typeface="Times New Roman" panose="02020603050405020304" pitchFamily="18" charset="0"/>
+                <a:cs typeface="Times New Roman" panose="02020603050405020304" pitchFamily="18" charset="0"/>
+              </a:rPr>
+              <a:t>доцент кафедры ИТ, </a:t>
+            </a:r>
+            <a:r>
+              <a:rPr lang="ru-RU" sz="1600" dirty="0" err="1">
+                <a:latin typeface="Times New Roman" panose="02020603050405020304" pitchFamily="18" charset="0"/>
+                <a:cs typeface="Times New Roman" panose="02020603050405020304" pitchFamily="18" charset="0"/>
+              </a:rPr>
+              <a:t>к.т.н</a:t>
+            </a:r>
+            <a:r>
+              <a:rPr lang="ru-RU" sz="1600" dirty="0">
+                <a:latin typeface="Times New Roman" panose="02020603050405020304" pitchFamily="18" charset="0"/>
+                <a:cs typeface="Times New Roman" panose="02020603050405020304" pitchFamily="18" charset="0"/>
+              </a:rPr>
+              <a:t>, доцент</a:t>
+            </a:r>
+          </a:p>
+          <a:p>
+            <a:pPr algn="l">
+              <a:lnSpc>
+                <a:spcPct val="120000"/>
+              </a:lnSpc>
+              <a:spcBef>
+                <a:spcPts val="0"/>
+              </a:spcBef>
+            </a:pPr>
+            <a:r>
+              <a:rPr lang="ru-RU" sz="1600" dirty="0">
+                <a:latin typeface="Times New Roman" panose="02020603050405020304" pitchFamily="18" charset="0"/>
+                <a:cs typeface="Times New Roman" panose="02020603050405020304" pitchFamily="18" charset="0"/>
+              </a:rPr>
+              <a:t>Синельщиков Алексей Владимирович</a:t>
+            </a:r>
+          </a:p>
+        </p:txBody>
+      </p:sp>
+      <p:sp>
+        <p:nvSpPr>
+          <p:cNvPr id="8" name="TextBox 7">
+            <a:extLst>
+              <a:ext uri="{FF2B5EF4-FFF2-40B4-BE49-F238E27FC236}">
+                <a16:creationId xmlns:a16="http://schemas.microsoft.com/office/drawing/2014/main" id="{6F6BEE4D-0DE1-FA82-2870-612E15173CFF}"/>
+              </a:ext>
+            </a:extLst>
+          </p:cNvPr>
+          <p:cNvSpPr txBox="1"/>
+          <p:nvPr/>
+        </p:nvSpPr>
+        <p:spPr>
+          <a:xfrm>
+            <a:off x="4531032" y="2152231"/>
+            <a:ext cx="3129959" cy="400110"/>
+          </a:xfrm>
+          <a:prstGeom prst="rect">
+            <a:avLst/>
+          </a:prstGeom>
+          <a:noFill/>
+        </p:spPr>
+        <p:txBody>
+          <a:bodyPr wrap="none" rtlCol="0">
+            <a:spAutoFit/>
+          </a:bodyPr>
+          <a:lstStyle/>
+          <a:p>
+            <a:pPr algn="ctr"/>
             <a:r>
               <a:rPr lang="ru-RU" sz="2000" dirty="0">
                 <a:latin typeface="Times New Roman" panose="02020603050405020304" pitchFamily="18" charset="0"/>
                 <a:cs typeface="Times New Roman" panose="02020603050405020304" pitchFamily="18" charset="0"/>
               </a:rPr>
-              <a:t>НА ТЕМУ </a:t>
-            </a:r>
-          </a:p>
-          <a:p>
-            <a:r>
-              <a:rPr lang="ru-RU" sz="2000" dirty="0">
-                <a:latin typeface="Times New Roman" panose="02020603050405020304" pitchFamily="18" charset="0"/>
-                <a:cs typeface="Times New Roman" panose="02020603050405020304" pitchFamily="18" charset="0"/>
-              </a:rPr>
-              <a:t>«Выбор архиртектурного решения на основе </a:t>
-            </a:r>
-            <a:r>
-              <a:rPr lang="ru-RU" sz="2000" dirty="0" err="1">
-                <a:latin typeface="Times New Roman" panose="02020603050405020304" pitchFamily="18" charset="0"/>
-                <a:cs typeface="Times New Roman" panose="02020603050405020304" pitchFamily="18" charset="0"/>
-              </a:rPr>
-              <a:t>микросервисного</a:t>
-            </a:r>
-            <a:r>
-              <a:rPr lang="ru-RU" sz="2000" dirty="0">
-                <a:latin typeface="Times New Roman" panose="02020603050405020304" pitchFamily="18" charset="0"/>
-                <a:cs typeface="Times New Roman" panose="02020603050405020304" pitchFamily="18" charset="0"/>
-              </a:rPr>
-              <a:t> паттерна для корпоративной информационной системы»</a:t>
+              <a:t>Магистерская диссертация</a:t>
+            </a:r>
+            <a:endParaRPr lang="x-none" sz="2000" dirty="0">
+              <a:latin typeface="Times New Roman" panose="02020603050405020304" pitchFamily="18" charset="0"/>
+              <a:cs typeface="Times New Roman" panose="02020603050405020304" pitchFamily="18" charset="0"/>
+            </a:endParaRPr>
+          </a:p>
+        </p:txBody>
+      </p:sp>
+      <p:sp>
+        <p:nvSpPr>
+          <p:cNvPr id="9" name="TextBox 8">
+            <a:extLst>
+              <a:ext uri="{FF2B5EF4-FFF2-40B4-BE49-F238E27FC236}">
+                <a16:creationId xmlns:a16="http://schemas.microsoft.com/office/drawing/2014/main" id="{40123A70-503F-4BA2-AF26-D075D96C89C9}"/>
+              </a:ext>
+            </a:extLst>
+          </p:cNvPr>
+          <p:cNvSpPr txBox="1"/>
+          <p:nvPr/>
+        </p:nvSpPr>
+        <p:spPr>
+          <a:xfrm>
+            <a:off x="4488179" y="6164584"/>
+            <a:ext cx="3215640" cy="584775"/>
+          </a:xfrm>
+          <a:prstGeom prst="rect">
+            <a:avLst/>
+          </a:prstGeom>
+          <a:noFill/>
+        </p:spPr>
+        <p:txBody>
+          <a:bodyPr wrap="square" rtlCol="0">
+            <a:spAutoFit/>
+          </a:bodyPr>
+          <a:lstStyle/>
+          <a:p>
+            <a:pPr algn="ctr"/>
+            <a:r>
+              <a:rPr lang="ru-RU" sz="1600" dirty="0">
+                <a:latin typeface="Times New Roman" panose="02020603050405020304" pitchFamily="18" charset="0"/>
+                <a:cs typeface="Times New Roman" panose="02020603050405020304" pitchFamily="18" charset="0"/>
+              </a:rPr>
+              <a:t>Астрахань</a:t>
+            </a:r>
+          </a:p>
+          <a:p>
+            <a:pPr algn="ctr"/>
+            <a:r>
+              <a:rPr lang="ru-RU" sz="1600" dirty="0">
+                <a:latin typeface="Times New Roman" panose="02020603050405020304" pitchFamily="18" charset="0"/>
+                <a:cs typeface="Times New Roman" panose="02020603050405020304" pitchFamily="18" charset="0"/>
+              </a:rPr>
+              <a:t>2025</a:t>
             </a:r>
           </a:p>
         </p:txBody>
@@ -13198,7 +12396,7 @@
     </p:spTree>
     <p:extLst>
       <p:ext uri="{BB962C8B-B14F-4D97-AF65-F5344CB8AC3E}">
-        <p14:creationId xmlns:p14="http://schemas.microsoft.com/office/powerpoint/2010/main" val="4084506966"/>
+        <p14:creationId xmlns:p14="http://schemas.microsoft.com/office/powerpoint/2010/main" val="603475891"/>
       </p:ext>
     </p:extLst>
   </p:cSld>
@@ -13209,9 +12407,9 @@
 </file>
 
 <file path=ppt/theme/theme1.xml><?xml version="1.0" encoding="utf-8"?>
-<a:theme xmlns:a="http://schemas.openxmlformats.org/drawingml/2006/main" name="Савон">
+<a:theme xmlns:a="http://schemas.openxmlformats.org/drawingml/2006/main" name="Тема Office 2013–2022">
   <a:themeElements>
-    <a:clrScheme name="Савон">
+    <a:clrScheme name="Тема Office 2013–2022">
       <a:dk1>
         <a:sysClr val="windowText" lastClr="000000"/>
       </a:dk1>
@@ -13219,48 +12417,83 @@
         <a:sysClr val="window" lastClr="FFFFFF"/>
       </a:lt1>
       <a:dk2>
-        <a:srgbClr val="1485A4"/>
+        <a:srgbClr val="44546A"/>
       </a:dk2>
       <a:lt2>
-        <a:srgbClr val="E3DED1"/>
+        <a:srgbClr val="E7E6E6"/>
       </a:lt2>
       <a:accent1>
-        <a:srgbClr val="1CADE4"/>
+        <a:srgbClr val="4472C4"/>
       </a:accent1>
       <a:accent2>
-        <a:srgbClr val="2683C6"/>
+        <a:srgbClr val="ED7D31"/>
       </a:accent2>
       <a:accent3>
-        <a:srgbClr val="27CED7"/>
+        <a:srgbClr val="A5A5A5"/>
       </a:accent3>
       <a:accent4>
-        <a:srgbClr val="42BA97"/>
+        <a:srgbClr val="FFC000"/>
       </a:accent4>
       <a:accent5>
-        <a:srgbClr val="3E8853"/>
+        <a:srgbClr val="5B9BD5"/>
       </a:accent5>
       <a:accent6>
-        <a:srgbClr val="62A39F"/>
+        <a:srgbClr val="70AD47"/>
       </a:accent6>
       <a:hlink>
-        <a:srgbClr val="F49100"/>
+        <a:srgbClr val="0563C1"/>
       </a:hlink>
       <a:folHlink>
-        <a:srgbClr val="739D9B"/>
+        <a:srgbClr val="954F72"/>
       </a:folHlink>
     </a:clrScheme>
-    <a:fontScheme name="Савон">
+    <a:fontScheme name="Тема Office 2013–2022">
       <a:majorFont>
-        <a:latin typeface="Century Gothic" panose="020B0502020202020204"/>
+        <a:latin typeface="Calibri Light" panose="020F0302020204030204"/>
         <a:ea typeface=""/>
         <a:cs typeface=""/>
-        <a:font script="Jpan" typeface="ＭＳ ゴシック"/>
+        <a:font script="Jpan" typeface="游ゴシック Light"/>
         <a:font script="Hang" typeface="맑은 고딕"/>
-        <a:font script="Hans" typeface="宋体"/>
+        <a:font script="Hans" typeface="等线 Light"/>
         <a:font script="Hant" typeface="新細明體"/>
-        <a:font script="Arab" typeface="Tahoma"/>
-        <a:font script="Hebr" typeface="Gisha"/>
-        <a:font script="Thai" typeface="DilleniaUPC"/>
+        <a:font script="Arab" typeface="Times New Roman"/>
+        <a:font script="Hebr" typeface="Times New Roman"/>
+        <a:font script="Thai" typeface="Angsana New"/>
+        <a:font script="Ethi" typeface="Nyala"/>
+        <a:font script="Beng" typeface="Vrinda"/>
+        <a:font script="Gujr" typeface="Shruti"/>
+        <a:font script="Khmr" typeface="MoolBoran"/>
+        <a:font script="Knda" typeface="Tunga"/>
+        <a:font script="Guru" typeface="Raavi"/>
+        <a:font script="Cans" typeface="Euphemia"/>
+        <a:font script="Cher" typeface="Plantagenet Cherokee"/>
+        <a:font script="Yiii" typeface="Microsoft Yi Baiti"/>
+        <a:font script="Tibt" typeface="Microsoft Himalaya"/>
+        <a:font script="Thaa" typeface="MV Boli"/>
+        <a:font script="Deva" typeface="Mangal"/>
+        <a:font script="Telu" typeface="Gautami"/>
+        <a:font script="Taml" typeface="Latha"/>
+        <a:font script="Syrc" typeface="Estrangelo Edessa"/>
+        <a:font script="Orya" typeface="Kalinga"/>
+        <a:font script="Mlym" typeface="Kartika"/>
+        <a:font script="Laoo" typeface="DokChampa"/>
+        <a:font script="Sinh" typeface="Iskoola Pota"/>
+        <a:font script="Mong" typeface="Mongolian Baiti"/>
+        <a:font script="Viet" typeface="Times New Roman"/>
+        <a:font script="Uigh" typeface="Microsoft Uighur"/>
+        <a:font script="Geor" typeface="Sylfaen"/>
+      </a:majorFont>
+      <a:minorFont>
+        <a:latin typeface="Calibri" panose="020F0502020204030204"/>
+        <a:ea typeface=""/>
+        <a:cs typeface=""/>
+        <a:font script="Jpan" typeface="游ゴシック"/>
+        <a:font script="Hang" typeface="맑은 고딕"/>
+        <a:font script="Hans" typeface="等线"/>
+        <a:font script="Hant" typeface="新細明體"/>
+        <a:font script="Arab" typeface="Arial"/>
+        <a:font script="Hebr" typeface="Arial"/>
+        <a:font script="Thai" typeface="Cordia New"/>
         <a:font script="Ethi" typeface="Nyala"/>
         <a:font script="Beng" typeface="Vrinda"/>
         <a:font script="Gujr" typeface="Shruti"/>
@@ -13281,47 +12514,12 @@
         <a:font script="Laoo" typeface="DokChampa"/>
         <a:font script="Sinh" typeface="Iskoola Pota"/>
         <a:font script="Mong" typeface="Mongolian Baiti"/>
-        <a:font script="Viet" typeface="Tahoma"/>
-        <a:font script="Uigh" typeface="Microsoft Uighur"/>
-        <a:font script="Geor" typeface="Sylfaen"/>
-      </a:majorFont>
-      <a:minorFont>
-        <a:latin typeface="Century Gothic" panose="020B0502020202020204"/>
-        <a:ea typeface=""/>
-        <a:cs typeface=""/>
-        <a:font script="Jpan" typeface="ＭＳ ゴシック"/>
-        <a:font script="Hang" typeface="맑은 고딕"/>
-        <a:font script="Hans" typeface="宋体"/>
-        <a:font script="Hant" typeface="新細明體"/>
-        <a:font script="Arab" typeface="Tahoma"/>
-        <a:font script="Hebr" typeface="Gisha"/>
-        <a:font script="Thai" typeface="DilleniaUPC"/>
-        <a:font script="Ethi" typeface="Nyala"/>
-        <a:font script="Beng" typeface="Vrinda"/>
-        <a:font script="Gujr" typeface="Shruti"/>
-        <a:font script="Khmr" typeface="DaunPenh"/>
-        <a:font script="Knda" typeface="Tunga"/>
-        <a:font script="Guru" typeface="Raavi"/>
-        <a:font script="Cans" typeface="Euphemia"/>
-        <a:font script="Cher" typeface="Plantagenet Cherokee"/>
-        <a:font script="Yiii" typeface="Microsoft Yi Baiti"/>
-        <a:font script="Tibt" typeface="Microsoft Himalaya"/>
-        <a:font script="Thaa" typeface="MV Boli"/>
-        <a:font script="Deva" typeface="Mangal"/>
-        <a:font script="Telu" typeface="Gautami"/>
-        <a:font script="Taml" typeface="Latha"/>
-        <a:font script="Syrc" typeface="Estrangelo Edessa"/>
-        <a:font script="Orya" typeface="Kalinga"/>
-        <a:font script="Mlym" typeface="Kartika"/>
-        <a:font script="Laoo" typeface="DokChampa"/>
-        <a:font script="Sinh" typeface="Iskoola Pota"/>
-        <a:font script="Mong" typeface="Mongolian Baiti"/>
-        <a:font script="Viet" typeface="Verdana"/>
+        <a:font script="Viet" typeface="Arial"/>
         <a:font script="Uigh" typeface="Microsoft Uighur"/>
         <a:font script="Geor" typeface="Sylfaen"/>
       </a:minorFont>
     </a:fontScheme>
-    <a:fmtScheme name="Савон">
+    <a:fmtScheme name="Тема Office 2013–2022">
       <a:fillStyleLst>
         <a:solidFill>
           <a:schemeClr val="phClr"/>
@@ -13330,23 +12528,23 @@
           <a:gsLst>
             <a:gs pos="0">
               <a:schemeClr val="phClr">
-                <a:tint val="60000"/>
+                <a:lumMod val="110000"/>
                 <a:satMod val="105000"/>
+                <a:tint val="67000"/>
+              </a:schemeClr>
+            </a:gs>
+            <a:gs pos="50000">
+              <a:schemeClr val="phClr">
                 <a:lumMod val="105000"/>
+                <a:satMod val="103000"/>
+                <a:tint val="73000"/>
               </a:schemeClr>
             </a:gs>
             <a:gs pos="100000">
               <a:schemeClr val="phClr">
-                <a:tint val="65000"/>
-                <a:satMod val="100000"/>
-                <a:lumMod val="100000"/>
-              </a:schemeClr>
-            </a:gs>
-            <a:gs pos="100000">
-              <a:schemeClr val="phClr">
-                <a:tint val="70000"/>
-                <a:satMod val="100000"/>
-                <a:lumMod val="100000"/>
+                <a:lumMod val="105000"/>
+                <a:satMod val="109000"/>
+                <a:tint val="81000"/>
               </a:schemeClr>
             </a:gs>
           </a:gsLst>
@@ -13356,22 +12554,23 @@
           <a:gsLst>
             <a:gs pos="0">
               <a:schemeClr val="phClr">
-                <a:satMod val="100000"/>
-                <a:lumMod val="100000"/>
+                <a:satMod val="103000"/>
+                <a:lumMod val="102000"/>
+                <a:tint val="94000"/>
               </a:schemeClr>
             </a:gs>
             <a:gs pos="50000">
               <a:schemeClr val="phClr">
-                <a:shade val="99000"/>
-                <a:satMod val="105000"/>
+                <a:satMod val="110000"/>
                 <a:lumMod val="100000"/>
+                <a:shade val="100000"/>
               </a:schemeClr>
             </a:gs>
             <a:gs pos="100000">
               <a:schemeClr val="phClr">
-                <a:shade val="98000"/>
-                <a:satMod val="105000"/>
-                <a:lumMod val="100000"/>
+                <a:lumMod val="99000"/>
+                <a:satMod val="120000"/>
+                <a:shade val="78000"/>
               </a:schemeClr>
             </a:gs>
           </a:gsLst>
@@ -13384,18 +12583,21 @@
             <a:schemeClr val="phClr"/>
           </a:solidFill>
           <a:prstDash val="solid"/>
+          <a:miter lim="800000"/>
         </a:ln>
         <a:ln w="12700" cap="flat" cmpd="sng" algn="ctr">
           <a:solidFill>
             <a:schemeClr val="phClr"/>
           </a:solidFill>
           <a:prstDash val="solid"/>
+          <a:miter lim="800000"/>
         </a:ln>
         <a:ln w="19050" cap="flat" cmpd="sng" algn="ctr">
           <a:solidFill>
             <a:schemeClr val="phClr"/>
           </a:solidFill>
           <a:prstDash val="solid"/>
+          <a:miter lim="800000"/>
         </a:ln>
       </a:lnStyleLst>
       <a:effectStyleLst>
@@ -13403,13 +12605,7 @@
           <a:effectLst/>
         </a:effectStyle>
         <a:effectStyle>
-          <a:effectLst>
-            <a:outerShdw blurRad="38100" dist="12700" dir="5400000" algn="ctr" rotWithShape="0">
-              <a:srgbClr val="000000">
-                <a:alpha val="63000"/>
-              </a:srgbClr>
-            </a:outerShdw>
-          </a:effectLst>
+          <a:effectLst/>
         </a:effectStyle>
         <a:effectStyle>
           <a:effectLst>
@@ -13419,63 +12615,45 @@
               </a:srgbClr>
             </a:outerShdw>
           </a:effectLst>
-          <a:scene3d>
-            <a:camera prst="orthographicFront">
-              <a:rot lat="0" lon="0" rev="0"/>
-            </a:camera>
-            <a:lightRig rig="flat" dir="tl">
-              <a:rot lat="0" lon="0" rev="4200000"/>
-            </a:lightRig>
-          </a:scene3d>
-          <a:sp3d prstMaterial="flat">
-            <a:bevelT w="50800" h="63500" prst="riblet"/>
-          </a:sp3d>
         </a:effectStyle>
       </a:effectStyleLst>
       <a:bgFillStyleLst>
         <a:solidFill>
           <a:schemeClr val="phClr"/>
         </a:solidFill>
+        <a:solidFill>
+          <a:schemeClr val="phClr">
+            <a:tint val="95000"/>
+            <a:satMod val="170000"/>
+          </a:schemeClr>
+        </a:solidFill>
         <a:gradFill rotWithShape="1">
           <a:gsLst>
             <a:gs pos="0">
               <a:schemeClr val="phClr">
-                <a:tint val="90000"/>
-                <a:shade val="92000"/>
-                <a:satMod val="160000"/>
+                <a:tint val="93000"/>
+                <a:satMod val="150000"/>
+                <a:shade val="98000"/>
+                <a:lumMod val="102000"/>
               </a:schemeClr>
             </a:gs>
-            <a:gs pos="77000">
+            <a:gs pos="50000">
               <a:schemeClr val="phClr">
-                <a:tint val="100000"/>
-                <a:shade val="73000"/>
-                <a:satMod val="155000"/>
+                <a:tint val="98000"/>
+                <a:satMod val="130000"/>
+                <a:shade val="90000"/>
+                <a:lumMod val="103000"/>
               </a:schemeClr>
             </a:gs>
             <a:gs pos="100000">
               <a:schemeClr val="phClr">
-                <a:tint val="100000"/>
-                <a:shade val="67000"/>
-                <a:satMod val="145000"/>
+                <a:shade val="63000"/>
+                <a:satMod val="120000"/>
               </a:schemeClr>
             </a:gs>
           </a:gsLst>
           <a:lin ang="5400000" scaled="0"/>
         </a:gradFill>
-        <a:blipFill rotWithShape="1">
-          <a:blip xmlns:r="http://schemas.openxmlformats.org/officeDocument/2006/relationships" r:embed="rId1">
-            <a:duotone>
-              <a:schemeClr val="phClr">
-                <a:tint val="95000"/>
-              </a:schemeClr>
-              <a:schemeClr val="phClr">
-                <a:shade val="92000"/>
-                <a:satMod val="115000"/>
-              </a:schemeClr>
-            </a:duotone>
-          </a:blip>
-          <a:tile tx="0" ty="0" sx="60000" sy="60000" flip="none" algn="tl"/>
-        </a:blipFill>
       </a:bgFillStyleLst>
     </a:fmtScheme>
   </a:themeElements>
@@ -13483,7 +12661,7 @@
   <a:extraClrSchemeLst/>
   <a:extLst>
     <a:ext uri="{05A4C25C-085E-4340-85A3-A5531E510DB2}">
-      <thm15:themeFamily xmlns:thm15="http://schemas.microsoft.com/office/thememl/2012/main" name="Savon" id="{1306E473-ED32-493B-A2D0-240A757EDD34}" vid="{C20BADFE-D095-436F-9677-9264042809F0}"/>
+      <thm15:themeFamily xmlns:thm15="http://schemas.microsoft.com/office/thememl/2012/main" name="Office 2013 - 2022 Theme" id="{62F939B6-93AF-4DB8-9C6B-D6C7DFDC589F}" vid="{4A3C46E8-61CC-4603-A589-7422A47A8E4A}"/>
     </a:ext>
   </a:extLst>
 </a:theme>

--- a/Магистерская/Предзащита(после Синельщикова).pptx
+++ b/Магистерская/Предзащита(после Синельщикова).pptx
@@ -7635,10 +7635,10 @@
                 <a:latin typeface="Times New Roman" panose="02020603050405020304" pitchFamily="18" charset="0"/>
                 <a:cs typeface="Times New Roman" panose="02020603050405020304" pitchFamily="18" charset="0"/>
               </a:rPr>
-              <a:t>«Выбор архитектурного решения на основе </a:t>
-            </a:r>
-            <a:r>
-              <a:rPr lang="ru-RU" sz="2600" dirty="0" err="1">
+              <a:t>«Информационная система для анализа эффективности архитектурных решений на основе </a:t>
+            </a:r>
+            <a:r>
+              <a:rPr lang="ru-RU" sz="2600">
                 <a:latin typeface="Times New Roman" panose="02020603050405020304" pitchFamily="18" charset="0"/>
                 <a:cs typeface="Times New Roman" panose="02020603050405020304" pitchFamily="18" charset="0"/>
               </a:rPr>
@@ -7649,7 +7649,7 @@
                 <a:latin typeface="Times New Roman" panose="02020603050405020304" pitchFamily="18" charset="0"/>
                 <a:cs typeface="Times New Roman" panose="02020603050405020304" pitchFamily="18" charset="0"/>
               </a:rPr>
-              <a:t> паттерна для корпоративной информационной системы»</a:t>
+              <a:t> паттерна»</a:t>
             </a:r>
           </a:p>
         </p:txBody>
